--- a/img/label_mapping.pptx
+++ b/img/label_mapping.pptx
@@ -242,7 +242,7 @@
           <a:lstStyle/>
           <a:p>
             <a:fld id="{DC9FAFB6-4508-1A4C-B0F1-4DD2BB43A74C}" type="datetimeFigureOut">
-              <a:t>17.06.20</a:t>
+              <a:t>01.07.20</a:t>
             </a:fld>
             <a:endParaRPr lang="de-DE"/>
           </a:p>
@@ -410,7 +410,7 @@
           <a:lstStyle/>
           <a:p>
             <a:fld id="{DC9FAFB6-4508-1A4C-B0F1-4DD2BB43A74C}" type="datetimeFigureOut">
-              <a:t>17.06.20</a:t>
+              <a:t>01.07.20</a:t>
             </a:fld>
             <a:endParaRPr lang="de-DE"/>
           </a:p>
@@ -588,7 +588,7 @@
           <a:lstStyle/>
           <a:p>
             <a:fld id="{DC9FAFB6-4508-1A4C-B0F1-4DD2BB43A74C}" type="datetimeFigureOut">
-              <a:t>17.06.20</a:t>
+              <a:t>01.07.20</a:t>
             </a:fld>
             <a:endParaRPr lang="de-DE"/>
           </a:p>
@@ -756,7 +756,7 @@
           <a:lstStyle/>
           <a:p>
             <a:fld id="{DC9FAFB6-4508-1A4C-B0F1-4DD2BB43A74C}" type="datetimeFigureOut">
-              <a:t>17.06.20</a:t>
+              <a:t>01.07.20</a:t>
             </a:fld>
             <a:endParaRPr lang="de-DE"/>
           </a:p>
@@ -998,7 +998,7 @@
           <a:lstStyle/>
           <a:p>
             <a:fld id="{DC9FAFB6-4508-1A4C-B0F1-4DD2BB43A74C}" type="datetimeFigureOut">
-              <a:t>17.06.20</a:t>
+              <a:t>01.07.20</a:t>
             </a:fld>
             <a:endParaRPr lang="de-DE"/>
           </a:p>
@@ -1228,7 +1228,7 @@
           <a:lstStyle/>
           <a:p>
             <a:fld id="{DC9FAFB6-4508-1A4C-B0F1-4DD2BB43A74C}" type="datetimeFigureOut">
-              <a:t>17.06.20</a:t>
+              <a:t>01.07.20</a:t>
             </a:fld>
             <a:endParaRPr lang="de-DE"/>
           </a:p>
@@ -1593,7 +1593,7 @@
           <a:lstStyle/>
           <a:p>
             <a:fld id="{DC9FAFB6-4508-1A4C-B0F1-4DD2BB43A74C}" type="datetimeFigureOut">
-              <a:t>17.06.20</a:t>
+              <a:t>01.07.20</a:t>
             </a:fld>
             <a:endParaRPr lang="de-DE"/>
           </a:p>
@@ -1709,7 +1709,7 @@
           <a:lstStyle/>
           <a:p>
             <a:fld id="{DC9FAFB6-4508-1A4C-B0F1-4DD2BB43A74C}" type="datetimeFigureOut">
-              <a:t>17.06.20</a:t>
+              <a:t>01.07.20</a:t>
             </a:fld>
             <a:endParaRPr lang="de-DE"/>
           </a:p>
@@ -1802,7 +1802,7 @@
           <a:lstStyle/>
           <a:p>
             <a:fld id="{DC9FAFB6-4508-1A4C-B0F1-4DD2BB43A74C}" type="datetimeFigureOut">
-              <a:t>17.06.20</a:t>
+              <a:t>01.07.20</a:t>
             </a:fld>
             <a:endParaRPr lang="de-DE"/>
           </a:p>
@@ -2077,7 +2077,7 @@
           <a:lstStyle/>
           <a:p>
             <a:fld id="{DC9FAFB6-4508-1A4C-B0F1-4DD2BB43A74C}" type="datetimeFigureOut">
-              <a:t>17.06.20</a:t>
+              <a:t>01.07.20</a:t>
             </a:fld>
             <a:endParaRPr lang="de-DE"/>
           </a:p>
@@ -2332,7 +2332,7 @@
           <a:lstStyle/>
           <a:p>
             <a:fld id="{DC9FAFB6-4508-1A4C-B0F1-4DD2BB43A74C}" type="datetimeFigureOut">
-              <a:t>17.06.20</a:t>
+              <a:t>01.07.20</a:t>
             </a:fld>
             <a:endParaRPr lang="de-DE"/>
           </a:p>
@@ -2543,7 +2543,7 @@
           </a:lstStyle>
           <a:p>
             <a:fld id="{DC9FAFB6-4508-1A4C-B0F1-4DD2BB43A74C}" type="datetimeFigureOut">
-              <a:t>17.06.20</a:t>
+              <a:t>01.07.20</a:t>
             </a:fld>
             <a:endParaRPr lang="de-DE"/>
           </a:p>
@@ -4169,7 +4169,7 @@
               <a:rPr lang="de-DE" sz="2000" b="1">
                 <a:cs typeface="Times New Roman" panose="02020603050405020304" pitchFamily="18" charset="0"/>
               </a:rPr>
-              <a:t>Manipulated dataset</a:t>
+              <a:t>Dataset B</a:t>
             </a:r>
           </a:p>
         </p:txBody>
@@ -4207,7 +4207,7 @@
               <a:rPr lang="de-DE" sz="2000" b="1">
                 <a:cs typeface="Times New Roman" panose="02020603050405020304" pitchFamily="18" charset="0"/>
               </a:rPr>
-              <a:t>Original dataset</a:t>
+              <a:t>Dataset A</a:t>
             </a:r>
           </a:p>
         </p:txBody>

--- a/img/label_mapping.pptx
+++ b/img/label_mapping.pptx
@@ -242,7 +242,7 @@
           <a:lstStyle/>
           <a:p>
             <a:fld id="{DC9FAFB6-4508-1A4C-B0F1-4DD2BB43A74C}" type="datetimeFigureOut">
-              <a:t>01.07.20</a:t>
+              <a:t>07.08.20</a:t>
             </a:fld>
             <a:endParaRPr lang="de-DE"/>
           </a:p>
@@ -410,7 +410,7 @@
           <a:lstStyle/>
           <a:p>
             <a:fld id="{DC9FAFB6-4508-1A4C-B0F1-4DD2BB43A74C}" type="datetimeFigureOut">
-              <a:t>01.07.20</a:t>
+              <a:t>07.08.20</a:t>
             </a:fld>
             <a:endParaRPr lang="de-DE"/>
           </a:p>
@@ -588,7 +588,7 @@
           <a:lstStyle/>
           <a:p>
             <a:fld id="{DC9FAFB6-4508-1A4C-B0F1-4DD2BB43A74C}" type="datetimeFigureOut">
-              <a:t>01.07.20</a:t>
+              <a:t>07.08.20</a:t>
             </a:fld>
             <a:endParaRPr lang="de-DE"/>
           </a:p>
@@ -756,7 +756,7 @@
           <a:lstStyle/>
           <a:p>
             <a:fld id="{DC9FAFB6-4508-1A4C-B0F1-4DD2BB43A74C}" type="datetimeFigureOut">
-              <a:t>01.07.20</a:t>
+              <a:t>07.08.20</a:t>
             </a:fld>
             <a:endParaRPr lang="de-DE"/>
           </a:p>
@@ -998,7 +998,7 @@
           <a:lstStyle/>
           <a:p>
             <a:fld id="{DC9FAFB6-4508-1A4C-B0F1-4DD2BB43A74C}" type="datetimeFigureOut">
-              <a:t>01.07.20</a:t>
+              <a:t>07.08.20</a:t>
             </a:fld>
             <a:endParaRPr lang="de-DE"/>
           </a:p>
@@ -1228,7 +1228,7 @@
           <a:lstStyle/>
           <a:p>
             <a:fld id="{DC9FAFB6-4508-1A4C-B0F1-4DD2BB43A74C}" type="datetimeFigureOut">
-              <a:t>01.07.20</a:t>
+              <a:t>07.08.20</a:t>
             </a:fld>
             <a:endParaRPr lang="de-DE"/>
           </a:p>
@@ -1593,7 +1593,7 @@
           <a:lstStyle/>
           <a:p>
             <a:fld id="{DC9FAFB6-4508-1A4C-B0F1-4DD2BB43A74C}" type="datetimeFigureOut">
-              <a:t>01.07.20</a:t>
+              <a:t>07.08.20</a:t>
             </a:fld>
             <a:endParaRPr lang="de-DE"/>
           </a:p>
@@ -1709,7 +1709,7 @@
           <a:lstStyle/>
           <a:p>
             <a:fld id="{DC9FAFB6-4508-1A4C-B0F1-4DD2BB43A74C}" type="datetimeFigureOut">
-              <a:t>01.07.20</a:t>
+              <a:t>07.08.20</a:t>
             </a:fld>
             <a:endParaRPr lang="de-DE"/>
           </a:p>
@@ -1802,7 +1802,7 @@
           <a:lstStyle/>
           <a:p>
             <a:fld id="{DC9FAFB6-4508-1A4C-B0F1-4DD2BB43A74C}" type="datetimeFigureOut">
-              <a:t>01.07.20</a:t>
+              <a:t>07.08.20</a:t>
             </a:fld>
             <a:endParaRPr lang="de-DE"/>
           </a:p>
@@ -2077,7 +2077,7 @@
           <a:lstStyle/>
           <a:p>
             <a:fld id="{DC9FAFB6-4508-1A4C-B0F1-4DD2BB43A74C}" type="datetimeFigureOut">
-              <a:t>01.07.20</a:t>
+              <a:t>07.08.20</a:t>
             </a:fld>
             <a:endParaRPr lang="de-DE"/>
           </a:p>
@@ -2332,7 +2332,7 @@
           <a:lstStyle/>
           <a:p>
             <a:fld id="{DC9FAFB6-4508-1A4C-B0F1-4DD2BB43A74C}" type="datetimeFigureOut">
-              <a:t>01.07.20</a:t>
+              <a:t>07.08.20</a:t>
             </a:fld>
             <a:endParaRPr lang="de-DE"/>
           </a:p>
@@ -2543,7 +2543,7 @@
           </a:lstStyle>
           <a:p>
             <a:fld id="{DC9FAFB6-4508-1A4C-B0F1-4DD2BB43A74C}" type="datetimeFigureOut">
-              <a:t>01.07.20</a:t>
+              <a:t>07.08.20</a:t>
             </a:fld>
             <a:endParaRPr lang="de-DE"/>
           </a:p>
@@ -4007,7 +4007,7 @@
             <a:solidFill>
               <a:schemeClr val="tx1"/>
             </a:solidFill>
-            <a:prstDash val="dashDot"/>
+            <a:prstDash val="solid"/>
             <a:tailEnd type="triangle"/>
           </a:ln>
         </p:spPr>
@@ -4208,6 +4208,71 @@
                 <a:cs typeface="Times New Roman" panose="02020603050405020304" pitchFamily="18" charset="0"/>
               </a:rPr>
               <a:t>Dataset A</a:t>
+            </a:r>
+          </a:p>
+        </p:txBody>
+      </p:sp>
+      <p:sp>
+        <p:nvSpPr>
+          <p:cNvPr id="26" name="Rounded Rectangle 25">
+            <a:extLst>
+              <a:ext uri="{FF2B5EF4-FFF2-40B4-BE49-F238E27FC236}">
+                <a16:creationId xmlns:a16="http://schemas.microsoft.com/office/drawing/2014/main" id="{85CE8006-14A0-E74B-B7A1-8542C379160A}"/>
+              </a:ext>
+            </a:extLst>
+          </p:cNvPr>
+          <p:cNvSpPr/>
+          <p:nvPr/>
+        </p:nvSpPr>
+        <p:spPr>
+          <a:xfrm>
+            <a:off x="5257130" y="5320342"/>
+            <a:ext cx="2913321" cy="520995"/>
+          </a:xfrm>
+          <a:prstGeom prst="roundRect">
+            <a:avLst/>
+          </a:prstGeom>
+          <a:noFill/>
+          <a:ln>
+            <a:solidFill>
+              <a:schemeClr val="tx1"/>
+            </a:solidFill>
+          </a:ln>
+        </p:spPr>
+        <p:style>
+          <a:lnRef idx="2">
+            <a:schemeClr val="accent1">
+              <a:shade val="50000"/>
+            </a:schemeClr>
+          </a:lnRef>
+          <a:fillRef idx="1">
+            <a:schemeClr val="accent1"/>
+          </a:fillRef>
+          <a:effectRef idx="0">
+            <a:schemeClr val="accent1"/>
+          </a:effectRef>
+          <a:fontRef idx="minor">
+            <a:schemeClr val="lt1"/>
+          </a:fontRef>
+        </p:style>
+        <p:txBody>
+          <a:bodyPr rot="0" spcFirstLastPara="0" vertOverflow="overflow" horzOverflow="overflow" vert="horz" wrap="square" lIns="91440" tIns="45720" rIns="91440" bIns="45720" numCol="1" spcCol="0" rtlCol="0" fromWordArt="0" anchor="ctr" anchorCtr="0" forceAA="0" compatLnSpc="1">
+            <a:prstTxWarp prst="textNoShape">
+              <a:avLst/>
+            </a:prstTxWarp>
+            <a:noAutofit/>
+          </a:bodyPr>
+          <a:lstStyle/>
+          <a:p>
+            <a:pPr algn="ctr"/>
+            <a:r>
+              <a:rPr lang="de-DE" sz="1600">
+                <a:solidFill>
+                  <a:srgbClr val="FF0000"/>
+                </a:solidFill>
+                <a:cs typeface="Times New Roman" panose="02020603050405020304" pitchFamily="18" charset="0"/>
+              </a:rPr>
+              <a:t>No mapping</a:t>
             </a:r>
           </a:p>
         </p:txBody>

--- a/img/label_mapping.pptx
+++ b/img/label_mapping.pptx
@@ -2,12 +2,12 @@
 <file path=ppt/presentation.xml><?xml version="1.0" encoding="utf-8"?>
 <p:presentation xmlns:a="http://schemas.openxmlformats.org/drawingml/2006/main" xmlns:r="http://schemas.openxmlformats.org/officeDocument/2006/relationships" xmlns:p="http://schemas.openxmlformats.org/presentationml/2006/main" saveSubsetFonts="1" autoCompressPictures="0">
   <p:sldMasterIdLst>
-    <p:sldMasterId id="2147483720" r:id="rId1"/>
+    <p:sldMasterId id="2147483672" r:id="rId1"/>
   </p:sldMasterIdLst>
   <p:sldIdLst>
     <p:sldId id="256" r:id="rId2"/>
   </p:sldIdLst>
-  <p:sldSz cx="8783638" cy="6821488"/>
+  <p:sldSz cx="6432550" cy="4140200"/>
   <p:notesSz cx="6858000" cy="9144000"/>
   <p:defaultTextStyle>
     <a:defPPr>
@@ -141,15 +141,15 @@
         </p:nvSpPr>
         <p:spPr>
           <a:xfrm>
-            <a:off x="658773" y="1116388"/>
-            <a:ext cx="7466092" cy="2374888"/>
+            <a:off x="482441" y="677575"/>
+            <a:ext cx="5467668" cy="1441403"/>
           </a:xfrm>
         </p:spPr>
         <p:txBody>
           <a:bodyPr anchor="b"/>
           <a:lstStyle>
             <a:lvl1pPr algn="ctr">
-              <a:defRPr sz="5764"/>
+              <a:defRPr sz="3622"/>
             </a:lvl1pPr>
           </a:lstStyle>
           <a:p>
@@ -173,8 +173,8 @@
         </p:nvSpPr>
         <p:spPr>
           <a:xfrm>
-            <a:off x="1097955" y="3582861"/>
-            <a:ext cx="6587729" cy="1646947"/>
+            <a:off x="804069" y="2174564"/>
+            <a:ext cx="4824413" cy="999590"/>
           </a:xfrm>
         </p:spPr>
         <p:txBody>
@@ -182,39 +182,39 @@
           <a:lstStyle>
             <a:lvl1pPr marL="0" indent="0" algn="ctr">
               <a:buNone/>
-              <a:defRPr sz="2305"/>
+              <a:defRPr sz="1449"/>
             </a:lvl1pPr>
-            <a:lvl2pPr marL="439186" indent="0" algn="ctr">
+            <a:lvl2pPr marL="276012" indent="0" algn="ctr">
               <a:buNone/>
-              <a:defRPr sz="1921"/>
+              <a:defRPr sz="1207"/>
             </a:lvl2pPr>
-            <a:lvl3pPr marL="878373" indent="0" algn="ctr">
+            <a:lvl3pPr marL="552023" indent="0" algn="ctr">
               <a:buNone/>
-              <a:defRPr sz="1729"/>
+              <a:defRPr sz="1087"/>
             </a:lvl3pPr>
-            <a:lvl4pPr marL="1317559" indent="0" algn="ctr">
+            <a:lvl4pPr marL="828035" indent="0" algn="ctr">
               <a:buNone/>
-              <a:defRPr sz="1537"/>
+              <a:defRPr sz="966"/>
             </a:lvl4pPr>
-            <a:lvl5pPr marL="1756745" indent="0" algn="ctr">
+            <a:lvl5pPr marL="1104047" indent="0" algn="ctr">
               <a:buNone/>
-              <a:defRPr sz="1537"/>
+              <a:defRPr sz="966"/>
             </a:lvl5pPr>
-            <a:lvl6pPr marL="2195932" indent="0" algn="ctr">
+            <a:lvl6pPr marL="1380058" indent="0" algn="ctr">
               <a:buNone/>
-              <a:defRPr sz="1537"/>
+              <a:defRPr sz="966"/>
             </a:lvl6pPr>
-            <a:lvl7pPr marL="2635118" indent="0" algn="ctr">
+            <a:lvl7pPr marL="1656070" indent="0" algn="ctr">
               <a:buNone/>
-              <a:defRPr sz="1537"/>
+              <a:defRPr sz="966"/>
             </a:lvl7pPr>
-            <a:lvl8pPr marL="3074304" indent="0" algn="ctr">
+            <a:lvl8pPr marL="1932081" indent="0" algn="ctr">
               <a:buNone/>
-              <a:defRPr sz="1537"/>
+              <a:defRPr sz="966"/>
             </a:lvl8pPr>
-            <a:lvl9pPr marL="3513491" indent="0" algn="ctr">
+            <a:lvl9pPr marL="2208093" indent="0" algn="ctr">
               <a:buNone/>
-              <a:defRPr sz="1537"/>
+              <a:defRPr sz="966"/>
             </a:lvl9pPr>
           </a:lstStyle>
           <a:p>
@@ -241,8 +241,8 @@
           <a:bodyPr/>
           <a:lstStyle/>
           <a:p>
-            <a:fld id="{DC9FAFB6-4508-1A4C-B0F1-4DD2BB43A74C}" type="datetimeFigureOut">
-              <a:t>07.08.20</a:t>
+            <a:fld id="{1CF3957C-59CA-1D4A-8752-1A15B5A5EACB}" type="datetimeFigureOut">
+              <a:t>11.08.20</a:t>
             </a:fld>
             <a:endParaRPr lang="de-DE"/>
           </a:p>
@@ -282,7 +282,7 @@
           <a:bodyPr/>
           <a:lstStyle/>
           <a:p>
-            <a:fld id="{D1264205-21BF-0F49-8BF0-214786273C3F}" type="slidenum">
+            <a:fld id="{D0A0026C-DAD9-FA4B-AE3D-4CD89D590B0E}" type="slidenum">
               <a:t>‹#›</a:t>
             </a:fld>
             <a:endParaRPr lang="de-DE"/>
@@ -292,7 +292,7 @@
     </p:spTree>
     <p:extLst>
       <p:ext uri="{BB962C8B-B14F-4D97-AF65-F5344CB8AC3E}">
-        <p14:creationId xmlns:p14="http://schemas.microsoft.com/office/powerpoint/2010/main" val="3917928933"/>
+        <p14:creationId xmlns:p14="http://schemas.microsoft.com/office/powerpoint/2010/main" val="3800589350"/>
       </p:ext>
     </p:extLst>
   </p:cSld>
@@ -409,8 +409,8 @@
           <a:bodyPr/>
           <a:lstStyle/>
           <a:p>
-            <a:fld id="{DC9FAFB6-4508-1A4C-B0F1-4DD2BB43A74C}" type="datetimeFigureOut">
-              <a:t>07.08.20</a:t>
+            <a:fld id="{1CF3957C-59CA-1D4A-8752-1A15B5A5EACB}" type="datetimeFigureOut">
+              <a:t>11.08.20</a:t>
             </a:fld>
             <a:endParaRPr lang="de-DE"/>
           </a:p>
@@ -450,7 +450,7 @@
           <a:bodyPr/>
           <a:lstStyle/>
           <a:p>
-            <a:fld id="{D1264205-21BF-0F49-8BF0-214786273C3F}" type="slidenum">
+            <a:fld id="{D0A0026C-DAD9-FA4B-AE3D-4CD89D590B0E}" type="slidenum">
               <a:t>‹#›</a:t>
             </a:fld>
             <a:endParaRPr lang="de-DE"/>
@@ -460,7 +460,7 @@
     </p:spTree>
     <p:extLst>
       <p:ext uri="{BB962C8B-B14F-4D97-AF65-F5344CB8AC3E}">
-        <p14:creationId xmlns:p14="http://schemas.microsoft.com/office/powerpoint/2010/main" val="546666711"/>
+        <p14:creationId xmlns:p14="http://schemas.microsoft.com/office/powerpoint/2010/main" val="1006546220"/>
       </p:ext>
     </p:extLst>
   </p:cSld>
@@ -499,8 +499,8 @@
         </p:nvSpPr>
         <p:spPr>
           <a:xfrm>
-            <a:off x="6285791" y="363181"/>
-            <a:ext cx="1893972" cy="5780896"/>
+            <a:off x="4603294" y="220427"/>
+            <a:ext cx="1387019" cy="3508628"/>
           </a:xfrm>
         </p:spPr>
         <p:txBody>
@@ -527,8 +527,8 @@
         </p:nvSpPr>
         <p:spPr>
           <a:xfrm>
-            <a:off x="603876" y="363181"/>
-            <a:ext cx="5572120" cy="5780896"/>
+            <a:off x="442238" y="220427"/>
+            <a:ext cx="4080649" cy="3508628"/>
           </a:xfrm>
         </p:spPr>
         <p:txBody>
@@ -587,8 +587,8 @@
           <a:bodyPr/>
           <a:lstStyle/>
           <a:p>
-            <a:fld id="{DC9FAFB6-4508-1A4C-B0F1-4DD2BB43A74C}" type="datetimeFigureOut">
-              <a:t>07.08.20</a:t>
+            <a:fld id="{1CF3957C-59CA-1D4A-8752-1A15B5A5EACB}" type="datetimeFigureOut">
+              <a:t>11.08.20</a:t>
             </a:fld>
             <a:endParaRPr lang="de-DE"/>
           </a:p>
@@ -628,7 +628,7 @@
           <a:bodyPr/>
           <a:lstStyle/>
           <a:p>
-            <a:fld id="{D1264205-21BF-0F49-8BF0-214786273C3F}" type="slidenum">
+            <a:fld id="{D0A0026C-DAD9-FA4B-AE3D-4CD89D590B0E}" type="slidenum">
               <a:t>‹#›</a:t>
             </a:fld>
             <a:endParaRPr lang="de-DE"/>
@@ -638,7 +638,7 @@
     </p:spTree>
     <p:extLst>
       <p:ext uri="{BB962C8B-B14F-4D97-AF65-F5344CB8AC3E}">
-        <p14:creationId xmlns:p14="http://schemas.microsoft.com/office/powerpoint/2010/main" val="2200118773"/>
+        <p14:creationId xmlns:p14="http://schemas.microsoft.com/office/powerpoint/2010/main" val="3762783461"/>
       </p:ext>
     </p:extLst>
   </p:cSld>
@@ -755,8 +755,8 @@
           <a:bodyPr/>
           <a:lstStyle/>
           <a:p>
-            <a:fld id="{DC9FAFB6-4508-1A4C-B0F1-4DD2BB43A74C}" type="datetimeFigureOut">
-              <a:t>07.08.20</a:t>
+            <a:fld id="{1CF3957C-59CA-1D4A-8752-1A15B5A5EACB}" type="datetimeFigureOut">
+              <a:t>11.08.20</a:t>
             </a:fld>
             <a:endParaRPr lang="de-DE"/>
           </a:p>
@@ -796,7 +796,7 @@
           <a:bodyPr/>
           <a:lstStyle/>
           <a:p>
-            <a:fld id="{D1264205-21BF-0F49-8BF0-214786273C3F}" type="slidenum">
+            <a:fld id="{D0A0026C-DAD9-FA4B-AE3D-4CD89D590B0E}" type="slidenum">
               <a:t>‹#›</a:t>
             </a:fld>
             <a:endParaRPr lang="de-DE"/>
@@ -806,7 +806,7 @@
     </p:spTree>
     <p:extLst>
       <p:ext uri="{BB962C8B-B14F-4D97-AF65-F5344CB8AC3E}">
-        <p14:creationId xmlns:p14="http://schemas.microsoft.com/office/powerpoint/2010/main" val="1596420619"/>
+        <p14:creationId xmlns:p14="http://schemas.microsoft.com/office/powerpoint/2010/main" val="3452693052"/>
       </p:ext>
     </p:extLst>
   </p:cSld>
@@ -845,15 +845,15 @@
         </p:nvSpPr>
         <p:spPr>
           <a:xfrm>
-            <a:off x="599301" y="1700637"/>
-            <a:ext cx="7575888" cy="2837549"/>
+            <a:off x="438888" y="1032176"/>
+            <a:ext cx="5548074" cy="1722208"/>
           </a:xfrm>
         </p:spPr>
         <p:txBody>
           <a:bodyPr anchor="b"/>
           <a:lstStyle>
             <a:lvl1pPr>
-              <a:defRPr sz="5764"/>
+              <a:defRPr sz="3622"/>
             </a:lvl1pPr>
           </a:lstStyle>
           <a:p>
@@ -877,8 +877,8 @@
         </p:nvSpPr>
         <p:spPr>
           <a:xfrm>
-            <a:off x="599301" y="4565030"/>
-            <a:ext cx="7575888" cy="1492200"/>
+            <a:off x="438888" y="2770677"/>
+            <a:ext cx="5548074" cy="905668"/>
           </a:xfrm>
         </p:spPr>
         <p:txBody>
@@ -886,15 +886,15 @@
           <a:lstStyle>
             <a:lvl1pPr marL="0" indent="0">
               <a:buNone/>
-              <a:defRPr sz="2305">
+              <a:defRPr sz="1449">
                 <a:solidFill>
                   <a:schemeClr val="tx1"/>
                 </a:solidFill>
               </a:defRPr>
             </a:lvl1pPr>
-            <a:lvl2pPr marL="439186" indent="0">
+            <a:lvl2pPr marL="276012" indent="0">
               <a:buNone/>
-              <a:defRPr sz="1921">
+              <a:defRPr sz="1207">
                 <a:solidFill>
                   <a:schemeClr val="tx1">
                     <a:tint val="75000"/>
@@ -902,9 +902,9 @@
                 </a:solidFill>
               </a:defRPr>
             </a:lvl2pPr>
-            <a:lvl3pPr marL="878373" indent="0">
+            <a:lvl3pPr marL="552023" indent="0">
               <a:buNone/>
-              <a:defRPr sz="1729">
+              <a:defRPr sz="1087">
                 <a:solidFill>
                   <a:schemeClr val="tx1">
                     <a:tint val="75000"/>
@@ -912,9 +912,9 @@
                 </a:solidFill>
               </a:defRPr>
             </a:lvl3pPr>
-            <a:lvl4pPr marL="1317559" indent="0">
+            <a:lvl4pPr marL="828035" indent="0">
               <a:buNone/>
-              <a:defRPr sz="1537">
+              <a:defRPr sz="966">
                 <a:solidFill>
                   <a:schemeClr val="tx1">
                     <a:tint val="75000"/>
@@ -922,9 +922,9 @@
                 </a:solidFill>
               </a:defRPr>
             </a:lvl4pPr>
-            <a:lvl5pPr marL="1756745" indent="0">
+            <a:lvl5pPr marL="1104047" indent="0">
               <a:buNone/>
-              <a:defRPr sz="1537">
+              <a:defRPr sz="966">
                 <a:solidFill>
                   <a:schemeClr val="tx1">
                     <a:tint val="75000"/>
@@ -932,9 +932,9 @@
                 </a:solidFill>
               </a:defRPr>
             </a:lvl5pPr>
-            <a:lvl6pPr marL="2195932" indent="0">
+            <a:lvl6pPr marL="1380058" indent="0">
               <a:buNone/>
-              <a:defRPr sz="1537">
+              <a:defRPr sz="966">
                 <a:solidFill>
                   <a:schemeClr val="tx1">
                     <a:tint val="75000"/>
@@ -942,9 +942,9 @@
                 </a:solidFill>
               </a:defRPr>
             </a:lvl6pPr>
-            <a:lvl7pPr marL="2635118" indent="0">
+            <a:lvl7pPr marL="1656070" indent="0">
               <a:buNone/>
-              <a:defRPr sz="1537">
+              <a:defRPr sz="966">
                 <a:solidFill>
                   <a:schemeClr val="tx1">
                     <a:tint val="75000"/>
@@ -952,9 +952,9 @@
                 </a:solidFill>
               </a:defRPr>
             </a:lvl7pPr>
-            <a:lvl8pPr marL="3074304" indent="0">
+            <a:lvl8pPr marL="1932081" indent="0">
               <a:buNone/>
-              <a:defRPr sz="1537">
+              <a:defRPr sz="966">
                 <a:solidFill>
                   <a:schemeClr val="tx1">
                     <a:tint val="75000"/>
@@ -962,9 +962,9 @@
                 </a:solidFill>
               </a:defRPr>
             </a:lvl8pPr>
-            <a:lvl9pPr marL="3513491" indent="0">
+            <a:lvl9pPr marL="2208093" indent="0">
               <a:buNone/>
-              <a:defRPr sz="1537">
+              <a:defRPr sz="966">
                 <a:solidFill>
                   <a:schemeClr val="tx1">
                     <a:tint val="75000"/>
@@ -997,8 +997,8 @@
           <a:bodyPr/>
           <a:lstStyle/>
           <a:p>
-            <a:fld id="{DC9FAFB6-4508-1A4C-B0F1-4DD2BB43A74C}" type="datetimeFigureOut">
-              <a:t>07.08.20</a:t>
+            <a:fld id="{1CF3957C-59CA-1D4A-8752-1A15B5A5EACB}" type="datetimeFigureOut">
+              <a:t>11.08.20</a:t>
             </a:fld>
             <a:endParaRPr lang="de-DE"/>
           </a:p>
@@ -1038,7 +1038,7 @@
           <a:bodyPr/>
           <a:lstStyle/>
           <a:p>
-            <a:fld id="{D1264205-21BF-0F49-8BF0-214786273C3F}" type="slidenum">
+            <a:fld id="{D0A0026C-DAD9-FA4B-AE3D-4CD89D590B0E}" type="slidenum">
               <a:t>‹#›</a:t>
             </a:fld>
             <a:endParaRPr lang="de-DE"/>
@@ -1048,7 +1048,7 @@
     </p:spTree>
     <p:extLst>
       <p:ext uri="{BB962C8B-B14F-4D97-AF65-F5344CB8AC3E}">
-        <p14:creationId xmlns:p14="http://schemas.microsoft.com/office/powerpoint/2010/main" val="1891745179"/>
+        <p14:creationId xmlns:p14="http://schemas.microsoft.com/office/powerpoint/2010/main" val="418189396"/>
       </p:ext>
     </p:extLst>
   </p:cSld>
@@ -1110,8 +1110,8 @@
         </p:nvSpPr>
         <p:spPr>
           <a:xfrm>
-            <a:off x="603875" y="1815906"/>
-            <a:ext cx="3733046" cy="4328171"/>
+            <a:off x="442238" y="1102137"/>
+            <a:ext cx="2733834" cy="2626919"/>
           </a:xfrm>
         </p:spPr>
         <p:txBody>
@@ -1167,8 +1167,8 @@
         </p:nvSpPr>
         <p:spPr>
           <a:xfrm>
-            <a:off x="4446717" y="1815906"/>
-            <a:ext cx="3733046" cy="4328171"/>
+            <a:off x="3256478" y="1102137"/>
+            <a:ext cx="2733834" cy="2626919"/>
           </a:xfrm>
         </p:spPr>
         <p:txBody>
@@ -1227,8 +1227,8 @@
           <a:bodyPr/>
           <a:lstStyle/>
           <a:p>
-            <a:fld id="{DC9FAFB6-4508-1A4C-B0F1-4DD2BB43A74C}" type="datetimeFigureOut">
-              <a:t>07.08.20</a:t>
+            <a:fld id="{1CF3957C-59CA-1D4A-8752-1A15B5A5EACB}" type="datetimeFigureOut">
+              <a:t>11.08.20</a:t>
             </a:fld>
             <a:endParaRPr lang="de-DE"/>
           </a:p>
@@ -1268,7 +1268,7 @@
           <a:bodyPr/>
           <a:lstStyle/>
           <a:p>
-            <a:fld id="{D1264205-21BF-0F49-8BF0-214786273C3F}" type="slidenum">
+            <a:fld id="{D0A0026C-DAD9-FA4B-AE3D-4CD89D590B0E}" type="slidenum">
               <a:t>‹#›</a:t>
             </a:fld>
             <a:endParaRPr lang="de-DE"/>
@@ -1278,7 +1278,7 @@
     </p:spTree>
     <p:extLst>
       <p:ext uri="{BB962C8B-B14F-4D97-AF65-F5344CB8AC3E}">
-        <p14:creationId xmlns:p14="http://schemas.microsoft.com/office/powerpoint/2010/main" val="1034039289"/>
+        <p14:creationId xmlns:p14="http://schemas.microsoft.com/office/powerpoint/2010/main" val="2878822777"/>
       </p:ext>
     </p:extLst>
   </p:cSld>
@@ -1317,8 +1317,8 @@
         </p:nvSpPr>
         <p:spPr>
           <a:xfrm>
-            <a:off x="605019" y="363182"/>
-            <a:ext cx="7575888" cy="1318506"/>
+            <a:off x="443076" y="220428"/>
+            <a:ext cx="5548074" cy="800247"/>
           </a:xfrm>
         </p:spPr>
         <p:txBody>
@@ -1345,8 +1345,8 @@
         </p:nvSpPr>
         <p:spPr>
           <a:xfrm>
-            <a:off x="605020" y="1672213"/>
-            <a:ext cx="3715890" cy="819525"/>
+            <a:off x="443076" y="1014924"/>
+            <a:ext cx="2721270" cy="497399"/>
           </a:xfrm>
         </p:spPr>
         <p:txBody>
@@ -1354,39 +1354,39 @@
           <a:lstStyle>
             <a:lvl1pPr marL="0" indent="0">
               <a:buNone/>
-              <a:defRPr sz="2305" b="1"/>
+              <a:defRPr sz="1449" b="1"/>
             </a:lvl1pPr>
-            <a:lvl2pPr marL="439186" indent="0">
+            <a:lvl2pPr marL="276012" indent="0">
               <a:buNone/>
-              <a:defRPr sz="1921" b="1"/>
+              <a:defRPr sz="1207" b="1"/>
             </a:lvl2pPr>
-            <a:lvl3pPr marL="878373" indent="0">
+            <a:lvl3pPr marL="552023" indent="0">
               <a:buNone/>
-              <a:defRPr sz="1729" b="1"/>
+              <a:defRPr sz="1087" b="1"/>
             </a:lvl3pPr>
-            <a:lvl4pPr marL="1317559" indent="0">
+            <a:lvl4pPr marL="828035" indent="0">
               <a:buNone/>
-              <a:defRPr sz="1537" b="1"/>
+              <a:defRPr sz="966" b="1"/>
             </a:lvl4pPr>
-            <a:lvl5pPr marL="1756745" indent="0">
+            <a:lvl5pPr marL="1104047" indent="0">
               <a:buNone/>
-              <a:defRPr sz="1537" b="1"/>
+              <a:defRPr sz="966" b="1"/>
             </a:lvl5pPr>
-            <a:lvl6pPr marL="2195932" indent="0">
+            <a:lvl6pPr marL="1380058" indent="0">
               <a:buNone/>
-              <a:defRPr sz="1537" b="1"/>
+              <a:defRPr sz="966" b="1"/>
             </a:lvl6pPr>
-            <a:lvl7pPr marL="2635118" indent="0">
+            <a:lvl7pPr marL="1656070" indent="0">
               <a:buNone/>
-              <a:defRPr sz="1537" b="1"/>
+              <a:defRPr sz="966" b="1"/>
             </a:lvl7pPr>
-            <a:lvl8pPr marL="3074304" indent="0">
+            <a:lvl8pPr marL="1932081" indent="0">
               <a:buNone/>
-              <a:defRPr sz="1537" b="1"/>
+              <a:defRPr sz="966" b="1"/>
             </a:lvl8pPr>
-            <a:lvl9pPr marL="3513491" indent="0">
+            <a:lvl9pPr marL="2208093" indent="0">
               <a:buNone/>
-              <a:defRPr sz="1537" b="1"/>
+              <a:defRPr sz="966" b="1"/>
             </a:lvl9pPr>
           </a:lstStyle>
           <a:p>
@@ -1410,8 +1410,8 @@
         </p:nvSpPr>
         <p:spPr>
           <a:xfrm>
-            <a:off x="605020" y="2491738"/>
-            <a:ext cx="3715890" cy="3664971"/>
+            <a:off x="443076" y="1512323"/>
+            <a:ext cx="2721270" cy="2224399"/>
           </a:xfrm>
         </p:spPr>
         <p:txBody>
@@ -1467,8 +1467,8 @@
         </p:nvSpPr>
         <p:spPr>
           <a:xfrm>
-            <a:off x="4446717" y="1672213"/>
-            <a:ext cx="3734190" cy="819525"/>
+            <a:off x="3256479" y="1014924"/>
+            <a:ext cx="2734672" cy="497399"/>
           </a:xfrm>
         </p:spPr>
         <p:txBody>
@@ -1476,39 +1476,39 @@
           <a:lstStyle>
             <a:lvl1pPr marL="0" indent="0">
               <a:buNone/>
-              <a:defRPr sz="2305" b="1"/>
+              <a:defRPr sz="1449" b="1"/>
             </a:lvl1pPr>
-            <a:lvl2pPr marL="439186" indent="0">
+            <a:lvl2pPr marL="276012" indent="0">
               <a:buNone/>
-              <a:defRPr sz="1921" b="1"/>
+              <a:defRPr sz="1207" b="1"/>
             </a:lvl2pPr>
-            <a:lvl3pPr marL="878373" indent="0">
+            <a:lvl3pPr marL="552023" indent="0">
               <a:buNone/>
-              <a:defRPr sz="1729" b="1"/>
+              <a:defRPr sz="1087" b="1"/>
             </a:lvl3pPr>
-            <a:lvl4pPr marL="1317559" indent="0">
+            <a:lvl4pPr marL="828035" indent="0">
               <a:buNone/>
-              <a:defRPr sz="1537" b="1"/>
+              <a:defRPr sz="966" b="1"/>
             </a:lvl4pPr>
-            <a:lvl5pPr marL="1756745" indent="0">
+            <a:lvl5pPr marL="1104047" indent="0">
               <a:buNone/>
-              <a:defRPr sz="1537" b="1"/>
+              <a:defRPr sz="966" b="1"/>
             </a:lvl5pPr>
-            <a:lvl6pPr marL="2195932" indent="0">
+            <a:lvl6pPr marL="1380058" indent="0">
               <a:buNone/>
-              <a:defRPr sz="1537" b="1"/>
+              <a:defRPr sz="966" b="1"/>
             </a:lvl6pPr>
-            <a:lvl7pPr marL="2635118" indent="0">
+            <a:lvl7pPr marL="1656070" indent="0">
               <a:buNone/>
-              <a:defRPr sz="1537" b="1"/>
+              <a:defRPr sz="966" b="1"/>
             </a:lvl7pPr>
-            <a:lvl8pPr marL="3074304" indent="0">
+            <a:lvl8pPr marL="1932081" indent="0">
               <a:buNone/>
-              <a:defRPr sz="1537" b="1"/>
+              <a:defRPr sz="966" b="1"/>
             </a:lvl8pPr>
-            <a:lvl9pPr marL="3513491" indent="0">
+            <a:lvl9pPr marL="2208093" indent="0">
               <a:buNone/>
-              <a:defRPr sz="1537" b="1"/>
+              <a:defRPr sz="966" b="1"/>
             </a:lvl9pPr>
           </a:lstStyle>
           <a:p>
@@ -1532,8 +1532,8 @@
         </p:nvSpPr>
         <p:spPr>
           <a:xfrm>
-            <a:off x="4446717" y="2491738"/>
-            <a:ext cx="3734190" cy="3664971"/>
+            <a:off x="3256479" y="1512323"/>
+            <a:ext cx="2734672" cy="2224399"/>
           </a:xfrm>
         </p:spPr>
         <p:txBody>
@@ -1592,8 +1592,8 @@
           <a:bodyPr/>
           <a:lstStyle/>
           <a:p>
-            <a:fld id="{DC9FAFB6-4508-1A4C-B0F1-4DD2BB43A74C}" type="datetimeFigureOut">
-              <a:t>07.08.20</a:t>
+            <a:fld id="{1CF3957C-59CA-1D4A-8752-1A15B5A5EACB}" type="datetimeFigureOut">
+              <a:t>11.08.20</a:t>
             </a:fld>
             <a:endParaRPr lang="de-DE"/>
           </a:p>
@@ -1633,7 +1633,7 @@
           <a:bodyPr/>
           <a:lstStyle/>
           <a:p>
-            <a:fld id="{D1264205-21BF-0F49-8BF0-214786273C3F}" type="slidenum">
+            <a:fld id="{D0A0026C-DAD9-FA4B-AE3D-4CD89D590B0E}" type="slidenum">
               <a:t>‹#›</a:t>
             </a:fld>
             <a:endParaRPr lang="de-DE"/>
@@ -1643,7 +1643,7 @@
     </p:spTree>
     <p:extLst>
       <p:ext uri="{BB962C8B-B14F-4D97-AF65-F5344CB8AC3E}">
-        <p14:creationId xmlns:p14="http://schemas.microsoft.com/office/powerpoint/2010/main" val="3807735274"/>
+        <p14:creationId xmlns:p14="http://schemas.microsoft.com/office/powerpoint/2010/main" val="635881338"/>
       </p:ext>
     </p:extLst>
   </p:cSld>
@@ -1708,8 +1708,8 @@
           <a:bodyPr/>
           <a:lstStyle/>
           <a:p>
-            <a:fld id="{DC9FAFB6-4508-1A4C-B0F1-4DD2BB43A74C}" type="datetimeFigureOut">
-              <a:t>07.08.20</a:t>
+            <a:fld id="{1CF3957C-59CA-1D4A-8752-1A15B5A5EACB}" type="datetimeFigureOut">
+              <a:t>11.08.20</a:t>
             </a:fld>
             <a:endParaRPr lang="de-DE"/>
           </a:p>
@@ -1749,7 +1749,7 @@
           <a:bodyPr/>
           <a:lstStyle/>
           <a:p>
-            <a:fld id="{D1264205-21BF-0F49-8BF0-214786273C3F}" type="slidenum">
+            <a:fld id="{D0A0026C-DAD9-FA4B-AE3D-4CD89D590B0E}" type="slidenum">
               <a:t>‹#›</a:t>
             </a:fld>
             <a:endParaRPr lang="de-DE"/>
@@ -1759,7 +1759,7 @@
     </p:spTree>
     <p:extLst>
       <p:ext uri="{BB962C8B-B14F-4D97-AF65-F5344CB8AC3E}">
-        <p14:creationId xmlns:p14="http://schemas.microsoft.com/office/powerpoint/2010/main" val="3860972817"/>
+        <p14:creationId xmlns:p14="http://schemas.microsoft.com/office/powerpoint/2010/main" val="3394210795"/>
       </p:ext>
     </p:extLst>
   </p:cSld>
@@ -1801,8 +1801,8 @@
           <a:bodyPr/>
           <a:lstStyle/>
           <a:p>
-            <a:fld id="{DC9FAFB6-4508-1A4C-B0F1-4DD2BB43A74C}" type="datetimeFigureOut">
-              <a:t>07.08.20</a:t>
+            <a:fld id="{1CF3957C-59CA-1D4A-8752-1A15B5A5EACB}" type="datetimeFigureOut">
+              <a:t>11.08.20</a:t>
             </a:fld>
             <a:endParaRPr lang="de-DE"/>
           </a:p>
@@ -1842,7 +1842,7 @@
           <a:bodyPr/>
           <a:lstStyle/>
           <a:p>
-            <a:fld id="{D1264205-21BF-0F49-8BF0-214786273C3F}" type="slidenum">
+            <a:fld id="{D0A0026C-DAD9-FA4B-AE3D-4CD89D590B0E}" type="slidenum">
               <a:t>‹#›</a:t>
             </a:fld>
             <a:endParaRPr lang="de-DE"/>
@@ -1852,7 +1852,7 @@
     </p:spTree>
     <p:extLst>
       <p:ext uri="{BB962C8B-B14F-4D97-AF65-F5344CB8AC3E}">
-        <p14:creationId xmlns:p14="http://schemas.microsoft.com/office/powerpoint/2010/main" val="1747808709"/>
+        <p14:creationId xmlns:p14="http://schemas.microsoft.com/office/powerpoint/2010/main" val="1572390285"/>
       </p:ext>
     </p:extLst>
   </p:cSld>
@@ -1891,15 +1891,15 @@
         </p:nvSpPr>
         <p:spPr>
           <a:xfrm>
-            <a:off x="605019" y="454766"/>
-            <a:ext cx="2832952" cy="1591681"/>
+            <a:off x="443076" y="276013"/>
+            <a:ext cx="2074665" cy="966047"/>
           </a:xfrm>
         </p:spPr>
         <p:txBody>
           <a:bodyPr anchor="b"/>
           <a:lstStyle>
             <a:lvl1pPr>
-              <a:defRPr sz="3074"/>
+              <a:defRPr sz="1932"/>
             </a:lvl1pPr>
           </a:lstStyle>
           <a:p>
@@ -1923,39 +1923,39 @@
         </p:nvSpPr>
         <p:spPr>
           <a:xfrm>
-            <a:off x="3734190" y="982169"/>
-            <a:ext cx="4446717" cy="4847678"/>
+            <a:off x="2734672" y="596113"/>
+            <a:ext cx="3256478" cy="2942225"/>
           </a:xfrm>
         </p:spPr>
         <p:txBody>
           <a:bodyPr/>
           <a:lstStyle>
             <a:lvl1pPr>
-              <a:defRPr sz="3074"/>
+              <a:defRPr sz="1932"/>
             </a:lvl1pPr>
             <a:lvl2pPr>
-              <a:defRPr sz="2690"/>
+              <a:defRPr sz="1690"/>
             </a:lvl2pPr>
             <a:lvl3pPr>
-              <a:defRPr sz="2305"/>
+              <a:defRPr sz="1449"/>
             </a:lvl3pPr>
             <a:lvl4pPr>
-              <a:defRPr sz="1921"/>
+              <a:defRPr sz="1207"/>
             </a:lvl4pPr>
             <a:lvl5pPr>
-              <a:defRPr sz="1921"/>
+              <a:defRPr sz="1207"/>
             </a:lvl5pPr>
             <a:lvl6pPr>
-              <a:defRPr sz="1921"/>
+              <a:defRPr sz="1207"/>
             </a:lvl6pPr>
             <a:lvl7pPr>
-              <a:defRPr sz="1921"/>
+              <a:defRPr sz="1207"/>
             </a:lvl7pPr>
             <a:lvl8pPr>
-              <a:defRPr sz="1921"/>
+              <a:defRPr sz="1207"/>
             </a:lvl8pPr>
             <a:lvl9pPr>
-              <a:defRPr sz="1921"/>
+              <a:defRPr sz="1207"/>
             </a:lvl9pPr>
           </a:lstStyle>
           <a:p>
@@ -2008,8 +2008,8 @@
         </p:nvSpPr>
         <p:spPr>
           <a:xfrm>
-            <a:off x="605019" y="2046446"/>
-            <a:ext cx="2832952" cy="3791295"/>
+            <a:off x="443076" y="1242060"/>
+            <a:ext cx="2074665" cy="2301070"/>
           </a:xfrm>
         </p:spPr>
         <p:txBody>
@@ -2017,39 +2017,39 @@
           <a:lstStyle>
             <a:lvl1pPr marL="0" indent="0">
               <a:buNone/>
-              <a:defRPr sz="1537"/>
+              <a:defRPr sz="966"/>
             </a:lvl1pPr>
-            <a:lvl2pPr marL="439186" indent="0">
+            <a:lvl2pPr marL="276012" indent="0">
               <a:buNone/>
-              <a:defRPr sz="1345"/>
+              <a:defRPr sz="845"/>
             </a:lvl2pPr>
-            <a:lvl3pPr marL="878373" indent="0">
+            <a:lvl3pPr marL="552023" indent="0">
               <a:buNone/>
-              <a:defRPr sz="1153"/>
+              <a:defRPr sz="724"/>
             </a:lvl3pPr>
-            <a:lvl4pPr marL="1317559" indent="0">
+            <a:lvl4pPr marL="828035" indent="0">
               <a:buNone/>
-              <a:defRPr sz="961"/>
+              <a:defRPr sz="604"/>
             </a:lvl4pPr>
-            <a:lvl5pPr marL="1756745" indent="0">
+            <a:lvl5pPr marL="1104047" indent="0">
               <a:buNone/>
-              <a:defRPr sz="961"/>
+              <a:defRPr sz="604"/>
             </a:lvl5pPr>
-            <a:lvl6pPr marL="2195932" indent="0">
+            <a:lvl6pPr marL="1380058" indent="0">
               <a:buNone/>
-              <a:defRPr sz="961"/>
+              <a:defRPr sz="604"/>
             </a:lvl6pPr>
-            <a:lvl7pPr marL="2635118" indent="0">
+            <a:lvl7pPr marL="1656070" indent="0">
               <a:buNone/>
-              <a:defRPr sz="961"/>
+              <a:defRPr sz="604"/>
             </a:lvl7pPr>
-            <a:lvl8pPr marL="3074304" indent="0">
+            <a:lvl8pPr marL="1932081" indent="0">
               <a:buNone/>
-              <a:defRPr sz="961"/>
+              <a:defRPr sz="604"/>
             </a:lvl8pPr>
-            <a:lvl9pPr marL="3513491" indent="0">
+            <a:lvl9pPr marL="2208093" indent="0">
               <a:buNone/>
-              <a:defRPr sz="961"/>
+              <a:defRPr sz="604"/>
             </a:lvl9pPr>
           </a:lstStyle>
           <a:p>
@@ -2076,8 +2076,8 @@
           <a:bodyPr/>
           <a:lstStyle/>
           <a:p>
-            <a:fld id="{DC9FAFB6-4508-1A4C-B0F1-4DD2BB43A74C}" type="datetimeFigureOut">
-              <a:t>07.08.20</a:t>
+            <a:fld id="{1CF3957C-59CA-1D4A-8752-1A15B5A5EACB}" type="datetimeFigureOut">
+              <a:t>11.08.20</a:t>
             </a:fld>
             <a:endParaRPr lang="de-DE"/>
           </a:p>
@@ -2117,7 +2117,7 @@
           <a:bodyPr/>
           <a:lstStyle/>
           <a:p>
-            <a:fld id="{D1264205-21BF-0F49-8BF0-214786273C3F}" type="slidenum">
+            <a:fld id="{D0A0026C-DAD9-FA4B-AE3D-4CD89D590B0E}" type="slidenum">
               <a:t>‹#›</a:t>
             </a:fld>
             <a:endParaRPr lang="de-DE"/>
@@ -2127,7 +2127,7 @@
     </p:spTree>
     <p:extLst>
       <p:ext uri="{BB962C8B-B14F-4D97-AF65-F5344CB8AC3E}">
-        <p14:creationId xmlns:p14="http://schemas.microsoft.com/office/powerpoint/2010/main" val="1261876073"/>
+        <p14:creationId xmlns:p14="http://schemas.microsoft.com/office/powerpoint/2010/main" val="822869020"/>
       </p:ext>
     </p:extLst>
   </p:cSld>
@@ -2166,15 +2166,15 @@
         </p:nvSpPr>
         <p:spPr>
           <a:xfrm>
-            <a:off x="605019" y="454766"/>
-            <a:ext cx="2832952" cy="1591681"/>
+            <a:off x="443076" y="276013"/>
+            <a:ext cx="2074665" cy="966047"/>
           </a:xfrm>
         </p:spPr>
         <p:txBody>
           <a:bodyPr anchor="b"/>
           <a:lstStyle>
             <a:lvl1pPr>
-              <a:defRPr sz="3074"/>
+              <a:defRPr sz="1932"/>
             </a:lvl1pPr>
           </a:lstStyle>
           <a:p>
@@ -2198,8 +2198,8 @@
         </p:nvSpPr>
         <p:spPr>
           <a:xfrm>
-            <a:off x="3734190" y="982169"/>
-            <a:ext cx="4446717" cy="4847678"/>
+            <a:off x="2734672" y="596113"/>
+            <a:ext cx="3256478" cy="2942225"/>
           </a:xfrm>
         </p:spPr>
         <p:txBody>
@@ -2207,39 +2207,39 @@
           <a:lstStyle>
             <a:lvl1pPr marL="0" indent="0">
               <a:buNone/>
-              <a:defRPr sz="3074"/>
+              <a:defRPr sz="1932"/>
             </a:lvl1pPr>
-            <a:lvl2pPr marL="439186" indent="0">
+            <a:lvl2pPr marL="276012" indent="0">
               <a:buNone/>
-              <a:defRPr sz="2690"/>
+              <a:defRPr sz="1690"/>
             </a:lvl2pPr>
-            <a:lvl3pPr marL="878373" indent="0">
+            <a:lvl3pPr marL="552023" indent="0">
               <a:buNone/>
-              <a:defRPr sz="2305"/>
+              <a:defRPr sz="1449"/>
             </a:lvl3pPr>
-            <a:lvl4pPr marL="1317559" indent="0">
+            <a:lvl4pPr marL="828035" indent="0">
               <a:buNone/>
-              <a:defRPr sz="1921"/>
+              <a:defRPr sz="1207"/>
             </a:lvl4pPr>
-            <a:lvl5pPr marL="1756745" indent="0">
+            <a:lvl5pPr marL="1104047" indent="0">
               <a:buNone/>
-              <a:defRPr sz="1921"/>
+              <a:defRPr sz="1207"/>
             </a:lvl5pPr>
-            <a:lvl6pPr marL="2195932" indent="0">
+            <a:lvl6pPr marL="1380058" indent="0">
               <a:buNone/>
-              <a:defRPr sz="1921"/>
+              <a:defRPr sz="1207"/>
             </a:lvl6pPr>
-            <a:lvl7pPr marL="2635118" indent="0">
+            <a:lvl7pPr marL="1656070" indent="0">
               <a:buNone/>
-              <a:defRPr sz="1921"/>
+              <a:defRPr sz="1207"/>
             </a:lvl7pPr>
-            <a:lvl8pPr marL="3074304" indent="0">
+            <a:lvl8pPr marL="1932081" indent="0">
               <a:buNone/>
-              <a:defRPr sz="1921"/>
+              <a:defRPr sz="1207"/>
             </a:lvl8pPr>
-            <a:lvl9pPr marL="3513491" indent="0">
+            <a:lvl9pPr marL="2208093" indent="0">
               <a:buNone/>
-              <a:defRPr sz="1921"/>
+              <a:defRPr sz="1207"/>
             </a:lvl9pPr>
           </a:lstStyle>
           <a:p>
@@ -2263,8 +2263,8 @@
         </p:nvSpPr>
         <p:spPr>
           <a:xfrm>
-            <a:off x="605019" y="2046446"/>
-            <a:ext cx="2832952" cy="3791295"/>
+            <a:off x="443076" y="1242060"/>
+            <a:ext cx="2074665" cy="2301070"/>
           </a:xfrm>
         </p:spPr>
         <p:txBody>
@@ -2272,39 +2272,39 @@
           <a:lstStyle>
             <a:lvl1pPr marL="0" indent="0">
               <a:buNone/>
-              <a:defRPr sz="1537"/>
+              <a:defRPr sz="966"/>
             </a:lvl1pPr>
-            <a:lvl2pPr marL="439186" indent="0">
+            <a:lvl2pPr marL="276012" indent="0">
               <a:buNone/>
-              <a:defRPr sz="1345"/>
+              <a:defRPr sz="845"/>
             </a:lvl2pPr>
-            <a:lvl3pPr marL="878373" indent="0">
+            <a:lvl3pPr marL="552023" indent="0">
               <a:buNone/>
-              <a:defRPr sz="1153"/>
+              <a:defRPr sz="724"/>
             </a:lvl3pPr>
-            <a:lvl4pPr marL="1317559" indent="0">
+            <a:lvl4pPr marL="828035" indent="0">
               <a:buNone/>
-              <a:defRPr sz="961"/>
+              <a:defRPr sz="604"/>
             </a:lvl4pPr>
-            <a:lvl5pPr marL="1756745" indent="0">
+            <a:lvl5pPr marL="1104047" indent="0">
               <a:buNone/>
-              <a:defRPr sz="961"/>
+              <a:defRPr sz="604"/>
             </a:lvl5pPr>
-            <a:lvl6pPr marL="2195932" indent="0">
+            <a:lvl6pPr marL="1380058" indent="0">
               <a:buNone/>
-              <a:defRPr sz="961"/>
+              <a:defRPr sz="604"/>
             </a:lvl6pPr>
-            <a:lvl7pPr marL="2635118" indent="0">
+            <a:lvl7pPr marL="1656070" indent="0">
               <a:buNone/>
-              <a:defRPr sz="961"/>
+              <a:defRPr sz="604"/>
             </a:lvl7pPr>
-            <a:lvl8pPr marL="3074304" indent="0">
+            <a:lvl8pPr marL="1932081" indent="0">
               <a:buNone/>
-              <a:defRPr sz="961"/>
+              <a:defRPr sz="604"/>
             </a:lvl8pPr>
-            <a:lvl9pPr marL="3513491" indent="0">
+            <a:lvl9pPr marL="2208093" indent="0">
               <a:buNone/>
-              <a:defRPr sz="961"/>
+              <a:defRPr sz="604"/>
             </a:lvl9pPr>
           </a:lstStyle>
           <a:p>
@@ -2331,8 +2331,8 @@
           <a:bodyPr/>
           <a:lstStyle/>
           <a:p>
-            <a:fld id="{DC9FAFB6-4508-1A4C-B0F1-4DD2BB43A74C}" type="datetimeFigureOut">
-              <a:t>07.08.20</a:t>
+            <a:fld id="{1CF3957C-59CA-1D4A-8752-1A15B5A5EACB}" type="datetimeFigureOut">
+              <a:t>11.08.20</a:t>
             </a:fld>
             <a:endParaRPr lang="de-DE"/>
           </a:p>
@@ -2372,7 +2372,7 @@
           <a:bodyPr/>
           <a:lstStyle/>
           <a:p>
-            <a:fld id="{D1264205-21BF-0F49-8BF0-214786273C3F}" type="slidenum">
+            <a:fld id="{D0A0026C-DAD9-FA4B-AE3D-4CD89D590B0E}" type="slidenum">
               <a:t>‹#›</a:t>
             </a:fld>
             <a:endParaRPr lang="de-DE"/>
@@ -2382,7 +2382,7 @@
     </p:spTree>
     <p:extLst>
       <p:ext uri="{BB962C8B-B14F-4D97-AF65-F5344CB8AC3E}">
-        <p14:creationId xmlns:p14="http://schemas.microsoft.com/office/powerpoint/2010/main" val="4273728815"/>
+        <p14:creationId xmlns:p14="http://schemas.microsoft.com/office/powerpoint/2010/main" val="1952812705"/>
       </p:ext>
     </p:extLst>
   </p:cSld>
@@ -2426,8 +2426,8 @@
         </p:nvSpPr>
         <p:spPr>
           <a:xfrm>
-            <a:off x="603875" y="363182"/>
-            <a:ext cx="7575888" cy="1318506"/>
+            <a:off x="442238" y="220428"/>
+            <a:ext cx="5548074" cy="800247"/>
           </a:xfrm>
           <a:prstGeom prst="rect">
             <a:avLst/>
@@ -2459,8 +2459,8 @@
         </p:nvSpPr>
         <p:spPr>
           <a:xfrm>
-            <a:off x="603875" y="1815906"/>
-            <a:ext cx="7575888" cy="4328171"/>
+            <a:off x="442238" y="1102137"/>
+            <a:ext cx="5548074" cy="2626919"/>
           </a:xfrm>
           <a:prstGeom prst="rect">
             <a:avLst/>
@@ -2521,8 +2521,8 @@
         </p:nvSpPr>
         <p:spPr>
           <a:xfrm>
-            <a:off x="603875" y="6322510"/>
-            <a:ext cx="1976319" cy="363181"/>
+            <a:off x="442238" y="3837353"/>
+            <a:ext cx="1447324" cy="220427"/>
           </a:xfrm>
           <a:prstGeom prst="rect">
             <a:avLst/>
@@ -2532,7 +2532,7 @@
           <a:bodyPr vert="horz" lIns="91440" tIns="45720" rIns="91440" bIns="45720" rtlCol="0" anchor="ctr"/>
           <a:lstStyle>
             <a:lvl1pPr algn="l">
-              <a:defRPr sz="1153">
+              <a:defRPr sz="724">
                 <a:solidFill>
                   <a:schemeClr val="tx1">
                     <a:tint val="75000"/>
@@ -2542,8 +2542,8 @@
             </a:lvl1pPr>
           </a:lstStyle>
           <a:p>
-            <a:fld id="{DC9FAFB6-4508-1A4C-B0F1-4DD2BB43A74C}" type="datetimeFigureOut">
-              <a:t>07.08.20</a:t>
+            <a:fld id="{1CF3957C-59CA-1D4A-8752-1A15B5A5EACB}" type="datetimeFigureOut">
+              <a:t>11.08.20</a:t>
             </a:fld>
             <a:endParaRPr lang="de-DE"/>
           </a:p>
@@ -2561,8 +2561,8 @@
         </p:nvSpPr>
         <p:spPr>
           <a:xfrm>
-            <a:off x="2909580" y="6322510"/>
-            <a:ext cx="2964478" cy="363181"/>
+            <a:off x="2130782" y="3837353"/>
+            <a:ext cx="2170986" cy="220427"/>
           </a:xfrm>
           <a:prstGeom prst="rect">
             <a:avLst/>
@@ -2572,7 +2572,7 @@
           <a:bodyPr vert="horz" lIns="91440" tIns="45720" rIns="91440" bIns="45720" rtlCol="0" anchor="ctr"/>
           <a:lstStyle>
             <a:lvl1pPr algn="ctr">
-              <a:defRPr sz="1153">
+              <a:defRPr sz="724">
                 <a:solidFill>
                   <a:schemeClr val="tx1">
                     <a:tint val="75000"/>
@@ -2598,8 +2598,8 @@
         </p:nvSpPr>
         <p:spPr>
           <a:xfrm>
-            <a:off x="6203444" y="6322510"/>
-            <a:ext cx="1976319" cy="363181"/>
+            <a:off x="4542988" y="3837353"/>
+            <a:ext cx="1447324" cy="220427"/>
           </a:xfrm>
           <a:prstGeom prst="rect">
             <a:avLst/>
@@ -2609,7 +2609,7 @@
           <a:bodyPr vert="horz" lIns="91440" tIns="45720" rIns="91440" bIns="45720" rtlCol="0" anchor="ctr"/>
           <a:lstStyle>
             <a:lvl1pPr algn="r">
-              <a:defRPr sz="1153">
+              <a:defRPr sz="724">
                 <a:solidFill>
                   <a:schemeClr val="tx1">
                     <a:tint val="75000"/>
@@ -2619,7 +2619,7 @@
             </a:lvl1pPr>
           </a:lstStyle>
           <a:p>
-            <a:fld id="{D1264205-21BF-0F49-8BF0-214786273C3F}" type="slidenum">
+            <a:fld id="{D0A0026C-DAD9-FA4B-AE3D-4CD89D590B0E}" type="slidenum">
               <a:t>‹#›</a:t>
             </a:fld>
             <a:endParaRPr lang="de-DE"/>
@@ -2629,27 +2629,27 @@
     </p:spTree>
     <p:extLst>
       <p:ext uri="{BB962C8B-B14F-4D97-AF65-F5344CB8AC3E}">
-        <p14:creationId xmlns:p14="http://schemas.microsoft.com/office/powerpoint/2010/main" val="3430578740"/>
+        <p14:creationId xmlns:p14="http://schemas.microsoft.com/office/powerpoint/2010/main" val="1706805462"/>
       </p:ext>
     </p:extLst>
   </p:cSld>
   <p:clrMap bg1="lt1" tx1="dk1" bg2="lt2" tx2="dk2" accent1="accent1" accent2="accent2" accent3="accent3" accent4="accent4" accent5="accent5" accent6="accent6" hlink="hlink" folHlink="folHlink"/>
   <p:sldLayoutIdLst>
-    <p:sldLayoutId id="2147483721" r:id="rId1"/>
-    <p:sldLayoutId id="2147483722" r:id="rId2"/>
-    <p:sldLayoutId id="2147483723" r:id="rId3"/>
-    <p:sldLayoutId id="2147483724" r:id="rId4"/>
-    <p:sldLayoutId id="2147483725" r:id="rId5"/>
-    <p:sldLayoutId id="2147483726" r:id="rId6"/>
-    <p:sldLayoutId id="2147483727" r:id="rId7"/>
-    <p:sldLayoutId id="2147483728" r:id="rId8"/>
-    <p:sldLayoutId id="2147483729" r:id="rId9"/>
-    <p:sldLayoutId id="2147483730" r:id="rId10"/>
-    <p:sldLayoutId id="2147483731" r:id="rId11"/>
+    <p:sldLayoutId id="2147483673" r:id="rId1"/>
+    <p:sldLayoutId id="2147483674" r:id="rId2"/>
+    <p:sldLayoutId id="2147483675" r:id="rId3"/>
+    <p:sldLayoutId id="2147483676" r:id="rId4"/>
+    <p:sldLayoutId id="2147483677" r:id="rId5"/>
+    <p:sldLayoutId id="2147483678" r:id="rId6"/>
+    <p:sldLayoutId id="2147483679" r:id="rId7"/>
+    <p:sldLayoutId id="2147483680" r:id="rId8"/>
+    <p:sldLayoutId id="2147483681" r:id="rId9"/>
+    <p:sldLayoutId id="2147483682" r:id="rId10"/>
+    <p:sldLayoutId id="2147483683" r:id="rId11"/>
   </p:sldLayoutIdLst>
   <p:txStyles>
     <p:titleStyle>
-      <a:lvl1pPr algn="l" defTabSz="878373" rtl="0" eaLnBrk="1" latinLnBrk="0" hangingPunct="1">
+      <a:lvl1pPr algn="l" defTabSz="552023" rtl="0" eaLnBrk="1" latinLnBrk="0" hangingPunct="1">
         <a:lnSpc>
           <a:spcPct val="90000"/>
         </a:lnSpc>
@@ -2657,7 +2657,7 @@
           <a:spcPct val="0"/>
         </a:spcBef>
         <a:buNone/>
-        <a:defRPr sz="4227" kern="1200">
+        <a:defRPr sz="2656" kern="1200">
           <a:solidFill>
             <a:schemeClr val="tx1"/>
           </a:solidFill>
@@ -2668,16 +2668,16 @@
       </a:lvl1pPr>
     </p:titleStyle>
     <p:bodyStyle>
-      <a:lvl1pPr marL="219593" indent="-219593" algn="l" defTabSz="878373" rtl="0" eaLnBrk="1" latinLnBrk="0" hangingPunct="1">
+      <a:lvl1pPr marL="138006" indent="-138006" algn="l" defTabSz="552023" rtl="0" eaLnBrk="1" latinLnBrk="0" hangingPunct="1">
         <a:lnSpc>
           <a:spcPct val="90000"/>
         </a:lnSpc>
         <a:spcBef>
-          <a:spcPts val="961"/>
+          <a:spcPts val="604"/>
         </a:spcBef>
         <a:buFont typeface="Arial" panose="020B0604020202020204" pitchFamily="34" charset="0"/>
         <a:buChar char="•"/>
-        <a:defRPr sz="2690" kern="1200">
+        <a:defRPr sz="1690" kern="1200">
           <a:solidFill>
             <a:schemeClr val="tx1"/>
           </a:solidFill>
@@ -2686,16 +2686,16 @@
           <a:cs typeface="+mn-cs"/>
         </a:defRPr>
       </a:lvl1pPr>
-      <a:lvl2pPr marL="658779" indent="-219593" algn="l" defTabSz="878373" rtl="0" eaLnBrk="1" latinLnBrk="0" hangingPunct="1">
+      <a:lvl2pPr marL="414017" indent="-138006" algn="l" defTabSz="552023" rtl="0" eaLnBrk="1" latinLnBrk="0" hangingPunct="1">
         <a:lnSpc>
           <a:spcPct val="90000"/>
         </a:lnSpc>
         <a:spcBef>
-          <a:spcPts val="480"/>
+          <a:spcPts val="302"/>
         </a:spcBef>
         <a:buFont typeface="Arial" panose="020B0604020202020204" pitchFamily="34" charset="0"/>
         <a:buChar char="•"/>
-        <a:defRPr sz="2305" kern="1200">
+        <a:defRPr sz="1449" kern="1200">
           <a:solidFill>
             <a:schemeClr val="tx1"/>
           </a:solidFill>
@@ -2704,16 +2704,16 @@
           <a:cs typeface="+mn-cs"/>
         </a:defRPr>
       </a:lvl2pPr>
-      <a:lvl3pPr marL="1097966" indent="-219593" algn="l" defTabSz="878373" rtl="0" eaLnBrk="1" latinLnBrk="0" hangingPunct="1">
+      <a:lvl3pPr marL="690029" indent="-138006" algn="l" defTabSz="552023" rtl="0" eaLnBrk="1" latinLnBrk="0" hangingPunct="1">
         <a:lnSpc>
           <a:spcPct val="90000"/>
         </a:lnSpc>
         <a:spcBef>
-          <a:spcPts val="480"/>
+          <a:spcPts val="302"/>
         </a:spcBef>
         <a:buFont typeface="Arial" panose="020B0604020202020204" pitchFamily="34" charset="0"/>
         <a:buChar char="•"/>
-        <a:defRPr sz="1921" kern="1200">
+        <a:defRPr sz="1207" kern="1200">
           <a:solidFill>
             <a:schemeClr val="tx1"/>
           </a:solidFill>
@@ -2722,16 +2722,16 @@
           <a:cs typeface="+mn-cs"/>
         </a:defRPr>
       </a:lvl3pPr>
-      <a:lvl4pPr marL="1537152" indent="-219593" algn="l" defTabSz="878373" rtl="0" eaLnBrk="1" latinLnBrk="0" hangingPunct="1">
+      <a:lvl4pPr marL="966041" indent="-138006" algn="l" defTabSz="552023" rtl="0" eaLnBrk="1" latinLnBrk="0" hangingPunct="1">
         <a:lnSpc>
           <a:spcPct val="90000"/>
         </a:lnSpc>
         <a:spcBef>
-          <a:spcPts val="480"/>
+          <a:spcPts val="302"/>
         </a:spcBef>
         <a:buFont typeface="Arial" panose="020B0604020202020204" pitchFamily="34" charset="0"/>
         <a:buChar char="•"/>
-        <a:defRPr sz="1729" kern="1200">
+        <a:defRPr sz="1087" kern="1200">
           <a:solidFill>
             <a:schemeClr val="tx1"/>
           </a:solidFill>
@@ -2740,16 +2740,16 @@
           <a:cs typeface="+mn-cs"/>
         </a:defRPr>
       </a:lvl4pPr>
-      <a:lvl5pPr marL="1976338" indent="-219593" algn="l" defTabSz="878373" rtl="0" eaLnBrk="1" latinLnBrk="0" hangingPunct="1">
+      <a:lvl5pPr marL="1242052" indent="-138006" algn="l" defTabSz="552023" rtl="0" eaLnBrk="1" latinLnBrk="0" hangingPunct="1">
         <a:lnSpc>
           <a:spcPct val="90000"/>
         </a:lnSpc>
         <a:spcBef>
-          <a:spcPts val="480"/>
+          <a:spcPts val="302"/>
         </a:spcBef>
         <a:buFont typeface="Arial" panose="020B0604020202020204" pitchFamily="34" charset="0"/>
         <a:buChar char="•"/>
-        <a:defRPr sz="1729" kern="1200">
+        <a:defRPr sz="1087" kern="1200">
           <a:solidFill>
             <a:schemeClr val="tx1"/>
           </a:solidFill>
@@ -2758,16 +2758,16 @@
           <a:cs typeface="+mn-cs"/>
         </a:defRPr>
       </a:lvl5pPr>
-      <a:lvl6pPr marL="2415525" indent="-219593" algn="l" defTabSz="878373" rtl="0" eaLnBrk="1" latinLnBrk="0" hangingPunct="1">
+      <a:lvl6pPr marL="1518064" indent="-138006" algn="l" defTabSz="552023" rtl="0" eaLnBrk="1" latinLnBrk="0" hangingPunct="1">
         <a:lnSpc>
           <a:spcPct val="90000"/>
         </a:lnSpc>
         <a:spcBef>
-          <a:spcPts val="480"/>
+          <a:spcPts val="302"/>
         </a:spcBef>
         <a:buFont typeface="Arial" panose="020B0604020202020204" pitchFamily="34" charset="0"/>
         <a:buChar char="•"/>
-        <a:defRPr sz="1729" kern="1200">
+        <a:defRPr sz="1087" kern="1200">
           <a:solidFill>
             <a:schemeClr val="tx1"/>
           </a:solidFill>
@@ -2776,16 +2776,16 @@
           <a:cs typeface="+mn-cs"/>
         </a:defRPr>
       </a:lvl6pPr>
-      <a:lvl7pPr marL="2854711" indent="-219593" algn="l" defTabSz="878373" rtl="0" eaLnBrk="1" latinLnBrk="0" hangingPunct="1">
+      <a:lvl7pPr marL="1794076" indent="-138006" algn="l" defTabSz="552023" rtl="0" eaLnBrk="1" latinLnBrk="0" hangingPunct="1">
         <a:lnSpc>
           <a:spcPct val="90000"/>
         </a:lnSpc>
         <a:spcBef>
-          <a:spcPts val="480"/>
+          <a:spcPts val="302"/>
         </a:spcBef>
         <a:buFont typeface="Arial" panose="020B0604020202020204" pitchFamily="34" charset="0"/>
         <a:buChar char="•"/>
-        <a:defRPr sz="1729" kern="1200">
+        <a:defRPr sz="1087" kern="1200">
           <a:solidFill>
             <a:schemeClr val="tx1"/>
           </a:solidFill>
@@ -2794,16 +2794,16 @@
           <a:cs typeface="+mn-cs"/>
         </a:defRPr>
       </a:lvl7pPr>
-      <a:lvl8pPr marL="3293897" indent="-219593" algn="l" defTabSz="878373" rtl="0" eaLnBrk="1" latinLnBrk="0" hangingPunct="1">
+      <a:lvl8pPr marL="2070087" indent="-138006" algn="l" defTabSz="552023" rtl="0" eaLnBrk="1" latinLnBrk="0" hangingPunct="1">
         <a:lnSpc>
           <a:spcPct val="90000"/>
         </a:lnSpc>
         <a:spcBef>
-          <a:spcPts val="480"/>
+          <a:spcPts val="302"/>
         </a:spcBef>
         <a:buFont typeface="Arial" panose="020B0604020202020204" pitchFamily="34" charset="0"/>
         <a:buChar char="•"/>
-        <a:defRPr sz="1729" kern="1200">
+        <a:defRPr sz="1087" kern="1200">
           <a:solidFill>
             <a:schemeClr val="tx1"/>
           </a:solidFill>
@@ -2812,16 +2812,16 @@
           <a:cs typeface="+mn-cs"/>
         </a:defRPr>
       </a:lvl8pPr>
-      <a:lvl9pPr marL="3733084" indent="-219593" algn="l" defTabSz="878373" rtl="0" eaLnBrk="1" latinLnBrk="0" hangingPunct="1">
+      <a:lvl9pPr marL="2346099" indent="-138006" algn="l" defTabSz="552023" rtl="0" eaLnBrk="1" latinLnBrk="0" hangingPunct="1">
         <a:lnSpc>
           <a:spcPct val="90000"/>
         </a:lnSpc>
         <a:spcBef>
-          <a:spcPts val="480"/>
+          <a:spcPts val="302"/>
         </a:spcBef>
         <a:buFont typeface="Arial" panose="020B0604020202020204" pitchFamily="34" charset="0"/>
         <a:buChar char="•"/>
-        <a:defRPr sz="1729" kern="1200">
+        <a:defRPr sz="1087" kern="1200">
           <a:solidFill>
             <a:schemeClr val="tx1"/>
           </a:solidFill>
@@ -2835,8 +2835,8 @@
       <a:defPPr>
         <a:defRPr lang="en-US"/>
       </a:defPPr>
-      <a:lvl1pPr marL="0" algn="l" defTabSz="878373" rtl="0" eaLnBrk="1" latinLnBrk="0" hangingPunct="1">
-        <a:defRPr sz="1729" kern="1200">
+      <a:lvl1pPr marL="0" algn="l" defTabSz="552023" rtl="0" eaLnBrk="1" latinLnBrk="0" hangingPunct="1">
+        <a:defRPr sz="1087" kern="1200">
           <a:solidFill>
             <a:schemeClr val="tx1"/>
           </a:solidFill>
@@ -2845,8 +2845,8 @@
           <a:cs typeface="+mn-cs"/>
         </a:defRPr>
       </a:lvl1pPr>
-      <a:lvl2pPr marL="439186" algn="l" defTabSz="878373" rtl="0" eaLnBrk="1" latinLnBrk="0" hangingPunct="1">
-        <a:defRPr sz="1729" kern="1200">
+      <a:lvl2pPr marL="276012" algn="l" defTabSz="552023" rtl="0" eaLnBrk="1" latinLnBrk="0" hangingPunct="1">
+        <a:defRPr sz="1087" kern="1200">
           <a:solidFill>
             <a:schemeClr val="tx1"/>
           </a:solidFill>
@@ -2855,8 +2855,8 @@
           <a:cs typeface="+mn-cs"/>
         </a:defRPr>
       </a:lvl2pPr>
-      <a:lvl3pPr marL="878373" algn="l" defTabSz="878373" rtl="0" eaLnBrk="1" latinLnBrk="0" hangingPunct="1">
-        <a:defRPr sz="1729" kern="1200">
+      <a:lvl3pPr marL="552023" algn="l" defTabSz="552023" rtl="0" eaLnBrk="1" latinLnBrk="0" hangingPunct="1">
+        <a:defRPr sz="1087" kern="1200">
           <a:solidFill>
             <a:schemeClr val="tx1"/>
           </a:solidFill>
@@ -2865,8 +2865,8 @@
           <a:cs typeface="+mn-cs"/>
         </a:defRPr>
       </a:lvl3pPr>
-      <a:lvl4pPr marL="1317559" algn="l" defTabSz="878373" rtl="0" eaLnBrk="1" latinLnBrk="0" hangingPunct="1">
-        <a:defRPr sz="1729" kern="1200">
+      <a:lvl4pPr marL="828035" algn="l" defTabSz="552023" rtl="0" eaLnBrk="1" latinLnBrk="0" hangingPunct="1">
+        <a:defRPr sz="1087" kern="1200">
           <a:solidFill>
             <a:schemeClr val="tx1"/>
           </a:solidFill>
@@ -2875,8 +2875,8 @@
           <a:cs typeface="+mn-cs"/>
         </a:defRPr>
       </a:lvl4pPr>
-      <a:lvl5pPr marL="1756745" algn="l" defTabSz="878373" rtl="0" eaLnBrk="1" latinLnBrk="0" hangingPunct="1">
-        <a:defRPr sz="1729" kern="1200">
+      <a:lvl5pPr marL="1104047" algn="l" defTabSz="552023" rtl="0" eaLnBrk="1" latinLnBrk="0" hangingPunct="1">
+        <a:defRPr sz="1087" kern="1200">
           <a:solidFill>
             <a:schemeClr val="tx1"/>
           </a:solidFill>
@@ -2885,8 +2885,8 @@
           <a:cs typeface="+mn-cs"/>
         </a:defRPr>
       </a:lvl5pPr>
-      <a:lvl6pPr marL="2195932" algn="l" defTabSz="878373" rtl="0" eaLnBrk="1" latinLnBrk="0" hangingPunct="1">
-        <a:defRPr sz="1729" kern="1200">
+      <a:lvl6pPr marL="1380058" algn="l" defTabSz="552023" rtl="0" eaLnBrk="1" latinLnBrk="0" hangingPunct="1">
+        <a:defRPr sz="1087" kern="1200">
           <a:solidFill>
             <a:schemeClr val="tx1"/>
           </a:solidFill>
@@ -2895,8 +2895,8 @@
           <a:cs typeface="+mn-cs"/>
         </a:defRPr>
       </a:lvl6pPr>
-      <a:lvl7pPr marL="2635118" algn="l" defTabSz="878373" rtl="0" eaLnBrk="1" latinLnBrk="0" hangingPunct="1">
-        <a:defRPr sz="1729" kern="1200">
+      <a:lvl7pPr marL="1656070" algn="l" defTabSz="552023" rtl="0" eaLnBrk="1" latinLnBrk="0" hangingPunct="1">
+        <a:defRPr sz="1087" kern="1200">
           <a:solidFill>
             <a:schemeClr val="tx1"/>
           </a:solidFill>
@@ -2905,8 +2905,8 @@
           <a:cs typeface="+mn-cs"/>
         </a:defRPr>
       </a:lvl7pPr>
-      <a:lvl8pPr marL="3074304" algn="l" defTabSz="878373" rtl="0" eaLnBrk="1" latinLnBrk="0" hangingPunct="1">
-        <a:defRPr sz="1729" kern="1200">
+      <a:lvl8pPr marL="1932081" algn="l" defTabSz="552023" rtl="0" eaLnBrk="1" latinLnBrk="0" hangingPunct="1">
+        <a:defRPr sz="1087" kern="1200">
           <a:solidFill>
             <a:schemeClr val="tx1"/>
           </a:solidFill>
@@ -2915,8 +2915,8 @@
           <a:cs typeface="+mn-cs"/>
         </a:defRPr>
       </a:lvl8pPr>
-      <a:lvl9pPr marL="3513491" algn="l" defTabSz="878373" rtl="0" eaLnBrk="1" latinLnBrk="0" hangingPunct="1">
-        <a:defRPr sz="1729" kern="1200">
+      <a:lvl9pPr marL="2208093" algn="l" defTabSz="552023" rtl="0" eaLnBrk="1" latinLnBrk="0" hangingPunct="1">
+        <a:defRPr sz="1087" kern="1200">
           <a:solidFill>
             <a:schemeClr val="tx1"/>
           </a:solidFill>
@@ -2947,12 +2947,960 @@
           <a:chExt cx="0" cy="0"/>
         </a:xfrm>
       </p:grpSpPr>
-      <p:sp>
-        <p:nvSpPr>
-          <p:cNvPr id="4" name="Rounded Rectangle 3">
+      <p:graphicFrame>
+        <p:nvGraphicFramePr>
+          <p:cNvPr id="5" name="Table 4">
             <a:extLst>
               <a:ext uri="{FF2B5EF4-FFF2-40B4-BE49-F238E27FC236}">
-                <a16:creationId xmlns:a16="http://schemas.microsoft.com/office/drawing/2014/main" id="{9FA11E46-C362-DF4A-B342-8591AB4D4E15}"/>
+                <a16:creationId xmlns:a16="http://schemas.microsoft.com/office/drawing/2014/main" id="{CF892D53-2D31-A943-9FFD-99E1B5BAD4D6}"/>
+              </a:ext>
+            </a:extLst>
+          </p:cNvPr>
+          <p:cNvGraphicFramePr>
+            <a:graphicFrameLocks noGrp="1"/>
+          </p:cNvGraphicFramePr>
+          <p:nvPr>
+            <p:extLst>
+              <p:ext uri="{D42A27DB-BD31-4B8C-83A1-F6EECF244321}">
+                <p14:modId xmlns:p14="http://schemas.microsoft.com/office/powerpoint/2010/main" val="878693389"/>
+              </p:ext>
+            </p:extLst>
+          </p:nvPr>
+        </p:nvGraphicFramePr>
+        <p:xfrm>
+          <a:off x="2306466" y="620951"/>
+          <a:ext cx="1572392" cy="722501"/>
+        </p:xfrm>
+        <a:graphic>
+          <a:graphicData uri="http://schemas.openxmlformats.org/drawingml/2006/table">
+            <a:tbl>
+              <a:tblPr firstRow="1" bandRow="1">
+                <a:tableStyleId>{5C22544A-7EE6-4342-B048-85BDC9FD1C3A}</a:tableStyleId>
+              </a:tblPr>
+              <a:tblGrid>
+                <a:gridCol w="220145">
+                  <a:extLst>
+                    <a:ext uri="{9D8B030D-6E8A-4147-A177-3AD203B41FA5}">
+                      <a16:colId xmlns:a16="http://schemas.microsoft.com/office/drawing/2014/main" val="20000"/>
+                    </a:ext>
+                  </a:extLst>
+                </a:gridCol>
+                <a:gridCol w="1352247">
+                  <a:extLst>
+                    <a:ext uri="{9D8B030D-6E8A-4147-A177-3AD203B41FA5}">
+                      <a16:colId xmlns:a16="http://schemas.microsoft.com/office/drawing/2014/main" val="20001"/>
+                    </a:ext>
+                  </a:extLst>
+                </a:gridCol>
+              </a:tblGrid>
+              <a:tr h="181695">
+                <a:tc>
+                  <a:txBody>
+                    <a:bodyPr/>
+                    <a:lstStyle/>
+                    <a:p>
+                      <a:pPr algn="ctr"/>
+                      <a:r>
+                        <a:rPr lang="en-US" sz="800" b="0">
+                          <a:solidFill>
+                            <a:schemeClr val="tx1"/>
+                          </a:solidFill>
+                          <a:latin typeface="Times New Roman" panose="02020603050405020304" pitchFamily="18" charset="0"/>
+                          <a:ea typeface="Consolas" charset="0"/>
+                          <a:cs typeface="Times New Roman" panose="02020603050405020304" pitchFamily="18" charset="0"/>
+                        </a:rPr>
+                        <a:t>1</a:t>
+                      </a:r>
+                    </a:p>
+                  </a:txBody>
+                  <a:tcPr marL="51435" marR="51435" marT="25718" marB="25718" anchor="ctr">
+                    <a:lnL w="12700" cmpd="sng">
+                      <a:noFill/>
+                    </a:lnL>
+                    <a:lnR w="12700" cmpd="sng">
+                      <a:noFill/>
+                    </a:lnR>
+                    <a:lnT w="12700" cmpd="sng">
+                      <a:noFill/>
+                    </a:lnT>
+                    <a:lnB w="38100" cmpd="sng">
+                      <a:noFill/>
+                    </a:lnB>
+                    <a:lnTlToBr w="12700" cmpd="sng">
+                      <a:noFill/>
+                      <a:prstDash val="solid"/>
+                    </a:lnTlToBr>
+                    <a:lnBlToTr w="12700" cmpd="sng">
+                      <a:noFill/>
+                      <a:prstDash val="solid"/>
+                    </a:lnBlToTr>
+                    <a:noFill/>
+                  </a:tcPr>
+                </a:tc>
+                <a:tc>
+                  <a:txBody>
+                    <a:bodyPr/>
+                    <a:lstStyle/>
+                    <a:p>
+                      <a:pPr algn="ctr"/>
+                      <a:r>
+                        <a:rPr lang="en-US" sz="800" b="0" dirty="0">
+                          <a:solidFill>
+                            <a:schemeClr val="tx1"/>
+                          </a:solidFill>
+                          <a:latin typeface="Times New Roman" panose="02020603050405020304" pitchFamily="18" charset="0"/>
+                          <a:ea typeface="Consolas" charset="0"/>
+                          <a:cs typeface="Times New Roman" panose="02020603050405020304" pitchFamily="18" charset="0"/>
+                        </a:rPr>
+                        <a:t>[0.582, 0.913, ..., -0.132]</a:t>
+                      </a:r>
+                    </a:p>
+                  </a:txBody>
+                  <a:tcPr marL="51435" marR="51435" marT="25718" marB="25718" anchor="ctr">
+                    <a:lnL w="12700" cmpd="sng">
+                      <a:noFill/>
+                    </a:lnL>
+                    <a:lnR w="12700" cmpd="sng">
+                      <a:noFill/>
+                    </a:lnR>
+                    <a:lnT w="12700" cmpd="sng">
+                      <a:noFill/>
+                    </a:lnT>
+                    <a:lnB w="38100" cmpd="sng">
+                      <a:noFill/>
+                    </a:lnB>
+                    <a:lnTlToBr w="12700" cmpd="sng">
+                      <a:noFill/>
+                      <a:prstDash val="solid"/>
+                    </a:lnTlToBr>
+                    <a:lnBlToTr w="12700" cmpd="sng">
+                      <a:noFill/>
+                      <a:prstDash val="solid"/>
+                    </a:lnBlToTr>
+                    <a:noFill/>
+                  </a:tcPr>
+                </a:tc>
+                <a:extLst>
+                  <a:ext uri="{0D108BD9-81ED-4DB2-BD59-A6C34878D82A}">
+                    <a16:rowId xmlns:a16="http://schemas.microsoft.com/office/drawing/2014/main" val="10000"/>
+                  </a:ext>
+                </a:extLst>
+              </a:tr>
+              <a:tr h="181695">
+                <a:tc>
+                  <a:txBody>
+                    <a:bodyPr/>
+                    <a:lstStyle/>
+                    <a:p>
+                      <a:pPr algn="ctr"/>
+                      <a:r>
+                        <a:rPr lang="en-US" sz="800" b="0">
+                          <a:solidFill>
+                            <a:schemeClr val="tx1"/>
+                          </a:solidFill>
+                          <a:latin typeface="Times New Roman" panose="02020603050405020304" pitchFamily="18" charset="0"/>
+                          <a:ea typeface="Consolas" charset="0"/>
+                          <a:cs typeface="Times New Roman" panose="02020603050405020304" pitchFamily="18" charset="0"/>
+                        </a:rPr>
+                        <a:t>2</a:t>
+                      </a:r>
+                    </a:p>
+                  </a:txBody>
+                  <a:tcPr marL="51435" marR="51435" marT="25718" marB="25718" anchor="ctr">
+                    <a:lnL w="12700" cmpd="sng">
+                      <a:noFill/>
+                    </a:lnL>
+                    <a:lnR w="12700" cmpd="sng">
+                      <a:noFill/>
+                    </a:lnR>
+                    <a:lnT w="38100" cmpd="sng">
+                      <a:noFill/>
+                    </a:lnT>
+                    <a:lnB w="12700" cmpd="sng">
+                      <a:noFill/>
+                    </a:lnB>
+                    <a:lnTlToBr w="12700" cmpd="sng">
+                      <a:noFill/>
+                      <a:prstDash val="solid"/>
+                    </a:lnTlToBr>
+                    <a:lnBlToTr w="12700" cmpd="sng">
+                      <a:noFill/>
+                      <a:prstDash val="solid"/>
+                    </a:lnBlToTr>
+                    <a:noFill/>
+                  </a:tcPr>
+                </a:tc>
+                <a:tc>
+                  <a:txBody>
+                    <a:bodyPr/>
+                    <a:lstStyle/>
+                    <a:p>
+                      <a:pPr algn="ctr"/>
+                      <a:r>
+                        <a:rPr lang="en-US" sz="800" b="0" dirty="0">
+                          <a:solidFill>
+                            <a:schemeClr val="tx1"/>
+                          </a:solidFill>
+                          <a:latin typeface="Times New Roman" panose="02020603050405020304" pitchFamily="18" charset="0"/>
+                          <a:ea typeface="Consolas" charset="0"/>
+                          <a:cs typeface="Times New Roman" panose="02020603050405020304" pitchFamily="18" charset="0"/>
+                        </a:rPr>
+                        <a:t>[0.573, 0.102, ..., -0.249]</a:t>
+                      </a:r>
+                    </a:p>
+                  </a:txBody>
+                  <a:tcPr marL="51435" marR="51435" marT="25718" marB="25718" anchor="ctr">
+                    <a:lnL w="12700" cmpd="sng">
+                      <a:noFill/>
+                    </a:lnL>
+                    <a:lnR w="12700" cmpd="sng">
+                      <a:noFill/>
+                    </a:lnR>
+                    <a:lnT w="38100" cmpd="sng">
+                      <a:noFill/>
+                    </a:lnT>
+                    <a:lnB w="12700" cmpd="sng">
+                      <a:noFill/>
+                    </a:lnB>
+                    <a:lnTlToBr w="12700" cmpd="sng">
+                      <a:noFill/>
+                      <a:prstDash val="solid"/>
+                    </a:lnTlToBr>
+                    <a:lnBlToTr w="12700" cmpd="sng">
+                      <a:noFill/>
+                      <a:prstDash val="solid"/>
+                    </a:lnBlToTr>
+                    <a:noFill/>
+                  </a:tcPr>
+                </a:tc>
+                <a:extLst>
+                  <a:ext uri="{0D108BD9-81ED-4DB2-BD59-A6C34878D82A}">
+                    <a16:rowId xmlns:a16="http://schemas.microsoft.com/office/drawing/2014/main" val="10001"/>
+                  </a:ext>
+                </a:extLst>
+              </a:tr>
+              <a:tr h="177416">
+                <a:tc>
+                  <a:txBody>
+                    <a:bodyPr/>
+                    <a:lstStyle/>
+                    <a:p>
+                      <a:pPr algn="ctr"/>
+                      <a:r>
+                        <a:rPr lang="en-US" sz="800" b="0" dirty="0">
+                          <a:solidFill>
+                            <a:schemeClr val="tx1"/>
+                          </a:solidFill>
+                          <a:latin typeface="Times New Roman" panose="02020603050405020304" pitchFamily="18" charset="0"/>
+                          <a:ea typeface="Consolas" charset="0"/>
+                          <a:cs typeface="Times New Roman" panose="02020603050405020304" pitchFamily="18" charset="0"/>
+                        </a:rPr>
+                        <a:t>...</a:t>
+                      </a:r>
+                    </a:p>
+                  </a:txBody>
+                  <a:tcPr marL="51435" marR="51435" marT="25718" marB="25718" anchor="ctr">
+                    <a:lnL w="12700" cmpd="sng">
+                      <a:noFill/>
+                    </a:lnL>
+                    <a:lnR w="12700" cmpd="sng">
+                      <a:noFill/>
+                    </a:lnR>
+                    <a:lnT w="12700" cmpd="sng">
+                      <a:noFill/>
+                    </a:lnT>
+                    <a:lnB w="12700" cmpd="sng">
+                      <a:noFill/>
+                    </a:lnB>
+                    <a:lnTlToBr w="12700" cmpd="sng">
+                      <a:noFill/>
+                      <a:prstDash val="solid"/>
+                    </a:lnTlToBr>
+                    <a:lnBlToTr w="12700" cmpd="sng">
+                      <a:noFill/>
+                      <a:prstDash val="solid"/>
+                    </a:lnBlToTr>
+                    <a:noFill/>
+                  </a:tcPr>
+                </a:tc>
+                <a:tc>
+                  <a:txBody>
+                    <a:bodyPr/>
+                    <a:lstStyle/>
+                    <a:p>
+                      <a:pPr algn="ctr"/>
+                      <a:r>
+                        <a:rPr lang="en-US" sz="800" b="0" dirty="0">
+                          <a:solidFill>
+                            <a:schemeClr val="tx1"/>
+                          </a:solidFill>
+                          <a:latin typeface="Times New Roman" panose="02020603050405020304" pitchFamily="18" charset="0"/>
+                          <a:ea typeface="Consolas" charset="0"/>
+                          <a:cs typeface="Times New Roman" panose="02020603050405020304" pitchFamily="18" charset="0"/>
+                        </a:rPr>
+                        <a:t>...</a:t>
+                      </a:r>
+                    </a:p>
+                  </a:txBody>
+                  <a:tcPr marL="51435" marR="51435" marT="25718" marB="25718" anchor="ctr">
+                    <a:lnL w="12700" cmpd="sng">
+                      <a:noFill/>
+                    </a:lnL>
+                    <a:lnR w="12700" cmpd="sng">
+                      <a:noFill/>
+                    </a:lnR>
+                    <a:lnT w="12700" cmpd="sng">
+                      <a:noFill/>
+                    </a:lnT>
+                    <a:lnB w="12700" cmpd="sng">
+                      <a:noFill/>
+                    </a:lnB>
+                    <a:lnTlToBr w="12700" cmpd="sng">
+                      <a:noFill/>
+                      <a:prstDash val="solid"/>
+                    </a:lnTlToBr>
+                    <a:lnBlToTr w="12700" cmpd="sng">
+                      <a:noFill/>
+                      <a:prstDash val="solid"/>
+                    </a:lnBlToTr>
+                    <a:noFill/>
+                  </a:tcPr>
+                </a:tc>
+                <a:extLst>
+                  <a:ext uri="{0D108BD9-81ED-4DB2-BD59-A6C34878D82A}">
+                    <a16:rowId xmlns:a16="http://schemas.microsoft.com/office/drawing/2014/main" val="10005"/>
+                  </a:ext>
+                </a:extLst>
+              </a:tr>
+              <a:tr h="181695">
+                <a:tc>
+                  <a:txBody>
+                    <a:bodyPr/>
+                    <a:lstStyle/>
+                    <a:p>
+                      <a:pPr algn="ctr"/>
+                      <a:r>
+                        <a:rPr lang="en-US" sz="800" b="0" dirty="0">
+                          <a:solidFill>
+                            <a:schemeClr val="tx1"/>
+                          </a:solidFill>
+                          <a:latin typeface="Times New Roman" panose="02020603050405020304" pitchFamily="18" charset="0"/>
+                          <a:ea typeface="Consolas" charset="0"/>
+                          <a:cs typeface="Times New Roman" panose="02020603050405020304" pitchFamily="18" charset="0"/>
+                        </a:rPr>
+                        <a:t>n</a:t>
+                      </a:r>
+                    </a:p>
+                  </a:txBody>
+                  <a:tcPr marL="51435" marR="51435" marT="25718" marB="25718" anchor="ctr">
+                    <a:lnL w="12700" cmpd="sng">
+                      <a:noFill/>
+                    </a:lnL>
+                    <a:lnR w="12700" cmpd="sng">
+                      <a:noFill/>
+                    </a:lnR>
+                    <a:lnT w="12700" cmpd="sng">
+                      <a:noFill/>
+                    </a:lnT>
+                    <a:lnB w="12700" cmpd="sng">
+                      <a:noFill/>
+                    </a:lnB>
+                    <a:lnTlToBr w="12700" cmpd="sng">
+                      <a:noFill/>
+                      <a:prstDash val="solid"/>
+                    </a:lnTlToBr>
+                    <a:lnBlToTr w="12700" cmpd="sng">
+                      <a:noFill/>
+                      <a:prstDash val="solid"/>
+                    </a:lnBlToTr>
+                    <a:noFill/>
+                  </a:tcPr>
+                </a:tc>
+                <a:tc>
+                  <a:txBody>
+                    <a:bodyPr/>
+                    <a:lstStyle/>
+                    <a:p>
+                      <a:pPr algn="ctr"/>
+                      <a:r>
+                        <a:rPr lang="en-US" sz="800" b="0" dirty="0">
+                          <a:solidFill>
+                            <a:schemeClr val="tx1"/>
+                          </a:solidFill>
+                          <a:latin typeface="Times New Roman" panose="02020603050405020304" pitchFamily="18" charset="0"/>
+                          <a:ea typeface="Consolas" charset="0"/>
+                          <a:cs typeface="Times New Roman" panose="02020603050405020304" pitchFamily="18" charset="0"/>
+                        </a:rPr>
+                        <a:t>[0.947, -0.841, ..., 0.987]</a:t>
+                      </a:r>
+                    </a:p>
+                  </a:txBody>
+                  <a:tcPr marL="51435" marR="51435" marT="25718" marB="25718" anchor="ctr">
+                    <a:lnL w="12700" cmpd="sng">
+                      <a:noFill/>
+                    </a:lnL>
+                    <a:lnR w="12700" cmpd="sng">
+                      <a:noFill/>
+                    </a:lnR>
+                    <a:lnT w="12700" cmpd="sng">
+                      <a:noFill/>
+                    </a:lnT>
+                    <a:lnB w="12700" cmpd="sng">
+                      <a:noFill/>
+                    </a:lnB>
+                    <a:lnTlToBr w="12700" cmpd="sng">
+                      <a:noFill/>
+                      <a:prstDash val="solid"/>
+                    </a:lnTlToBr>
+                    <a:lnBlToTr w="12700" cmpd="sng">
+                      <a:noFill/>
+                      <a:prstDash val="solid"/>
+                    </a:lnBlToTr>
+                    <a:noFill/>
+                  </a:tcPr>
+                </a:tc>
+                <a:extLst>
+                  <a:ext uri="{0D108BD9-81ED-4DB2-BD59-A6C34878D82A}">
+                    <a16:rowId xmlns:a16="http://schemas.microsoft.com/office/drawing/2014/main" val="10009"/>
+                  </a:ext>
+                </a:extLst>
+              </a:tr>
+            </a:tbl>
+          </a:graphicData>
+        </a:graphic>
+      </p:graphicFrame>
+      <p:sp>
+        <p:nvSpPr>
+          <p:cNvPr id="82" name="TextBox 81">
+            <a:extLst>
+              <a:ext uri="{FF2B5EF4-FFF2-40B4-BE49-F238E27FC236}">
+                <a16:creationId xmlns:a16="http://schemas.microsoft.com/office/drawing/2014/main" id="{BD56B5A4-1BFA-C742-9A77-07D0C31CE83D}"/>
+              </a:ext>
+            </a:extLst>
+          </p:cNvPr>
+          <p:cNvSpPr txBox="1"/>
+          <p:nvPr/>
+        </p:nvSpPr>
+        <p:spPr>
+          <a:xfrm>
+            <a:off x="2336076" y="431011"/>
+            <a:ext cx="1549607" cy="230832"/>
+          </a:xfrm>
+          <a:prstGeom prst="rect">
+            <a:avLst/>
+          </a:prstGeom>
+          <a:noFill/>
+        </p:spPr>
+        <p:txBody>
+          <a:bodyPr wrap="square" rtlCol="0">
+            <a:spAutoFit/>
+          </a:bodyPr>
+          <a:lstStyle/>
+          <a:p>
+            <a:pPr algn="ctr"/>
+            <a:r>
+              <a:rPr lang="en-US" sz="900" dirty="0">
+                <a:latin typeface="Times New Roman" panose="02020603050405020304" pitchFamily="18" charset="0"/>
+                <a:ea typeface="Consolas" charset="0"/>
+                <a:cs typeface="Times New Roman" panose="02020603050405020304" pitchFamily="18" charset="0"/>
+              </a:rPr>
+              <a:t>Log embeddings (train)</a:t>
+            </a:r>
+          </a:p>
+        </p:txBody>
+      </p:sp>
+      <p:graphicFrame>
+        <p:nvGraphicFramePr>
+          <p:cNvPr id="4" name="Table 3">
+            <a:extLst>
+              <a:ext uri="{FF2B5EF4-FFF2-40B4-BE49-F238E27FC236}">
+                <a16:creationId xmlns:a16="http://schemas.microsoft.com/office/drawing/2014/main" id="{CA9057B7-49F1-5840-8080-B1C562F0CFB7}"/>
+              </a:ext>
+            </a:extLst>
+          </p:cNvPr>
+          <p:cNvGraphicFramePr>
+            <a:graphicFrameLocks noGrp="1"/>
+          </p:cNvGraphicFramePr>
+          <p:nvPr>
+            <p:extLst>
+              <p:ext uri="{D42A27DB-BD31-4B8C-83A1-F6EECF244321}">
+                <p14:modId xmlns:p14="http://schemas.microsoft.com/office/powerpoint/2010/main" val="3838555183"/>
+              </p:ext>
+            </p:extLst>
+          </p:nvPr>
+        </p:nvGraphicFramePr>
+        <p:xfrm>
+          <a:off x="82270" y="636446"/>
+          <a:ext cx="1427356" cy="693424"/>
+        </p:xfrm>
+        <a:graphic>
+          <a:graphicData uri="http://schemas.openxmlformats.org/drawingml/2006/table">
+            <a:tbl>
+              <a:tblPr firstRow="1" bandRow="1">
+                <a:tableStyleId>{5C22544A-7EE6-4342-B048-85BDC9FD1C3A}</a:tableStyleId>
+              </a:tblPr>
+              <a:tblGrid>
+                <a:gridCol w="196355">
+                  <a:extLst>
+                    <a:ext uri="{9D8B030D-6E8A-4147-A177-3AD203B41FA5}">
+                      <a16:colId xmlns:a16="http://schemas.microsoft.com/office/drawing/2014/main" val="20000"/>
+                    </a:ext>
+                  </a:extLst>
+                </a:gridCol>
+                <a:gridCol w="1231001">
+                  <a:extLst>
+                    <a:ext uri="{9D8B030D-6E8A-4147-A177-3AD203B41FA5}">
+                      <a16:colId xmlns:a16="http://schemas.microsoft.com/office/drawing/2014/main" val="20001"/>
+                    </a:ext>
+                  </a:extLst>
+                </a:gridCol>
+              </a:tblGrid>
+              <a:tr h="160561">
+                <a:tc>
+                  <a:txBody>
+                    <a:bodyPr/>
+                    <a:lstStyle/>
+                    <a:p>
+                      <a:pPr algn="ctr"/>
+                      <a:r>
+                        <a:rPr lang="en-US" sz="800" b="0" dirty="0">
+                          <a:solidFill>
+                            <a:schemeClr val="tx1"/>
+                          </a:solidFill>
+                          <a:latin typeface="Times New Roman" panose="02020603050405020304" pitchFamily="18" charset="0"/>
+                          <a:ea typeface="Consolas" charset="0"/>
+                          <a:cs typeface="Times New Roman" panose="02020603050405020304" pitchFamily="18" charset="0"/>
+                        </a:rPr>
+                        <a:t>1</a:t>
+                      </a:r>
+                    </a:p>
+                  </a:txBody>
+                  <a:tcPr marL="51435" marR="51435" marT="25718" marB="25718" anchor="ctr">
+                    <a:lnL w="12700" cmpd="sng">
+                      <a:noFill/>
+                    </a:lnL>
+                    <a:lnR w="12700" cmpd="sng">
+                      <a:noFill/>
+                    </a:lnR>
+                    <a:lnT w="12700" cmpd="sng">
+                      <a:noFill/>
+                    </a:lnT>
+                    <a:lnB w="38100" cmpd="sng">
+                      <a:noFill/>
+                    </a:lnB>
+                    <a:lnTlToBr w="12700" cmpd="sng">
+                      <a:noFill/>
+                      <a:prstDash val="solid"/>
+                    </a:lnTlToBr>
+                    <a:lnBlToTr w="12700" cmpd="sng">
+                      <a:noFill/>
+                      <a:prstDash val="solid"/>
+                    </a:lnBlToTr>
+                    <a:noFill/>
+                  </a:tcPr>
+                </a:tc>
+                <a:tc>
+                  <a:txBody>
+                    <a:bodyPr/>
+                    <a:lstStyle/>
+                    <a:p>
+                      <a:pPr algn="ctr"/>
+                      <a:r>
+                        <a:rPr lang="de-DE" sz="800" b="0" dirty="0">
+                          <a:solidFill>
+                            <a:schemeClr val="tx1"/>
+                          </a:solidFill>
+                          <a:latin typeface="Times New Roman" panose="02020603050405020304" pitchFamily="18" charset="0"/>
+                          <a:ea typeface="Consolas" charset="0"/>
+                          <a:cs typeface="Times New Roman" panose="02020603050405020304" pitchFamily="18" charset="0"/>
+                        </a:rPr>
+                        <a:t>VM Lifecycle Event</a:t>
+                      </a:r>
+                      <a:endParaRPr lang="en-US" sz="800" b="0" dirty="0">
+                        <a:solidFill>
+                          <a:schemeClr val="tx1"/>
+                        </a:solidFill>
+                        <a:latin typeface="Times New Roman" panose="02020603050405020304" pitchFamily="18" charset="0"/>
+                        <a:ea typeface="Consolas" charset="0"/>
+                        <a:cs typeface="Times New Roman" panose="02020603050405020304" pitchFamily="18" charset="0"/>
+                      </a:endParaRPr>
+                    </a:p>
+                  </a:txBody>
+                  <a:tcPr marL="51435" marR="51435" marT="25718" marB="25718" anchor="ctr">
+                    <a:lnL w="12700" cmpd="sng">
+                      <a:noFill/>
+                    </a:lnL>
+                    <a:lnR w="12700" cmpd="sng">
+                      <a:noFill/>
+                    </a:lnR>
+                    <a:lnT w="12700" cmpd="sng">
+                      <a:noFill/>
+                    </a:lnT>
+                    <a:lnB w="38100" cmpd="sng">
+                      <a:noFill/>
+                    </a:lnB>
+                    <a:lnTlToBr w="12700" cmpd="sng">
+                      <a:noFill/>
+                      <a:prstDash val="solid"/>
+                    </a:lnTlToBr>
+                    <a:lnBlToTr w="12700" cmpd="sng">
+                      <a:noFill/>
+                      <a:prstDash val="solid"/>
+                    </a:lnBlToTr>
+                    <a:noFill/>
+                  </a:tcPr>
+                </a:tc>
+                <a:extLst>
+                  <a:ext uri="{0D108BD9-81ED-4DB2-BD59-A6C34878D82A}">
+                    <a16:rowId xmlns:a16="http://schemas.microsoft.com/office/drawing/2014/main" val="10000"/>
+                  </a:ext>
+                </a:extLst>
+              </a:tr>
+              <a:tr h="160561">
+                <a:tc>
+                  <a:txBody>
+                    <a:bodyPr/>
+                    <a:lstStyle/>
+                    <a:p>
+                      <a:pPr algn="ctr"/>
+                      <a:r>
+                        <a:rPr lang="en-US" sz="800" dirty="0">
+                          <a:solidFill>
+                            <a:schemeClr val="tx1"/>
+                          </a:solidFill>
+                          <a:latin typeface="Times New Roman" panose="02020603050405020304" pitchFamily="18" charset="0"/>
+                          <a:ea typeface="Consolas" charset="0"/>
+                          <a:cs typeface="Times New Roman" panose="02020603050405020304" pitchFamily="18" charset="0"/>
+                        </a:rPr>
+                        <a:t>2</a:t>
+                      </a:r>
+                    </a:p>
+                  </a:txBody>
+                  <a:tcPr marL="51435" marR="51435" marT="25718" marB="25718" anchor="ctr">
+                    <a:lnL w="12700" cmpd="sng">
+                      <a:noFill/>
+                    </a:lnL>
+                    <a:lnR w="12700" cmpd="sng">
+                      <a:noFill/>
+                    </a:lnR>
+                    <a:lnT w="38100" cmpd="sng">
+                      <a:noFill/>
+                    </a:lnT>
+                    <a:lnB w="12700" cmpd="sng">
+                      <a:noFill/>
+                    </a:lnB>
+                    <a:lnTlToBr w="12700" cmpd="sng">
+                      <a:noFill/>
+                      <a:prstDash val="solid"/>
+                    </a:lnTlToBr>
+                    <a:lnBlToTr w="12700" cmpd="sng">
+                      <a:noFill/>
+                      <a:prstDash val="solid"/>
+                    </a:lnBlToTr>
+                    <a:noFill/>
+                  </a:tcPr>
+                </a:tc>
+                <a:tc>
+                  <a:txBody>
+                    <a:bodyPr/>
+                    <a:lstStyle/>
+                    <a:p>
+                      <a:pPr algn="ctr"/>
+                      <a:r>
+                        <a:rPr lang="en-US" sz="800" dirty="0">
+                          <a:latin typeface="Times New Roman" panose="02020603050405020304" pitchFamily="18" charset="0"/>
+                          <a:ea typeface="Consolas" charset="0"/>
+                          <a:cs typeface="Times New Roman" panose="02020603050405020304" pitchFamily="18" charset="0"/>
+                        </a:rPr>
+                        <a:t>Instance successfully</a:t>
+                      </a:r>
+                      <a:endParaRPr lang="en-US" sz="800" dirty="0">
+                        <a:solidFill>
+                          <a:schemeClr val="tx1"/>
+                        </a:solidFill>
+                        <a:latin typeface="Times New Roman" panose="02020603050405020304" pitchFamily="18" charset="0"/>
+                        <a:ea typeface="Consolas" charset="0"/>
+                        <a:cs typeface="Times New Roman" panose="02020603050405020304" pitchFamily="18" charset="0"/>
+                      </a:endParaRPr>
+                    </a:p>
+                  </a:txBody>
+                  <a:tcPr marL="51435" marR="51435" marT="25718" marB="25718" anchor="ctr">
+                    <a:lnL w="12700" cmpd="sng">
+                      <a:noFill/>
+                    </a:lnL>
+                    <a:lnR w="12700" cmpd="sng">
+                      <a:noFill/>
+                    </a:lnR>
+                    <a:lnT w="38100" cmpd="sng">
+                      <a:noFill/>
+                    </a:lnT>
+                    <a:lnB w="12700" cmpd="sng">
+                      <a:noFill/>
+                    </a:lnB>
+                    <a:lnTlToBr w="12700" cmpd="sng">
+                      <a:noFill/>
+                      <a:prstDash val="solid"/>
+                    </a:lnTlToBr>
+                    <a:lnBlToTr w="12700" cmpd="sng">
+                      <a:noFill/>
+                      <a:prstDash val="solid"/>
+                    </a:lnBlToTr>
+                    <a:noFill/>
+                  </a:tcPr>
+                </a:tc>
+                <a:extLst>
+                  <a:ext uri="{0D108BD9-81ED-4DB2-BD59-A6C34878D82A}">
+                    <a16:rowId xmlns:a16="http://schemas.microsoft.com/office/drawing/2014/main" val="10001"/>
+                  </a:ext>
+                </a:extLst>
+              </a:tr>
+              <a:tr h="160561">
+                <a:tc>
+                  <a:txBody>
+                    <a:bodyPr/>
+                    <a:lstStyle/>
+                    <a:p>
+                      <a:pPr algn="ctr"/>
+                      <a:r>
+                        <a:rPr lang="en-US" sz="800" dirty="0">
+                          <a:solidFill>
+                            <a:schemeClr val="tx1"/>
+                          </a:solidFill>
+                          <a:latin typeface="Times New Roman" panose="02020603050405020304" pitchFamily="18" charset="0"/>
+                          <a:ea typeface="Consolas" charset="0"/>
+                          <a:cs typeface="Times New Roman" panose="02020603050405020304" pitchFamily="18" charset="0"/>
+                        </a:rPr>
+                        <a:t>...</a:t>
+                      </a:r>
+                    </a:p>
+                  </a:txBody>
+                  <a:tcPr marL="51435" marR="51435" marT="25718" marB="25718" anchor="ctr">
+                    <a:lnL w="12700" cmpd="sng">
+                      <a:noFill/>
+                    </a:lnL>
+                    <a:lnR w="12700" cmpd="sng">
+                      <a:noFill/>
+                    </a:lnR>
+                    <a:lnT w="12700" cmpd="sng">
+                      <a:noFill/>
+                    </a:lnT>
+                    <a:lnB w="12700" cmpd="sng">
+                      <a:noFill/>
+                    </a:lnB>
+                    <a:lnTlToBr w="12700" cmpd="sng">
+                      <a:noFill/>
+                      <a:prstDash val="solid"/>
+                    </a:lnTlToBr>
+                    <a:lnBlToTr w="12700" cmpd="sng">
+                      <a:noFill/>
+                      <a:prstDash val="solid"/>
+                    </a:lnBlToTr>
+                    <a:noFill/>
+                  </a:tcPr>
+                </a:tc>
+                <a:tc>
+                  <a:txBody>
+                    <a:bodyPr/>
+                    <a:lstStyle/>
+                    <a:p>
+                      <a:pPr marL="0" marR="0" lvl="0" indent="0" algn="ctr" defTabSz="914400" rtl="0" eaLnBrk="1" fontAlgn="auto" latinLnBrk="0" hangingPunct="1">
+                        <a:lnSpc>
+                          <a:spcPct val="100000"/>
+                        </a:lnSpc>
+                        <a:spcBef>
+                          <a:spcPts val="0"/>
+                        </a:spcBef>
+                        <a:spcAft>
+                          <a:spcPts val="0"/>
+                        </a:spcAft>
+                        <a:buClrTx/>
+                        <a:buSzTx/>
+                        <a:buFontTx/>
+                        <a:buNone/>
+                        <a:tabLst/>
+                        <a:defRPr/>
+                      </a:pPr>
+                      <a:r>
+                        <a:rPr lang="en-US" sz="800" dirty="0">
+                          <a:latin typeface="Times New Roman" panose="02020603050405020304" pitchFamily="18" charset="0"/>
+                          <a:ea typeface="Consolas" charset="0"/>
+                          <a:cs typeface="Times New Roman" panose="02020603050405020304" pitchFamily="18" charset="0"/>
+                        </a:rPr>
+                        <a:t>...</a:t>
+                      </a:r>
+                      <a:endParaRPr lang="en-US" sz="800" dirty="0">
+                        <a:solidFill>
+                          <a:schemeClr val="tx1"/>
+                        </a:solidFill>
+                        <a:latin typeface="Times New Roman" panose="02020603050405020304" pitchFamily="18" charset="0"/>
+                        <a:ea typeface="Consolas" charset="0"/>
+                        <a:cs typeface="Times New Roman" panose="02020603050405020304" pitchFamily="18" charset="0"/>
+                      </a:endParaRPr>
+                    </a:p>
+                  </a:txBody>
+                  <a:tcPr marL="51435" marR="51435" marT="25718" marB="25718" anchor="ctr">
+                    <a:lnL w="12700" cmpd="sng">
+                      <a:noFill/>
+                    </a:lnL>
+                    <a:lnR w="12700" cmpd="sng">
+                      <a:noFill/>
+                    </a:lnR>
+                    <a:lnT w="12700" cmpd="sng">
+                      <a:noFill/>
+                    </a:lnT>
+                    <a:lnB w="12700" cmpd="sng">
+                      <a:noFill/>
+                    </a:lnB>
+                    <a:lnTlToBr w="12700" cmpd="sng">
+                      <a:noFill/>
+                      <a:prstDash val="solid"/>
+                    </a:lnTlToBr>
+                    <a:lnBlToTr w="12700" cmpd="sng">
+                      <a:noFill/>
+                      <a:prstDash val="solid"/>
+                    </a:lnBlToTr>
+                    <a:noFill/>
+                  </a:tcPr>
+                </a:tc>
+                <a:extLst>
+                  <a:ext uri="{0D108BD9-81ED-4DB2-BD59-A6C34878D82A}">
+                    <a16:rowId xmlns:a16="http://schemas.microsoft.com/office/drawing/2014/main" val="10005"/>
+                  </a:ext>
+                </a:extLst>
+              </a:tr>
+              <a:tr h="160561">
+                <a:tc>
+                  <a:txBody>
+                    <a:bodyPr/>
+                    <a:lstStyle/>
+                    <a:p>
+                      <a:pPr algn="ctr"/>
+                      <a:r>
+                        <a:rPr lang="en-US" sz="800" dirty="0">
+                          <a:solidFill>
+                            <a:schemeClr val="tx1"/>
+                          </a:solidFill>
+                          <a:latin typeface="Times New Roman" panose="02020603050405020304" pitchFamily="18" charset="0"/>
+                          <a:ea typeface="Consolas" charset="0"/>
+                          <a:cs typeface="Times New Roman" panose="02020603050405020304" pitchFamily="18" charset="0"/>
+                        </a:rPr>
+                        <a:t>n</a:t>
+                      </a:r>
+                    </a:p>
+                  </a:txBody>
+                  <a:tcPr marL="51435" marR="51435" marT="25718" marB="25718" anchor="ctr">
+                    <a:lnL w="12700" cmpd="sng">
+                      <a:noFill/>
+                    </a:lnL>
+                    <a:lnR w="12700" cmpd="sng">
+                      <a:noFill/>
+                    </a:lnR>
+                    <a:lnT w="12700" cmpd="sng">
+                      <a:noFill/>
+                    </a:lnT>
+                    <a:lnB w="12700" cmpd="sng">
+                      <a:noFill/>
+                    </a:lnB>
+                    <a:lnTlToBr w="12700" cmpd="sng">
+                      <a:noFill/>
+                      <a:prstDash val="solid"/>
+                    </a:lnTlToBr>
+                    <a:lnBlToTr w="12700" cmpd="sng">
+                      <a:noFill/>
+                      <a:prstDash val="solid"/>
+                    </a:lnBlToTr>
+                    <a:noFill/>
+                  </a:tcPr>
+                </a:tc>
+                <a:tc>
+                  <a:txBody>
+                    <a:bodyPr/>
+                    <a:lstStyle/>
+                    <a:p>
+                      <a:pPr algn="ctr"/>
+                      <a:r>
+                        <a:rPr lang="de-DE" sz="800" b="0" dirty="0" err="1">
+                          <a:solidFill>
+                            <a:schemeClr val="tx1"/>
+                          </a:solidFill>
+                          <a:latin typeface="Times New Roman" panose="02020603050405020304" pitchFamily="18" charset="0"/>
+                          <a:ea typeface="Consolas" charset="0"/>
+                          <a:cs typeface="Times New Roman" panose="02020603050405020304" pitchFamily="18" charset="0"/>
+                        </a:rPr>
+                        <a:t>Terminating</a:t>
+                      </a:r>
+                      <a:r>
+                        <a:rPr lang="de-DE" sz="800" b="0" dirty="0">
+                          <a:solidFill>
+                            <a:schemeClr val="tx1"/>
+                          </a:solidFill>
+                          <a:latin typeface="Times New Roman" panose="02020603050405020304" pitchFamily="18" charset="0"/>
+                          <a:ea typeface="Consolas" charset="0"/>
+                          <a:cs typeface="Times New Roman" panose="02020603050405020304" pitchFamily="18" charset="0"/>
+                        </a:rPr>
+                        <a:t> </a:t>
+                      </a:r>
+                      <a:r>
+                        <a:rPr lang="de-DE" sz="800" b="0" dirty="0" err="1">
+                          <a:solidFill>
+                            <a:schemeClr val="tx1"/>
+                          </a:solidFill>
+                          <a:latin typeface="Times New Roman" panose="02020603050405020304" pitchFamily="18" charset="0"/>
+                          <a:ea typeface="Consolas" charset="0"/>
+                          <a:cs typeface="Times New Roman" panose="02020603050405020304" pitchFamily="18" charset="0"/>
+                        </a:rPr>
+                        <a:t>instance</a:t>
+                      </a:r>
+                      <a:endParaRPr lang="en-US" sz="800" b="0" dirty="0">
+                        <a:solidFill>
+                          <a:schemeClr val="tx1"/>
+                        </a:solidFill>
+                        <a:latin typeface="Times New Roman" panose="02020603050405020304" pitchFamily="18" charset="0"/>
+                        <a:ea typeface="Consolas" charset="0"/>
+                        <a:cs typeface="Times New Roman" panose="02020603050405020304" pitchFamily="18" charset="0"/>
+                      </a:endParaRPr>
+                    </a:p>
+                  </a:txBody>
+                  <a:tcPr marL="51435" marR="51435" marT="25718" marB="25718" anchor="ctr">
+                    <a:lnL w="12700" cmpd="sng">
+                      <a:noFill/>
+                    </a:lnL>
+                    <a:lnR w="12700" cmpd="sng">
+                      <a:noFill/>
+                    </a:lnR>
+                    <a:lnT w="12700" cmpd="sng">
+                      <a:noFill/>
+                    </a:lnT>
+                    <a:lnB w="12700" cmpd="sng">
+                      <a:noFill/>
+                    </a:lnB>
+                    <a:lnTlToBr w="12700" cmpd="sng">
+                      <a:noFill/>
+                      <a:prstDash val="solid"/>
+                    </a:lnTlToBr>
+                    <a:lnBlToTr w="12700" cmpd="sng">
+                      <a:noFill/>
+                      <a:prstDash val="solid"/>
+                    </a:lnBlToTr>
+                    <a:noFill/>
+                  </a:tcPr>
+                </a:tc>
+                <a:extLst>
+                  <a:ext uri="{0D108BD9-81ED-4DB2-BD59-A6C34878D82A}">
+                    <a16:rowId xmlns:a16="http://schemas.microsoft.com/office/drawing/2014/main" val="10009"/>
+                  </a:ext>
+                </a:extLst>
+              </a:tr>
+            </a:tbl>
+          </a:graphicData>
+        </a:graphic>
+      </p:graphicFrame>
+      <p:sp>
+        <p:nvSpPr>
+          <p:cNvPr id="79" name="Rounded Rectangle 78">
+            <a:extLst>
+              <a:ext uri="{FF2B5EF4-FFF2-40B4-BE49-F238E27FC236}">
+                <a16:creationId xmlns:a16="http://schemas.microsoft.com/office/drawing/2014/main" id="{E5010012-3896-7345-B5A4-FA7DCBEFCAF1}"/>
               </a:ext>
             </a:extLst>
           </p:cNvPr>
@@ -2961,8 +3909,8 @@
         </p:nvSpPr>
         <p:spPr>
           <a:xfrm>
-            <a:off x="513238" y="143191"/>
-            <a:ext cx="2913321" cy="520995"/>
+            <a:off x="2309603" y="431012"/>
+            <a:ext cx="1564944" cy="912441"/>
           </a:xfrm>
           <a:prstGeom prst="roundRect">
             <a:avLst/>
@@ -2991,33 +3939,149 @@
           </a:fontRef>
         </p:style>
         <p:txBody>
-          <a:bodyPr rot="0" spcFirstLastPara="0" vertOverflow="overflow" horzOverflow="overflow" vert="horz" wrap="square" lIns="91440" tIns="45720" rIns="91440" bIns="45720" numCol="1" spcCol="0" rtlCol="0" fromWordArt="0" anchor="ctr" anchorCtr="0" forceAA="0" compatLnSpc="1">
-            <a:prstTxWarp prst="textNoShape">
-              <a:avLst/>
-            </a:prstTxWarp>
-            <a:noAutofit/>
+          <a:bodyPr rtlCol="0" anchor="ctr"/>
+          <a:lstStyle/>
+          <a:p>
+            <a:pPr algn="ctr"/>
+            <a:endParaRPr lang="en-US" sz="1050">
+              <a:latin typeface="Times New Roman" panose="02020603050405020304" pitchFamily="18" charset="0"/>
+              <a:cs typeface="Times New Roman" panose="02020603050405020304" pitchFamily="18" charset="0"/>
+            </a:endParaRPr>
+          </a:p>
+        </p:txBody>
+      </p:sp>
+      <p:cxnSp>
+        <p:nvCxnSpPr>
+          <p:cNvPr id="80" name="Straight Connector 79">
+            <a:extLst>
+              <a:ext uri="{FF2B5EF4-FFF2-40B4-BE49-F238E27FC236}">
+                <a16:creationId xmlns:a16="http://schemas.microsoft.com/office/drawing/2014/main" id="{5897D567-6672-9745-AB0C-0E245E8DC7ED}"/>
+              </a:ext>
+            </a:extLst>
+          </p:cNvPr>
+          <p:cNvCxnSpPr>
+            <a:cxnSpLocks/>
+          </p:cNvCxnSpPr>
+          <p:nvPr/>
+        </p:nvCxnSpPr>
+        <p:spPr>
+          <a:xfrm flipH="1">
+            <a:off x="2306466" y="620950"/>
+            <a:ext cx="1572391" cy="0"/>
+          </a:xfrm>
+          <a:prstGeom prst="line">
+            <a:avLst/>
+          </a:prstGeom>
+          <a:ln w="12700">
+            <a:solidFill>
+              <a:schemeClr val="tx1"/>
+            </a:solidFill>
+          </a:ln>
+        </p:spPr>
+        <p:style>
+          <a:lnRef idx="1">
+            <a:schemeClr val="accent1"/>
+          </a:lnRef>
+          <a:fillRef idx="0">
+            <a:schemeClr val="accent1"/>
+          </a:fillRef>
+          <a:effectRef idx="0">
+            <a:schemeClr val="accent1"/>
+          </a:effectRef>
+          <a:fontRef idx="minor">
+            <a:schemeClr val="tx1"/>
+          </a:fontRef>
+        </p:style>
+      </p:cxnSp>
+      <p:cxnSp>
+        <p:nvCxnSpPr>
+          <p:cNvPr id="81" name="Straight Connector 80">
+            <a:extLst>
+              <a:ext uri="{FF2B5EF4-FFF2-40B4-BE49-F238E27FC236}">
+                <a16:creationId xmlns:a16="http://schemas.microsoft.com/office/drawing/2014/main" id="{814BC178-1379-BF48-B5C6-81B1EE011C33}"/>
+              </a:ext>
+            </a:extLst>
+          </p:cNvPr>
+          <p:cNvCxnSpPr>
+            <a:cxnSpLocks/>
+          </p:cNvCxnSpPr>
+          <p:nvPr/>
+        </p:nvCxnSpPr>
+        <p:spPr>
+          <a:xfrm flipV="1">
+            <a:off x="2574024" y="620950"/>
+            <a:ext cx="0" cy="722503"/>
+          </a:xfrm>
+          <a:prstGeom prst="line">
+            <a:avLst/>
+          </a:prstGeom>
+          <a:ln w="12700">
+            <a:solidFill>
+              <a:schemeClr val="tx1"/>
+            </a:solidFill>
+          </a:ln>
+        </p:spPr>
+        <p:style>
+          <a:lnRef idx="1">
+            <a:schemeClr val="accent1"/>
+          </a:lnRef>
+          <a:fillRef idx="0">
+            <a:schemeClr val="accent1"/>
+          </a:fillRef>
+          <a:effectRef idx="0">
+            <a:schemeClr val="accent1"/>
+          </a:effectRef>
+          <a:fontRef idx="minor">
+            <a:schemeClr val="tx1"/>
+          </a:fontRef>
+        </p:style>
+      </p:cxnSp>
+      <p:sp>
+        <p:nvSpPr>
+          <p:cNvPr id="114" name="TextBox 113">
+            <a:extLst>
+              <a:ext uri="{FF2B5EF4-FFF2-40B4-BE49-F238E27FC236}">
+                <a16:creationId xmlns:a16="http://schemas.microsoft.com/office/drawing/2014/main" id="{15A75C97-A1B8-8E48-BC75-C74412D2B2C8}"/>
+              </a:ext>
+            </a:extLst>
+          </p:cNvPr>
+          <p:cNvSpPr txBox="1"/>
+          <p:nvPr/>
+        </p:nvSpPr>
+        <p:spPr>
+          <a:xfrm>
+            <a:off x="93661" y="446510"/>
+            <a:ext cx="1374964" cy="230832"/>
+          </a:xfrm>
+          <a:prstGeom prst="rect">
+            <a:avLst/>
+          </a:prstGeom>
+          <a:noFill/>
+        </p:spPr>
+        <p:txBody>
+          <a:bodyPr wrap="square" rtlCol="0">
+            <a:spAutoFit/>
           </a:bodyPr>
           <a:lstStyle/>
           <a:p>
             <a:pPr algn="ctr"/>
             <a:r>
-              <a:rPr lang="de-DE" sz="1600">
-                <a:solidFill>
-                  <a:schemeClr val="tx1"/>
-                </a:solidFill>
+              <a:rPr lang="en-US" sz="900" dirty="0">
+                <a:latin typeface="Times New Roman" panose="02020603050405020304" pitchFamily="18" charset="0"/>
+                <a:ea typeface="Consolas" charset="0"/>
                 <a:cs typeface="Times New Roman" panose="02020603050405020304" pitchFamily="18" charset="0"/>
               </a:rPr>
-              <a:t>Deleting files </a:t>
+              <a:t>Log templates (train)</a:t>
             </a:r>
           </a:p>
         </p:txBody>
       </p:sp>
       <p:sp>
         <p:nvSpPr>
-          <p:cNvPr id="5" name="Rounded Rectangle 4">
+          <p:cNvPr id="115" name="Rounded Rectangle 114">
             <a:extLst>
               <a:ext uri="{FF2B5EF4-FFF2-40B4-BE49-F238E27FC236}">
-                <a16:creationId xmlns:a16="http://schemas.microsoft.com/office/drawing/2014/main" id="{80F8173F-DF84-2443-B3AB-87238609DCEC}"/>
+                <a16:creationId xmlns:a16="http://schemas.microsoft.com/office/drawing/2014/main" id="{6DC61093-10D0-3D4F-9BAE-143C2185B380}"/>
               </a:ext>
             </a:extLst>
           </p:cNvPr>
@@ -3026,8 +4090,8 @@
         </p:nvSpPr>
         <p:spPr>
           <a:xfrm>
-            <a:off x="513237" y="3602311"/>
-            <a:ext cx="2913321" cy="520995"/>
+            <a:off x="82270" y="446510"/>
+            <a:ext cx="1397746" cy="912440"/>
           </a:xfrm>
           <a:prstGeom prst="roundRect">
             <a:avLst/>
@@ -3056,33 +4120,681 @@
           </a:fontRef>
         </p:style>
         <p:txBody>
-          <a:bodyPr rot="0" spcFirstLastPara="0" vertOverflow="overflow" horzOverflow="overflow" vert="horz" wrap="square" lIns="91440" tIns="45720" rIns="91440" bIns="45720" numCol="1" spcCol="0" rtlCol="0" fromWordArt="0" anchor="ctr" anchorCtr="0" forceAA="0" compatLnSpc="1">
-            <a:prstTxWarp prst="textNoShape">
-              <a:avLst/>
-            </a:prstTxWarp>
-            <a:noAutofit/>
+          <a:bodyPr rtlCol="0" anchor="ctr"/>
+          <a:lstStyle/>
+          <a:p>
+            <a:pPr algn="ctr"/>
+            <a:endParaRPr lang="en-US" sz="1050">
+              <a:latin typeface="Times New Roman" panose="02020603050405020304" pitchFamily="18" charset="0"/>
+              <a:cs typeface="Times New Roman" panose="02020603050405020304" pitchFamily="18" charset="0"/>
+            </a:endParaRPr>
+          </a:p>
+        </p:txBody>
+      </p:sp>
+      <p:cxnSp>
+        <p:nvCxnSpPr>
+          <p:cNvPr id="116" name="Straight Connector 115">
+            <a:extLst>
+              <a:ext uri="{FF2B5EF4-FFF2-40B4-BE49-F238E27FC236}">
+                <a16:creationId xmlns:a16="http://schemas.microsoft.com/office/drawing/2014/main" id="{19E58DB0-B806-4E47-B3FC-4ED2954E384F}"/>
+              </a:ext>
+            </a:extLst>
+          </p:cNvPr>
+          <p:cNvCxnSpPr>
+            <a:cxnSpLocks/>
+          </p:cNvCxnSpPr>
+          <p:nvPr/>
+        </p:nvCxnSpPr>
+        <p:spPr>
+          <a:xfrm flipH="1">
+            <a:off x="85407" y="636446"/>
+            <a:ext cx="1397746" cy="0"/>
+          </a:xfrm>
+          <a:prstGeom prst="line">
+            <a:avLst/>
+          </a:prstGeom>
+          <a:ln w="12700">
+            <a:solidFill>
+              <a:schemeClr val="tx1"/>
+            </a:solidFill>
+          </a:ln>
+        </p:spPr>
+        <p:style>
+          <a:lnRef idx="1">
+            <a:schemeClr val="accent1"/>
+          </a:lnRef>
+          <a:fillRef idx="0">
+            <a:schemeClr val="accent1"/>
+          </a:fillRef>
+          <a:effectRef idx="0">
+            <a:schemeClr val="accent1"/>
+          </a:effectRef>
+          <a:fontRef idx="minor">
+            <a:schemeClr val="tx1"/>
+          </a:fontRef>
+        </p:style>
+      </p:cxnSp>
+      <p:cxnSp>
+        <p:nvCxnSpPr>
+          <p:cNvPr id="117" name="Straight Connector 116">
+            <a:extLst>
+              <a:ext uri="{FF2B5EF4-FFF2-40B4-BE49-F238E27FC236}">
+                <a16:creationId xmlns:a16="http://schemas.microsoft.com/office/drawing/2014/main" id="{589FCA45-619E-B741-8350-2F0743699BEE}"/>
+              </a:ext>
+            </a:extLst>
+          </p:cNvPr>
+          <p:cNvCxnSpPr>
+            <a:cxnSpLocks/>
+          </p:cNvCxnSpPr>
+          <p:nvPr/>
+        </p:nvCxnSpPr>
+        <p:spPr>
+          <a:xfrm flipV="1">
+            <a:off x="329311" y="636447"/>
+            <a:ext cx="0" cy="722503"/>
+          </a:xfrm>
+          <a:prstGeom prst="line">
+            <a:avLst/>
+          </a:prstGeom>
+          <a:ln w="12700">
+            <a:solidFill>
+              <a:schemeClr val="tx1"/>
+            </a:solidFill>
+          </a:ln>
+        </p:spPr>
+        <p:style>
+          <a:lnRef idx="1">
+            <a:schemeClr val="accent1"/>
+          </a:lnRef>
+          <a:fillRef idx="0">
+            <a:schemeClr val="accent1"/>
+          </a:fillRef>
+          <a:effectRef idx="0">
+            <a:schemeClr val="accent1"/>
+          </a:effectRef>
+          <a:fontRef idx="minor">
+            <a:schemeClr val="tx1"/>
+          </a:fontRef>
+        </p:style>
+      </p:cxnSp>
+      <p:graphicFrame>
+        <p:nvGraphicFramePr>
+          <p:cNvPr id="68" name="Table 67">
+            <a:extLst>
+              <a:ext uri="{FF2B5EF4-FFF2-40B4-BE49-F238E27FC236}">
+                <a16:creationId xmlns:a16="http://schemas.microsoft.com/office/drawing/2014/main" id="{C011F349-8DA6-475E-9E77-20457CA32B02}"/>
+              </a:ext>
+            </a:extLst>
+          </p:cNvPr>
+          <p:cNvGraphicFramePr>
+            <a:graphicFrameLocks noGrp="1"/>
+          </p:cNvGraphicFramePr>
+          <p:nvPr>
+            <p:extLst>
+              <p:ext uri="{D42A27DB-BD31-4B8C-83A1-F6EECF244321}">
+                <p14:modId xmlns:p14="http://schemas.microsoft.com/office/powerpoint/2010/main" val="1342275306"/>
+              </p:ext>
+            </p:extLst>
+          </p:nvPr>
+        </p:nvGraphicFramePr>
+        <p:xfrm>
+          <a:off x="86515" y="1672206"/>
+          <a:ext cx="1427356" cy="693424"/>
+        </p:xfrm>
+        <a:graphic>
+          <a:graphicData uri="http://schemas.openxmlformats.org/drawingml/2006/table">
+            <a:tbl>
+              <a:tblPr firstRow="1" bandRow="1">
+                <a:tableStyleId>{5C22544A-7EE6-4342-B048-85BDC9FD1C3A}</a:tableStyleId>
+              </a:tblPr>
+              <a:tblGrid>
+                <a:gridCol w="196355">
+                  <a:extLst>
+                    <a:ext uri="{9D8B030D-6E8A-4147-A177-3AD203B41FA5}">
+                      <a16:colId xmlns:a16="http://schemas.microsoft.com/office/drawing/2014/main" val="20000"/>
+                    </a:ext>
+                  </a:extLst>
+                </a:gridCol>
+                <a:gridCol w="1231001">
+                  <a:extLst>
+                    <a:ext uri="{9D8B030D-6E8A-4147-A177-3AD203B41FA5}">
+                      <a16:colId xmlns:a16="http://schemas.microsoft.com/office/drawing/2014/main" val="20001"/>
+                    </a:ext>
+                  </a:extLst>
+                </a:gridCol>
+              </a:tblGrid>
+              <a:tr h="160561">
+                <a:tc>
+                  <a:txBody>
+                    <a:bodyPr/>
+                    <a:lstStyle/>
+                    <a:p>
+                      <a:pPr algn="ctr"/>
+                      <a:r>
+                        <a:rPr lang="en-US" sz="800" b="0" dirty="0">
+                          <a:solidFill>
+                            <a:schemeClr val="tx1"/>
+                          </a:solidFill>
+                          <a:latin typeface="Times New Roman" panose="02020603050405020304" pitchFamily="18" charset="0"/>
+                          <a:ea typeface="Consolas" charset="0"/>
+                          <a:cs typeface="Times New Roman" panose="02020603050405020304" pitchFamily="18" charset="0"/>
+                        </a:rPr>
+                        <a:t>1</a:t>
+                      </a:r>
+                    </a:p>
+                  </a:txBody>
+                  <a:tcPr marL="51435" marR="51435" marT="25718" marB="25718" anchor="ctr">
+                    <a:lnL w="12700" cmpd="sng">
+                      <a:noFill/>
+                    </a:lnL>
+                    <a:lnR w="12700" cmpd="sng">
+                      <a:noFill/>
+                    </a:lnR>
+                    <a:lnT w="12700" cmpd="sng">
+                      <a:noFill/>
+                    </a:lnT>
+                    <a:lnB w="38100" cmpd="sng">
+                      <a:noFill/>
+                    </a:lnB>
+                    <a:lnTlToBr w="12700" cmpd="sng">
+                      <a:noFill/>
+                      <a:prstDash val="solid"/>
+                    </a:lnTlToBr>
+                    <a:lnBlToTr w="12700" cmpd="sng">
+                      <a:noFill/>
+                      <a:prstDash val="solid"/>
+                    </a:lnBlToTr>
+                    <a:noFill/>
+                  </a:tcPr>
+                </a:tc>
+                <a:tc>
+                  <a:txBody>
+                    <a:bodyPr/>
+                    <a:lstStyle/>
+                    <a:p>
+                      <a:pPr algn="ctr"/>
+                      <a:r>
+                        <a:rPr lang="de-DE" sz="800" b="0" dirty="0">
+                          <a:solidFill>
+                            <a:schemeClr val="tx1"/>
+                          </a:solidFill>
+                          <a:latin typeface="Times New Roman" panose="02020603050405020304" pitchFamily="18" charset="0"/>
+                          <a:ea typeface="Consolas" charset="0"/>
+                          <a:cs typeface="Times New Roman" panose="02020603050405020304" pitchFamily="18" charset="0"/>
+                        </a:rPr>
+                        <a:t>VM </a:t>
+                      </a:r>
+                      <a:r>
+                        <a:rPr lang="de-DE" sz="800" b="1" dirty="0">
+                          <a:solidFill>
+                            <a:schemeClr val="tx1"/>
+                          </a:solidFill>
+                          <a:latin typeface="Times New Roman" panose="02020603050405020304" pitchFamily="18" charset="0"/>
+                          <a:ea typeface="Consolas" charset="0"/>
+                          <a:cs typeface="Times New Roman" panose="02020603050405020304" pitchFamily="18" charset="0"/>
+                        </a:rPr>
+                        <a:t>New</a:t>
+                      </a:r>
+                      <a:r>
+                        <a:rPr lang="de-DE" sz="800" b="0" dirty="0">
+                          <a:solidFill>
+                            <a:schemeClr val="tx1"/>
+                          </a:solidFill>
+                          <a:latin typeface="Times New Roman" panose="02020603050405020304" pitchFamily="18" charset="0"/>
+                          <a:ea typeface="Consolas" charset="0"/>
+                          <a:cs typeface="Times New Roman" panose="02020603050405020304" pitchFamily="18" charset="0"/>
+                        </a:rPr>
+                        <a:t> Event</a:t>
+                      </a:r>
+                      <a:endParaRPr lang="en-US" sz="800" b="0" dirty="0">
+                        <a:solidFill>
+                          <a:schemeClr val="tx1"/>
+                        </a:solidFill>
+                        <a:latin typeface="Times New Roman" panose="02020603050405020304" pitchFamily="18" charset="0"/>
+                        <a:ea typeface="Consolas" charset="0"/>
+                        <a:cs typeface="Times New Roman" panose="02020603050405020304" pitchFamily="18" charset="0"/>
+                      </a:endParaRPr>
+                    </a:p>
+                  </a:txBody>
+                  <a:tcPr marL="51435" marR="51435" marT="25718" marB="25718" anchor="ctr">
+                    <a:lnL w="12700" cmpd="sng">
+                      <a:noFill/>
+                    </a:lnL>
+                    <a:lnR w="12700" cmpd="sng">
+                      <a:noFill/>
+                    </a:lnR>
+                    <a:lnT w="12700" cmpd="sng">
+                      <a:noFill/>
+                    </a:lnT>
+                    <a:lnB w="38100" cmpd="sng">
+                      <a:noFill/>
+                    </a:lnB>
+                    <a:lnTlToBr w="12700" cmpd="sng">
+                      <a:noFill/>
+                      <a:prstDash val="solid"/>
+                    </a:lnTlToBr>
+                    <a:lnBlToTr w="12700" cmpd="sng">
+                      <a:noFill/>
+                      <a:prstDash val="solid"/>
+                    </a:lnBlToTr>
+                    <a:noFill/>
+                  </a:tcPr>
+                </a:tc>
+                <a:extLst>
+                  <a:ext uri="{0D108BD9-81ED-4DB2-BD59-A6C34878D82A}">
+                    <a16:rowId xmlns:a16="http://schemas.microsoft.com/office/drawing/2014/main" val="10000"/>
+                  </a:ext>
+                </a:extLst>
+              </a:tr>
+              <a:tr h="160561">
+                <a:tc>
+                  <a:txBody>
+                    <a:bodyPr/>
+                    <a:lstStyle/>
+                    <a:p>
+                      <a:pPr algn="ctr"/>
+                      <a:r>
+                        <a:rPr lang="en-US" sz="800" dirty="0">
+                          <a:solidFill>
+                            <a:schemeClr val="tx1"/>
+                          </a:solidFill>
+                          <a:latin typeface="Times New Roman" panose="02020603050405020304" pitchFamily="18" charset="0"/>
+                          <a:ea typeface="Consolas" charset="0"/>
+                          <a:cs typeface="Times New Roman" panose="02020603050405020304" pitchFamily="18" charset="0"/>
+                        </a:rPr>
+                        <a:t>2</a:t>
+                      </a:r>
+                    </a:p>
+                  </a:txBody>
+                  <a:tcPr marL="51435" marR="51435" marT="25718" marB="25718" anchor="ctr">
+                    <a:lnL w="12700" cmpd="sng">
+                      <a:noFill/>
+                    </a:lnL>
+                    <a:lnR w="12700" cmpd="sng">
+                      <a:noFill/>
+                    </a:lnR>
+                    <a:lnT w="38100" cmpd="sng">
+                      <a:noFill/>
+                    </a:lnT>
+                    <a:lnB w="12700" cmpd="sng">
+                      <a:noFill/>
+                    </a:lnB>
+                    <a:lnTlToBr w="12700" cmpd="sng">
+                      <a:noFill/>
+                      <a:prstDash val="solid"/>
+                    </a:lnTlToBr>
+                    <a:lnBlToTr w="12700" cmpd="sng">
+                      <a:noFill/>
+                      <a:prstDash val="solid"/>
+                    </a:lnBlToTr>
+                    <a:noFill/>
+                  </a:tcPr>
+                </a:tc>
+                <a:tc>
+                  <a:txBody>
+                    <a:bodyPr/>
+                    <a:lstStyle/>
+                    <a:p>
+                      <a:pPr algn="ctr"/>
+                      <a:r>
+                        <a:rPr lang="en-US" sz="800" dirty="0">
+                          <a:latin typeface="Times New Roman" panose="02020603050405020304" pitchFamily="18" charset="0"/>
+                          <a:ea typeface="Consolas" charset="0"/>
+                          <a:cs typeface="Times New Roman" panose="02020603050405020304" pitchFamily="18" charset="0"/>
+                        </a:rPr>
+                        <a:t>Instance </a:t>
+                      </a:r>
+                      <a:r>
+                        <a:rPr lang="en-US" sz="800" b="1" dirty="0">
+                          <a:latin typeface="Times New Roman" panose="02020603050405020304" pitchFamily="18" charset="0"/>
+                          <a:ea typeface="Consolas" charset="0"/>
+                          <a:cs typeface="Times New Roman" panose="02020603050405020304" pitchFamily="18" charset="0"/>
+                        </a:rPr>
+                        <a:t>creation</a:t>
+                      </a:r>
+                      <a:r>
+                        <a:rPr lang="en-US" sz="800" dirty="0">
+                          <a:latin typeface="Times New Roman" panose="02020603050405020304" pitchFamily="18" charset="0"/>
+                          <a:ea typeface="Consolas" charset="0"/>
+                          <a:cs typeface="Times New Roman" panose="02020603050405020304" pitchFamily="18" charset="0"/>
+                        </a:rPr>
+                        <a:t> </a:t>
+                      </a:r>
+                      <a:r>
+                        <a:rPr lang="en-US" sz="800" b="1" dirty="0">
+                          <a:latin typeface="Times New Roman" panose="02020603050405020304" pitchFamily="18" charset="0"/>
+                          <a:ea typeface="Consolas" charset="0"/>
+                          <a:cs typeface="Times New Roman" panose="02020603050405020304" pitchFamily="18" charset="0"/>
+                        </a:rPr>
+                        <a:t>finished</a:t>
+                      </a:r>
+                      <a:endParaRPr lang="en-US" sz="800" b="1" dirty="0">
+                        <a:solidFill>
+                          <a:schemeClr val="tx1"/>
+                        </a:solidFill>
+                        <a:latin typeface="Times New Roman" panose="02020603050405020304" pitchFamily="18" charset="0"/>
+                        <a:ea typeface="Consolas" charset="0"/>
+                        <a:cs typeface="Times New Roman" panose="02020603050405020304" pitchFamily="18" charset="0"/>
+                      </a:endParaRPr>
+                    </a:p>
+                  </a:txBody>
+                  <a:tcPr marL="51435" marR="51435" marT="25718" marB="25718" anchor="ctr">
+                    <a:lnL w="12700" cmpd="sng">
+                      <a:noFill/>
+                    </a:lnL>
+                    <a:lnR w="12700" cmpd="sng">
+                      <a:noFill/>
+                    </a:lnR>
+                    <a:lnT w="38100" cmpd="sng">
+                      <a:noFill/>
+                    </a:lnT>
+                    <a:lnB w="12700" cmpd="sng">
+                      <a:noFill/>
+                    </a:lnB>
+                    <a:lnTlToBr w="12700" cmpd="sng">
+                      <a:noFill/>
+                      <a:prstDash val="solid"/>
+                    </a:lnTlToBr>
+                    <a:lnBlToTr w="12700" cmpd="sng">
+                      <a:noFill/>
+                      <a:prstDash val="solid"/>
+                    </a:lnBlToTr>
+                    <a:noFill/>
+                  </a:tcPr>
+                </a:tc>
+                <a:extLst>
+                  <a:ext uri="{0D108BD9-81ED-4DB2-BD59-A6C34878D82A}">
+                    <a16:rowId xmlns:a16="http://schemas.microsoft.com/office/drawing/2014/main" val="10001"/>
+                  </a:ext>
+                </a:extLst>
+              </a:tr>
+              <a:tr h="160561">
+                <a:tc>
+                  <a:txBody>
+                    <a:bodyPr/>
+                    <a:lstStyle/>
+                    <a:p>
+                      <a:pPr algn="ctr"/>
+                      <a:r>
+                        <a:rPr lang="en-US" sz="800" dirty="0">
+                          <a:solidFill>
+                            <a:schemeClr val="tx1"/>
+                          </a:solidFill>
+                          <a:latin typeface="Times New Roman" panose="02020603050405020304" pitchFamily="18" charset="0"/>
+                          <a:ea typeface="Consolas" charset="0"/>
+                          <a:cs typeface="Times New Roman" panose="02020603050405020304" pitchFamily="18" charset="0"/>
+                        </a:rPr>
+                        <a:t>...</a:t>
+                      </a:r>
+                    </a:p>
+                  </a:txBody>
+                  <a:tcPr marL="51435" marR="51435" marT="25718" marB="25718" anchor="ctr">
+                    <a:lnL w="12700" cmpd="sng">
+                      <a:noFill/>
+                    </a:lnL>
+                    <a:lnR w="12700" cmpd="sng">
+                      <a:noFill/>
+                    </a:lnR>
+                    <a:lnT w="12700" cmpd="sng">
+                      <a:noFill/>
+                    </a:lnT>
+                    <a:lnB w="12700" cmpd="sng">
+                      <a:noFill/>
+                    </a:lnB>
+                    <a:lnTlToBr w="12700" cmpd="sng">
+                      <a:noFill/>
+                      <a:prstDash val="solid"/>
+                    </a:lnTlToBr>
+                    <a:lnBlToTr w="12700" cmpd="sng">
+                      <a:noFill/>
+                      <a:prstDash val="solid"/>
+                    </a:lnBlToTr>
+                    <a:noFill/>
+                  </a:tcPr>
+                </a:tc>
+                <a:tc>
+                  <a:txBody>
+                    <a:bodyPr/>
+                    <a:lstStyle/>
+                    <a:p>
+                      <a:pPr marL="0" marR="0" lvl="0" indent="0" algn="ctr" defTabSz="914400" rtl="0" eaLnBrk="1" fontAlgn="auto" latinLnBrk="0" hangingPunct="1">
+                        <a:lnSpc>
+                          <a:spcPct val="100000"/>
+                        </a:lnSpc>
+                        <a:spcBef>
+                          <a:spcPts val="0"/>
+                        </a:spcBef>
+                        <a:spcAft>
+                          <a:spcPts val="0"/>
+                        </a:spcAft>
+                        <a:buClrTx/>
+                        <a:buSzTx/>
+                        <a:buFontTx/>
+                        <a:buNone/>
+                        <a:tabLst/>
+                        <a:defRPr/>
+                      </a:pPr>
+                      <a:r>
+                        <a:rPr lang="en-US" sz="800" dirty="0">
+                          <a:latin typeface="Times New Roman" panose="02020603050405020304" pitchFamily="18" charset="0"/>
+                          <a:ea typeface="Consolas" charset="0"/>
+                          <a:cs typeface="Times New Roman" panose="02020603050405020304" pitchFamily="18" charset="0"/>
+                        </a:rPr>
+                        <a:t>...</a:t>
+                      </a:r>
+                      <a:endParaRPr lang="en-US" sz="800" dirty="0">
+                        <a:solidFill>
+                          <a:schemeClr val="tx1"/>
+                        </a:solidFill>
+                        <a:latin typeface="Times New Roman" panose="02020603050405020304" pitchFamily="18" charset="0"/>
+                        <a:ea typeface="Consolas" charset="0"/>
+                        <a:cs typeface="Times New Roman" panose="02020603050405020304" pitchFamily="18" charset="0"/>
+                      </a:endParaRPr>
+                    </a:p>
+                  </a:txBody>
+                  <a:tcPr marL="51435" marR="51435" marT="25718" marB="25718" anchor="ctr">
+                    <a:lnL w="12700" cmpd="sng">
+                      <a:noFill/>
+                    </a:lnL>
+                    <a:lnR w="12700" cmpd="sng">
+                      <a:noFill/>
+                    </a:lnR>
+                    <a:lnT w="12700" cmpd="sng">
+                      <a:noFill/>
+                    </a:lnT>
+                    <a:lnB w="12700" cmpd="sng">
+                      <a:noFill/>
+                    </a:lnB>
+                    <a:lnTlToBr w="12700" cmpd="sng">
+                      <a:noFill/>
+                      <a:prstDash val="solid"/>
+                    </a:lnTlToBr>
+                    <a:lnBlToTr w="12700" cmpd="sng">
+                      <a:noFill/>
+                      <a:prstDash val="solid"/>
+                    </a:lnBlToTr>
+                    <a:noFill/>
+                  </a:tcPr>
+                </a:tc>
+                <a:extLst>
+                  <a:ext uri="{0D108BD9-81ED-4DB2-BD59-A6C34878D82A}">
+                    <a16:rowId xmlns:a16="http://schemas.microsoft.com/office/drawing/2014/main" val="10005"/>
+                  </a:ext>
+                </a:extLst>
+              </a:tr>
+              <a:tr h="160561">
+                <a:tc>
+                  <a:txBody>
+                    <a:bodyPr/>
+                    <a:lstStyle/>
+                    <a:p>
+                      <a:pPr algn="ctr"/>
+                      <a:r>
+                        <a:rPr lang="en-US" sz="800" dirty="0">
+                          <a:solidFill>
+                            <a:schemeClr val="tx1"/>
+                          </a:solidFill>
+                          <a:latin typeface="Times New Roman" panose="02020603050405020304" pitchFamily="18" charset="0"/>
+                          <a:ea typeface="Consolas" charset="0"/>
+                          <a:cs typeface="Times New Roman" panose="02020603050405020304" pitchFamily="18" charset="0"/>
+                        </a:rPr>
+                        <a:t>n</a:t>
+                      </a:r>
+                    </a:p>
+                  </a:txBody>
+                  <a:tcPr marL="51435" marR="51435" marT="25718" marB="25718" anchor="ctr">
+                    <a:lnL w="12700" cmpd="sng">
+                      <a:noFill/>
+                    </a:lnL>
+                    <a:lnR w="12700" cmpd="sng">
+                      <a:noFill/>
+                    </a:lnR>
+                    <a:lnT w="12700" cmpd="sng">
+                      <a:noFill/>
+                    </a:lnT>
+                    <a:lnB w="12700" cmpd="sng">
+                      <a:noFill/>
+                    </a:lnB>
+                    <a:lnTlToBr w="12700" cmpd="sng">
+                      <a:noFill/>
+                      <a:prstDash val="solid"/>
+                    </a:lnTlToBr>
+                    <a:lnBlToTr w="12700" cmpd="sng">
+                      <a:noFill/>
+                      <a:prstDash val="solid"/>
+                    </a:lnBlToTr>
+                    <a:noFill/>
+                  </a:tcPr>
+                </a:tc>
+                <a:tc>
+                  <a:txBody>
+                    <a:bodyPr/>
+                    <a:lstStyle/>
+                    <a:p>
+                      <a:pPr algn="ctr"/>
+                      <a:r>
+                        <a:rPr lang="de-DE" sz="800" b="0" dirty="0" err="1">
+                          <a:solidFill>
+                            <a:schemeClr val="tx1"/>
+                          </a:solidFill>
+                          <a:latin typeface="Times New Roman" panose="02020603050405020304" pitchFamily="18" charset="0"/>
+                          <a:ea typeface="Consolas" charset="0"/>
+                          <a:cs typeface="Times New Roman" panose="02020603050405020304" pitchFamily="18" charset="0"/>
+                        </a:rPr>
+                        <a:t>Terminating</a:t>
+                      </a:r>
+                      <a:r>
+                        <a:rPr lang="de-DE" sz="800" b="0" dirty="0">
+                          <a:solidFill>
+                            <a:schemeClr val="tx1"/>
+                          </a:solidFill>
+                          <a:latin typeface="Times New Roman" panose="02020603050405020304" pitchFamily="18" charset="0"/>
+                          <a:ea typeface="Consolas" charset="0"/>
+                          <a:cs typeface="Times New Roman" panose="02020603050405020304" pitchFamily="18" charset="0"/>
+                        </a:rPr>
+                        <a:t> </a:t>
+                      </a:r>
+                      <a:r>
+                        <a:rPr lang="de-DE" sz="800" b="0" dirty="0" err="1">
+                          <a:solidFill>
+                            <a:schemeClr val="tx1"/>
+                          </a:solidFill>
+                          <a:latin typeface="Times New Roman" panose="02020603050405020304" pitchFamily="18" charset="0"/>
+                          <a:ea typeface="Consolas" charset="0"/>
+                          <a:cs typeface="Times New Roman" panose="02020603050405020304" pitchFamily="18" charset="0"/>
+                        </a:rPr>
+                        <a:t>instance</a:t>
+                      </a:r>
+                      <a:endParaRPr lang="en-US" sz="800" b="1" dirty="0">
+                        <a:solidFill>
+                          <a:schemeClr val="tx1"/>
+                        </a:solidFill>
+                        <a:latin typeface="Times New Roman" panose="02020603050405020304" pitchFamily="18" charset="0"/>
+                        <a:ea typeface="Consolas" charset="0"/>
+                        <a:cs typeface="Times New Roman" panose="02020603050405020304" pitchFamily="18" charset="0"/>
+                      </a:endParaRPr>
+                    </a:p>
+                  </a:txBody>
+                  <a:tcPr marL="51435" marR="51435" marT="25718" marB="25718" anchor="ctr">
+                    <a:lnL w="12700" cmpd="sng">
+                      <a:noFill/>
+                    </a:lnL>
+                    <a:lnR w="12700" cmpd="sng">
+                      <a:noFill/>
+                    </a:lnR>
+                    <a:lnT w="12700" cmpd="sng">
+                      <a:noFill/>
+                    </a:lnT>
+                    <a:lnB w="12700" cmpd="sng">
+                      <a:noFill/>
+                    </a:lnB>
+                    <a:lnTlToBr w="12700" cmpd="sng">
+                      <a:noFill/>
+                      <a:prstDash val="solid"/>
+                    </a:lnTlToBr>
+                    <a:lnBlToTr w="12700" cmpd="sng">
+                      <a:noFill/>
+                      <a:prstDash val="solid"/>
+                    </a:lnBlToTr>
+                    <a:noFill/>
+                  </a:tcPr>
+                </a:tc>
+                <a:extLst>
+                  <a:ext uri="{0D108BD9-81ED-4DB2-BD59-A6C34878D82A}">
+                    <a16:rowId xmlns:a16="http://schemas.microsoft.com/office/drawing/2014/main" val="10009"/>
+                  </a:ext>
+                </a:extLst>
+              </a:tr>
+            </a:tbl>
+          </a:graphicData>
+        </a:graphic>
+      </p:graphicFrame>
+      <p:sp>
+        <p:nvSpPr>
+          <p:cNvPr id="69" name="TextBox 68">
+            <a:extLst>
+              <a:ext uri="{FF2B5EF4-FFF2-40B4-BE49-F238E27FC236}">
+                <a16:creationId xmlns:a16="http://schemas.microsoft.com/office/drawing/2014/main" id="{F989406F-4C4C-439E-8AE3-EAE8E57A10DE}"/>
+              </a:ext>
+            </a:extLst>
+          </p:cNvPr>
+          <p:cNvSpPr txBox="1"/>
+          <p:nvPr/>
+        </p:nvSpPr>
+        <p:spPr>
+          <a:xfrm>
+            <a:off x="97906" y="1482270"/>
+            <a:ext cx="1374964" cy="230832"/>
+          </a:xfrm>
+          <a:prstGeom prst="rect">
+            <a:avLst/>
+          </a:prstGeom>
+          <a:noFill/>
+        </p:spPr>
+        <p:txBody>
+          <a:bodyPr wrap="square" rtlCol="0">
+            <a:spAutoFit/>
           </a:bodyPr>
           <a:lstStyle/>
           <a:p>
             <a:pPr algn="ctr"/>
             <a:r>
-              <a:rPr lang="de-DE" sz="1600">
-                <a:solidFill>
-                  <a:schemeClr val="tx1"/>
-                </a:solidFill>
+              <a:rPr lang="en-US" sz="900" dirty="0">
+                <a:latin typeface="Times New Roman" panose="02020603050405020304" pitchFamily="18" charset="0"/>
+                <a:ea typeface="Consolas" charset="0"/>
                 <a:cs typeface="Times New Roman" panose="02020603050405020304" pitchFamily="18" charset="0"/>
               </a:rPr>
-              <a:t>Terminating</a:t>
+              <a:t>Log templates (test)</a:t>
             </a:r>
           </a:p>
         </p:txBody>
       </p:sp>
       <p:sp>
         <p:nvSpPr>
-          <p:cNvPr id="6" name="Rounded Rectangle 5">
+          <p:cNvPr id="70" name="Rounded Rectangle 114">
             <a:extLst>
               <a:ext uri="{FF2B5EF4-FFF2-40B4-BE49-F238E27FC236}">
-                <a16:creationId xmlns:a16="http://schemas.microsoft.com/office/drawing/2014/main" id="{3C329D52-E14B-9E47-A53F-B2D1F91FAA13}"/>
+                <a16:creationId xmlns:a16="http://schemas.microsoft.com/office/drawing/2014/main" id="{8C94060F-99FA-4BC8-99BF-E9C81AB94290}"/>
               </a:ext>
             </a:extLst>
           </p:cNvPr>
@@ -3091,8 +4803,8 @@
         </p:nvSpPr>
         <p:spPr>
           <a:xfrm>
-            <a:off x="513238" y="1872753"/>
-            <a:ext cx="2913321" cy="520995"/>
+            <a:off x="86515" y="1482270"/>
+            <a:ext cx="1397746" cy="912440"/>
           </a:xfrm>
           <a:prstGeom prst="roundRect">
             <a:avLst/>
@@ -3121,33 +4833,109 @@
           </a:fontRef>
         </p:style>
         <p:txBody>
-          <a:bodyPr rot="0" spcFirstLastPara="0" vertOverflow="overflow" horzOverflow="overflow" vert="horz" wrap="square" lIns="91440" tIns="45720" rIns="91440" bIns="45720" numCol="1" spcCol="0" rtlCol="0" fromWordArt="0" anchor="ctr" anchorCtr="0" forceAA="0" compatLnSpc="1">
-            <a:prstTxWarp prst="textNoShape">
-              <a:avLst/>
-            </a:prstTxWarp>
-            <a:noAutofit/>
-          </a:bodyPr>
+          <a:bodyPr rtlCol="0" anchor="ctr"/>
           <a:lstStyle/>
           <a:p>
             <a:pPr algn="ctr"/>
-            <a:r>
-              <a:rPr lang="de-DE" sz="1600">
-                <a:solidFill>
-                  <a:schemeClr val="tx1"/>
-                </a:solidFill>
-                <a:cs typeface="Times New Roman" panose="02020603050405020304" pitchFamily="18" charset="0"/>
-              </a:rPr>
-              <a:t>VM new Event</a:t>
-            </a:r>
-          </a:p>
-        </p:txBody>
-      </p:sp>
-      <p:sp>
-        <p:nvSpPr>
-          <p:cNvPr id="7" name="Rounded Rectangle 6">
+            <a:endParaRPr lang="en-US" sz="1050">
+              <a:latin typeface="Times New Roman" panose="02020603050405020304" pitchFamily="18" charset="0"/>
+              <a:cs typeface="Times New Roman" panose="02020603050405020304" pitchFamily="18" charset="0"/>
+            </a:endParaRPr>
+          </a:p>
+        </p:txBody>
+      </p:sp>
+      <p:cxnSp>
+        <p:nvCxnSpPr>
+          <p:cNvPr id="71" name="Straight Connector 70">
             <a:extLst>
               <a:ext uri="{FF2B5EF4-FFF2-40B4-BE49-F238E27FC236}">
-                <a16:creationId xmlns:a16="http://schemas.microsoft.com/office/drawing/2014/main" id="{20D4E15D-9A7F-4C4C-9853-DB70D7AE9C3A}"/>
+                <a16:creationId xmlns:a16="http://schemas.microsoft.com/office/drawing/2014/main" id="{71106F08-C287-4849-BBCA-1F5B959FED17}"/>
+              </a:ext>
+            </a:extLst>
+          </p:cNvPr>
+          <p:cNvCxnSpPr>
+            <a:cxnSpLocks/>
+          </p:cNvCxnSpPr>
+          <p:nvPr/>
+        </p:nvCxnSpPr>
+        <p:spPr>
+          <a:xfrm flipH="1">
+            <a:off x="89652" y="1672206"/>
+            <a:ext cx="1397746" cy="0"/>
+          </a:xfrm>
+          <a:prstGeom prst="line">
+            <a:avLst/>
+          </a:prstGeom>
+          <a:ln w="12700">
+            <a:solidFill>
+              <a:schemeClr val="tx1"/>
+            </a:solidFill>
+          </a:ln>
+        </p:spPr>
+        <p:style>
+          <a:lnRef idx="1">
+            <a:schemeClr val="accent1"/>
+          </a:lnRef>
+          <a:fillRef idx="0">
+            <a:schemeClr val="accent1"/>
+          </a:fillRef>
+          <a:effectRef idx="0">
+            <a:schemeClr val="accent1"/>
+          </a:effectRef>
+          <a:fontRef idx="minor">
+            <a:schemeClr val="tx1"/>
+          </a:fontRef>
+        </p:style>
+      </p:cxnSp>
+      <p:cxnSp>
+        <p:nvCxnSpPr>
+          <p:cNvPr id="72" name="Straight Connector 71">
+            <a:extLst>
+              <a:ext uri="{FF2B5EF4-FFF2-40B4-BE49-F238E27FC236}">
+                <a16:creationId xmlns:a16="http://schemas.microsoft.com/office/drawing/2014/main" id="{161BF4FA-77BC-477B-AE1A-76EFFC1B86AE}"/>
+              </a:ext>
+            </a:extLst>
+          </p:cNvPr>
+          <p:cNvCxnSpPr>
+            <a:cxnSpLocks/>
+          </p:cNvCxnSpPr>
+          <p:nvPr/>
+        </p:nvCxnSpPr>
+        <p:spPr>
+          <a:xfrm flipV="1">
+            <a:off x="333556" y="1672207"/>
+            <a:ext cx="0" cy="722503"/>
+          </a:xfrm>
+          <a:prstGeom prst="line">
+            <a:avLst/>
+          </a:prstGeom>
+          <a:ln w="12700">
+            <a:solidFill>
+              <a:schemeClr val="tx1"/>
+            </a:solidFill>
+          </a:ln>
+        </p:spPr>
+        <p:style>
+          <a:lnRef idx="1">
+            <a:schemeClr val="accent1"/>
+          </a:lnRef>
+          <a:fillRef idx="0">
+            <a:schemeClr val="accent1"/>
+          </a:fillRef>
+          <a:effectRef idx="0">
+            <a:schemeClr val="accent1"/>
+          </a:effectRef>
+          <a:fontRef idx="minor">
+            <a:schemeClr val="tx1"/>
+          </a:fontRef>
+        </p:style>
+      </p:cxnSp>
+      <p:sp>
+        <p:nvSpPr>
+          <p:cNvPr id="60" name="Rounded Rectangle 35">
+            <a:extLst>
+              <a:ext uri="{FF2B5EF4-FFF2-40B4-BE49-F238E27FC236}">
+                <a16:creationId xmlns:a16="http://schemas.microsoft.com/office/drawing/2014/main" id="{16B4F886-2268-4729-BB65-CE230D5E5FF2}"/>
               </a:ext>
             </a:extLst>
           </p:cNvPr>
@@ -3155,9 +4943,674 @@
           <p:nvPr/>
         </p:nvSpPr>
         <p:spPr>
+          <a:xfrm rot="16200000">
+            <a:off x="1491008" y="1319620"/>
+            <a:ext cx="775473" cy="392998"/>
+          </a:xfrm>
+          <a:prstGeom prst="roundRect">
+            <a:avLst/>
+          </a:prstGeom>
+          <a:solidFill>
+            <a:schemeClr val="bg1">
+              <a:lumMod val="65000"/>
+            </a:schemeClr>
+          </a:solidFill>
+          <a:ln>
+            <a:noFill/>
+          </a:ln>
+        </p:spPr>
+        <p:style>
+          <a:lnRef idx="2">
+            <a:schemeClr val="accent6"/>
+          </a:lnRef>
+          <a:fillRef idx="1">
+            <a:schemeClr val="lt1"/>
+          </a:fillRef>
+          <a:effectRef idx="0">
+            <a:schemeClr val="accent6"/>
+          </a:effectRef>
+          <a:fontRef idx="minor">
+            <a:schemeClr val="dk1"/>
+          </a:fontRef>
+        </p:style>
+        <p:txBody>
+          <a:bodyPr rtlCol="0" anchor="ctr"/>
+          <a:lstStyle/>
+          <a:p>
+            <a:pPr algn="ctr"/>
+            <a:r>
+              <a:rPr lang="en-US" sz="1050" dirty="0">
+                <a:latin typeface="Times New Roman" panose="02020603050405020304" pitchFamily="18" charset="0"/>
+                <a:ea typeface="Consolas" charset="0"/>
+                <a:cs typeface="Times New Roman" panose="02020603050405020304" pitchFamily="18" charset="0"/>
+              </a:rPr>
+              <a:t>Language Model</a:t>
+            </a:r>
+          </a:p>
+        </p:txBody>
+      </p:sp>
+      <p:cxnSp>
+        <p:nvCxnSpPr>
+          <p:cNvPr id="62" name="Straight Arrow Connector 61">
+            <a:extLst>
+              <a:ext uri="{FF2B5EF4-FFF2-40B4-BE49-F238E27FC236}">
+                <a16:creationId xmlns:a16="http://schemas.microsoft.com/office/drawing/2014/main" id="{F6FC1C31-69C0-4BA4-826C-DD2AC2E2CF93}"/>
+              </a:ext>
+            </a:extLst>
+          </p:cNvPr>
+          <p:cNvCxnSpPr>
+            <a:cxnSpLocks/>
+            <a:stCxn id="115" idx="3"/>
+            <a:endCxn id="60" idx="0"/>
+          </p:cNvCxnSpPr>
+          <p:nvPr/>
+        </p:nvCxnSpPr>
+        <p:spPr>
           <a:xfrm>
-            <a:off x="513236" y="1007972"/>
-            <a:ext cx="2913321" cy="520995"/>
+            <a:off x="1480016" y="902730"/>
+            <a:ext cx="202230" cy="613389"/>
+          </a:xfrm>
+          <a:prstGeom prst="bentConnector3">
+            <a:avLst>
+              <a:gd name="adj1" fmla="val 50000"/>
+            </a:avLst>
+          </a:prstGeom>
+          <a:ln>
+            <a:solidFill>
+              <a:schemeClr val="tx1"/>
+            </a:solidFill>
+            <a:tailEnd type="triangle"/>
+          </a:ln>
+        </p:spPr>
+        <p:style>
+          <a:lnRef idx="1">
+            <a:schemeClr val="accent1"/>
+          </a:lnRef>
+          <a:fillRef idx="0">
+            <a:schemeClr val="accent1"/>
+          </a:fillRef>
+          <a:effectRef idx="0">
+            <a:schemeClr val="accent1"/>
+          </a:effectRef>
+          <a:fontRef idx="minor">
+            <a:schemeClr val="tx1"/>
+          </a:fontRef>
+        </p:style>
+      </p:cxnSp>
+      <p:cxnSp>
+        <p:nvCxnSpPr>
+          <p:cNvPr id="78" name="Straight Arrow Connector 77">
+            <a:extLst>
+              <a:ext uri="{FF2B5EF4-FFF2-40B4-BE49-F238E27FC236}">
+                <a16:creationId xmlns:a16="http://schemas.microsoft.com/office/drawing/2014/main" id="{D9A63D71-DCA5-4D67-9D8F-281FA09D6528}"/>
+              </a:ext>
+            </a:extLst>
+          </p:cNvPr>
+          <p:cNvCxnSpPr>
+            <a:cxnSpLocks/>
+            <a:stCxn id="60" idx="2"/>
+            <a:endCxn id="79" idx="1"/>
+          </p:cNvCxnSpPr>
+          <p:nvPr/>
+        </p:nvCxnSpPr>
+        <p:spPr>
+          <a:xfrm flipV="1">
+            <a:off x="2075244" y="887233"/>
+            <a:ext cx="234359" cy="628886"/>
+          </a:xfrm>
+          <a:prstGeom prst="bentConnector3">
+            <a:avLst>
+              <a:gd name="adj1" fmla="val 50000"/>
+            </a:avLst>
+          </a:prstGeom>
+          <a:ln>
+            <a:solidFill>
+              <a:schemeClr val="tx1"/>
+            </a:solidFill>
+            <a:tailEnd type="triangle"/>
+          </a:ln>
+        </p:spPr>
+        <p:style>
+          <a:lnRef idx="1">
+            <a:schemeClr val="accent1"/>
+          </a:lnRef>
+          <a:fillRef idx="0">
+            <a:schemeClr val="accent1"/>
+          </a:fillRef>
+          <a:effectRef idx="0">
+            <a:schemeClr val="accent1"/>
+          </a:effectRef>
+          <a:fontRef idx="minor">
+            <a:schemeClr val="tx1"/>
+          </a:fontRef>
+        </p:style>
+      </p:cxnSp>
+      <p:cxnSp>
+        <p:nvCxnSpPr>
+          <p:cNvPr id="89" name="Straight Arrow Connector 61">
+            <a:extLst>
+              <a:ext uri="{FF2B5EF4-FFF2-40B4-BE49-F238E27FC236}">
+                <a16:creationId xmlns:a16="http://schemas.microsoft.com/office/drawing/2014/main" id="{E0813D45-6675-4A64-BCBF-40A7C6997F20}"/>
+              </a:ext>
+            </a:extLst>
+          </p:cNvPr>
+          <p:cNvCxnSpPr>
+            <a:cxnSpLocks/>
+            <a:stCxn id="70" idx="3"/>
+            <a:endCxn id="60" idx="0"/>
+          </p:cNvCxnSpPr>
+          <p:nvPr/>
+        </p:nvCxnSpPr>
+        <p:spPr>
+          <a:xfrm flipV="1">
+            <a:off x="1484261" y="1516119"/>
+            <a:ext cx="197985" cy="422371"/>
+          </a:xfrm>
+          <a:prstGeom prst="bentConnector3">
+            <a:avLst>
+              <a:gd name="adj1" fmla="val 50000"/>
+            </a:avLst>
+          </a:prstGeom>
+          <a:ln>
+            <a:solidFill>
+              <a:schemeClr val="tx1"/>
+            </a:solidFill>
+            <a:tailEnd type="triangle"/>
+          </a:ln>
+        </p:spPr>
+        <p:style>
+          <a:lnRef idx="1">
+            <a:schemeClr val="accent1"/>
+          </a:lnRef>
+          <a:fillRef idx="0">
+            <a:schemeClr val="accent1"/>
+          </a:fillRef>
+          <a:effectRef idx="0">
+            <a:schemeClr val="accent1"/>
+          </a:effectRef>
+          <a:fontRef idx="minor">
+            <a:schemeClr val="tx1"/>
+          </a:fontRef>
+        </p:style>
+      </p:cxnSp>
+      <p:graphicFrame>
+        <p:nvGraphicFramePr>
+          <p:cNvPr id="97" name="Table 96">
+            <a:extLst>
+              <a:ext uri="{FF2B5EF4-FFF2-40B4-BE49-F238E27FC236}">
+                <a16:creationId xmlns:a16="http://schemas.microsoft.com/office/drawing/2014/main" id="{A2E9A771-7876-424D-9139-08ED7965FC41}"/>
+              </a:ext>
+            </a:extLst>
+          </p:cNvPr>
+          <p:cNvGraphicFramePr>
+            <a:graphicFrameLocks noGrp="1"/>
+          </p:cNvGraphicFramePr>
+          <p:nvPr>
+            <p:extLst>
+              <p:ext uri="{D42A27DB-BD31-4B8C-83A1-F6EECF244321}">
+                <p14:modId xmlns:p14="http://schemas.microsoft.com/office/powerpoint/2010/main" val="3421152813"/>
+              </p:ext>
+            </p:extLst>
+          </p:nvPr>
+        </p:nvGraphicFramePr>
+        <p:xfrm>
+          <a:off x="2313291" y="1664913"/>
+          <a:ext cx="1572392" cy="722501"/>
+        </p:xfrm>
+        <a:graphic>
+          <a:graphicData uri="http://schemas.openxmlformats.org/drawingml/2006/table">
+            <a:tbl>
+              <a:tblPr firstRow="1" bandRow="1">
+                <a:tableStyleId>{5C22544A-7EE6-4342-B048-85BDC9FD1C3A}</a:tableStyleId>
+              </a:tblPr>
+              <a:tblGrid>
+                <a:gridCol w="220145">
+                  <a:extLst>
+                    <a:ext uri="{9D8B030D-6E8A-4147-A177-3AD203B41FA5}">
+                      <a16:colId xmlns:a16="http://schemas.microsoft.com/office/drawing/2014/main" val="20000"/>
+                    </a:ext>
+                  </a:extLst>
+                </a:gridCol>
+                <a:gridCol w="1352247">
+                  <a:extLst>
+                    <a:ext uri="{9D8B030D-6E8A-4147-A177-3AD203B41FA5}">
+                      <a16:colId xmlns:a16="http://schemas.microsoft.com/office/drawing/2014/main" val="20001"/>
+                    </a:ext>
+                  </a:extLst>
+                </a:gridCol>
+              </a:tblGrid>
+              <a:tr h="181695">
+                <a:tc>
+                  <a:txBody>
+                    <a:bodyPr/>
+                    <a:lstStyle/>
+                    <a:p>
+                      <a:pPr algn="ctr"/>
+                      <a:r>
+                        <a:rPr lang="en-US" sz="800" b="0">
+                          <a:solidFill>
+                            <a:schemeClr val="tx1"/>
+                          </a:solidFill>
+                          <a:latin typeface="Times New Roman" panose="02020603050405020304" pitchFamily="18" charset="0"/>
+                          <a:ea typeface="Consolas" charset="0"/>
+                          <a:cs typeface="Times New Roman" panose="02020603050405020304" pitchFamily="18" charset="0"/>
+                        </a:rPr>
+                        <a:t>1</a:t>
+                      </a:r>
+                    </a:p>
+                  </a:txBody>
+                  <a:tcPr marL="51435" marR="51435" marT="25718" marB="25718" anchor="ctr">
+                    <a:lnL w="12700" cmpd="sng">
+                      <a:noFill/>
+                    </a:lnL>
+                    <a:lnR w="12700" cmpd="sng">
+                      <a:noFill/>
+                    </a:lnR>
+                    <a:lnT w="12700" cmpd="sng">
+                      <a:noFill/>
+                    </a:lnT>
+                    <a:lnB w="38100" cmpd="sng">
+                      <a:noFill/>
+                    </a:lnB>
+                    <a:lnTlToBr w="12700" cmpd="sng">
+                      <a:noFill/>
+                      <a:prstDash val="solid"/>
+                    </a:lnTlToBr>
+                    <a:lnBlToTr w="12700" cmpd="sng">
+                      <a:noFill/>
+                      <a:prstDash val="solid"/>
+                    </a:lnBlToTr>
+                    <a:noFill/>
+                  </a:tcPr>
+                </a:tc>
+                <a:tc>
+                  <a:txBody>
+                    <a:bodyPr/>
+                    <a:lstStyle/>
+                    <a:p>
+                      <a:pPr algn="ctr"/>
+                      <a:r>
+                        <a:rPr lang="en-US" sz="800" b="0" dirty="0">
+                          <a:solidFill>
+                            <a:schemeClr val="tx1"/>
+                          </a:solidFill>
+                          <a:latin typeface="Times New Roman" panose="02020603050405020304" pitchFamily="18" charset="0"/>
+                          <a:ea typeface="Consolas" charset="0"/>
+                          <a:cs typeface="Times New Roman" panose="02020603050405020304" pitchFamily="18" charset="0"/>
+                        </a:rPr>
+                        <a:t>[0.56, 0.88, ..., -0.167]</a:t>
+                      </a:r>
+                    </a:p>
+                  </a:txBody>
+                  <a:tcPr marL="51435" marR="51435" marT="25718" marB="25718" anchor="ctr">
+                    <a:lnL w="12700" cmpd="sng">
+                      <a:noFill/>
+                    </a:lnL>
+                    <a:lnR w="12700" cmpd="sng">
+                      <a:noFill/>
+                    </a:lnR>
+                    <a:lnT w="12700" cmpd="sng">
+                      <a:noFill/>
+                    </a:lnT>
+                    <a:lnB w="38100" cmpd="sng">
+                      <a:noFill/>
+                    </a:lnB>
+                    <a:lnTlToBr w="12700" cmpd="sng">
+                      <a:noFill/>
+                      <a:prstDash val="solid"/>
+                    </a:lnTlToBr>
+                    <a:lnBlToTr w="12700" cmpd="sng">
+                      <a:noFill/>
+                      <a:prstDash val="solid"/>
+                    </a:lnBlToTr>
+                    <a:noFill/>
+                  </a:tcPr>
+                </a:tc>
+                <a:extLst>
+                  <a:ext uri="{0D108BD9-81ED-4DB2-BD59-A6C34878D82A}">
+                    <a16:rowId xmlns:a16="http://schemas.microsoft.com/office/drawing/2014/main" val="10000"/>
+                  </a:ext>
+                </a:extLst>
+              </a:tr>
+              <a:tr h="181695">
+                <a:tc>
+                  <a:txBody>
+                    <a:bodyPr/>
+                    <a:lstStyle/>
+                    <a:p>
+                      <a:pPr algn="ctr"/>
+                      <a:r>
+                        <a:rPr lang="en-US" sz="800" b="0">
+                          <a:solidFill>
+                            <a:schemeClr val="tx1"/>
+                          </a:solidFill>
+                          <a:latin typeface="Times New Roman" panose="02020603050405020304" pitchFamily="18" charset="0"/>
+                          <a:ea typeface="Consolas" charset="0"/>
+                          <a:cs typeface="Times New Roman" panose="02020603050405020304" pitchFamily="18" charset="0"/>
+                        </a:rPr>
+                        <a:t>2</a:t>
+                      </a:r>
+                    </a:p>
+                  </a:txBody>
+                  <a:tcPr marL="51435" marR="51435" marT="25718" marB="25718" anchor="ctr">
+                    <a:lnL w="12700" cmpd="sng">
+                      <a:noFill/>
+                    </a:lnL>
+                    <a:lnR w="12700" cmpd="sng">
+                      <a:noFill/>
+                    </a:lnR>
+                    <a:lnT w="38100" cmpd="sng">
+                      <a:noFill/>
+                    </a:lnT>
+                    <a:lnB w="12700" cmpd="sng">
+                      <a:noFill/>
+                    </a:lnB>
+                    <a:lnTlToBr w="12700" cmpd="sng">
+                      <a:noFill/>
+                      <a:prstDash val="solid"/>
+                    </a:lnTlToBr>
+                    <a:lnBlToTr w="12700" cmpd="sng">
+                      <a:noFill/>
+                      <a:prstDash val="solid"/>
+                    </a:lnBlToTr>
+                    <a:noFill/>
+                  </a:tcPr>
+                </a:tc>
+                <a:tc>
+                  <a:txBody>
+                    <a:bodyPr/>
+                    <a:lstStyle/>
+                    <a:p>
+                      <a:pPr algn="ctr"/>
+                      <a:r>
+                        <a:rPr lang="en-US" sz="800" b="0" dirty="0">
+                          <a:solidFill>
+                            <a:schemeClr val="tx1"/>
+                          </a:solidFill>
+                          <a:latin typeface="Times New Roman" panose="02020603050405020304" pitchFamily="18" charset="0"/>
+                          <a:ea typeface="Consolas" charset="0"/>
+                          <a:cs typeface="Times New Roman" panose="02020603050405020304" pitchFamily="18" charset="0"/>
+                        </a:rPr>
+                        <a:t>[0.53, 0.08, ..., -0.201]</a:t>
+                      </a:r>
+                    </a:p>
+                  </a:txBody>
+                  <a:tcPr marL="51435" marR="51435" marT="25718" marB="25718" anchor="ctr">
+                    <a:lnL w="12700" cmpd="sng">
+                      <a:noFill/>
+                    </a:lnL>
+                    <a:lnR w="12700" cmpd="sng">
+                      <a:noFill/>
+                    </a:lnR>
+                    <a:lnT w="38100" cmpd="sng">
+                      <a:noFill/>
+                    </a:lnT>
+                    <a:lnB w="12700" cmpd="sng">
+                      <a:noFill/>
+                    </a:lnB>
+                    <a:lnTlToBr w="12700" cmpd="sng">
+                      <a:noFill/>
+                      <a:prstDash val="solid"/>
+                    </a:lnTlToBr>
+                    <a:lnBlToTr w="12700" cmpd="sng">
+                      <a:noFill/>
+                      <a:prstDash val="solid"/>
+                    </a:lnBlToTr>
+                    <a:noFill/>
+                  </a:tcPr>
+                </a:tc>
+                <a:extLst>
+                  <a:ext uri="{0D108BD9-81ED-4DB2-BD59-A6C34878D82A}">
+                    <a16:rowId xmlns:a16="http://schemas.microsoft.com/office/drawing/2014/main" val="10001"/>
+                  </a:ext>
+                </a:extLst>
+              </a:tr>
+              <a:tr h="177416">
+                <a:tc>
+                  <a:txBody>
+                    <a:bodyPr/>
+                    <a:lstStyle/>
+                    <a:p>
+                      <a:pPr algn="ctr"/>
+                      <a:r>
+                        <a:rPr lang="en-US" sz="800" b="0" dirty="0">
+                          <a:solidFill>
+                            <a:schemeClr val="tx1"/>
+                          </a:solidFill>
+                          <a:latin typeface="Times New Roman" panose="02020603050405020304" pitchFamily="18" charset="0"/>
+                          <a:ea typeface="Consolas" charset="0"/>
+                          <a:cs typeface="Times New Roman" panose="02020603050405020304" pitchFamily="18" charset="0"/>
+                        </a:rPr>
+                        <a:t>...</a:t>
+                      </a:r>
+                    </a:p>
+                  </a:txBody>
+                  <a:tcPr marL="51435" marR="51435" marT="25718" marB="25718" anchor="ctr">
+                    <a:lnL w="12700" cmpd="sng">
+                      <a:noFill/>
+                    </a:lnL>
+                    <a:lnR w="12700" cmpd="sng">
+                      <a:noFill/>
+                    </a:lnR>
+                    <a:lnT w="12700" cmpd="sng">
+                      <a:noFill/>
+                    </a:lnT>
+                    <a:lnB w="12700" cmpd="sng">
+                      <a:noFill/>
+                    </a:lnB>
+                    <a:lnTlToBr w="12700" cmpd="sng">
+                      <a:noFill/>
+                      <a:prstDash val="solid"/>
+                    </a:lnTlToBr>
+                    <a:lnBlToTr w="12700" cmpd="sng">
+                      <a:noFill/>
+                      <a:prstDash val="solid"/>
+                    </a:lnBlToTr>
+                    <a:noFill/>
+                  </a:tcPr>
+                </a:tc>
+                <a:tc>
+                  <a:txBody>
+                    <a:bodyPr/>
+                    <a:lstStyle/>
+                    <a:p>
+                      <a:pPr algn="ctr"/>
+                      <a:r>
+                        <a:rPr lang="en-US" sz="800" b="0" dirty="0">
+                          <a:solidFill>
+                            <a:schemeClr val="tx1"/>
+                          </a:solidFill>
+                          <a:latin typeface="Times New Roman" panose="02020603050405020304" pitchFamily="18" charset="0"/>
+                          <a:ea typeface="Consolas" charset="0"/>
+                          <a:cs typeface="Times New Roman" panose="02020603050405020304" pitchFamily="18" charset="0"/>
+                        </a:rPr>
+                        <a:t>...</a:t>
+                      </a:r>
+                    </a:p>
+                  </a:txBody>
+                  <a:tcPr marL="51435" marR="51435" marT="25718" marB="25718" anchor="ctr">
+                    <a:lnL w="12700" cmpd="sng">
+                      <a:noFill/>
+                    </a:lnL>
+                    <a:lnR w="12700" cmpd="sng">
+                      <a:noFill/>
+                    </a:lnR>
+                    <a:lnT w="12700" cmpd="sng">
+                      <a:noFill/>
+                    </a:lnT>
+                    <a:lnB w="12700" cmpd="sng">
+                      <a:noFill/>
+                    </a:lnB>
+                    <a:lnTlToBr w="12700" cmpd="sng">
+                      <a:noFill/>
+                      <a:prstDash val="solid"/>
+                    </a:lnTlToBr>
+                    <a:lnBlToTr w="12700" cmpd="sng">
+                      <a:noFill/>
+                      <a:prstDash val="solid"/>
+                    </a:lnBlToTr>
+                    <a:noFill/>
+                  </a:tcPr>
+                </a:tc>
+                <a:extLst>
+                  <a:ext uri="{0D108BD9-81ED-4DB2-BD59-A6C34878D82A}">
+                    <a16:rowId xmlns:a16="http://schemas.microsoft.com/office/drawing/2014/main" val="10005"/>
+                  </a:ext>
+                </a:extLst>
+              </a:tr>
+              <a:tr h="181695">
+                <a:tc>
+                  <a:txBody>
+                    <a:bodyPr/>
+                    <a:lstStyle/>
+                    <a:p>
+                      <a:pPr algn="ctr"/>
+                      <a:r>
+                        <a:rPr lang="en-US" sz="800" b="0" dirty="0">
+                          <a:solidFill>
+                            <a:schemeClr val="tx1"/>
+                          </a:solidFill>
+                          <a:latin typeface="Times New Roman" panose="02020603050405020304" pitchFamily="18" charset="0"/>
+                          <a:ea typeface="Consolas" charset="0"/>
+                          <a:cs typeface="Times New Roman" panose="02020603050405020304" pitchFamily="18" charset="0"/>
+                        </a:rPr>
+                        <a:t>n</a:t>
+                      </a:r>
+                    </a:p>
+                  </a:txBody>
+                  <a:tcPr marL="51435" marR="51435" marT="25718" marB="25718" anchor="ctr">
+                    <a:lnL w="12700" cmpd="sng">
+                      <a:noFill/>
+                    </a:lnL>
+                    <a:lnR w="12700" cmpd="sng">
+                      <a:noFill/>
+                    </a:lnR>
+                    <a:lnT w="12700" cmpd="sng">
+                      <a:noFill/>
+                    </a:lnT>
+                    <a:lnB w="12700" cmpd="sng">
+                      <a:noFill/>
+                    </a:lnB>
+                    <a:lnTlToBr w="12700" cmpd="sng">
+                      <a:noFill/>
+                      <a:prstDash val="solid"/>
+                    </a:lnTlToBr>
+                    <a:lnBlToTr w="12700" cmpd="sng">
+                      <a:noFill/>
+                      <a:prstDash val="solid"/>
+                    </a:lnBlToTr>
+                    <a:noFill/>
+                  </a:tcPr>
+                </a:tc>
+                <a:tc>
+                  <a:txBody>
+                    <a:bodyPr/>
+                    <a:lstStyle/>
+                    <a:p>
+                      <a:pPr algn="ctr"/>
+                      <a:r>
+                        <a:rPr lang="en-US" sz="800" b="0" dirty="0">
+                          <a:solidFill>
+                            <a:schemeClr val="tx1"/>
+                          </a:solidFill>
+                          <a:latin typeface="Times New Roman" panose="02020603050405020304" pitchFamily="18" charset="0"/>
+                          <a:ea typeface="Consolas" charset="0"/>
+                          <a:cs typeface="Times New Roman" panose="02020603050405020304" pitchFamily="18" charset="0"/>
+                        </a:rPr>
+                        <a:t>[0.947, -0.841, ..., 0.987]</a:t>
+                      </a:r>
+                    </a:p>
+                  </a:txBody>
+                  <a:tcPr marL="51435" marR="51435" marT="25718" marB="25718" anchor="ctr">
+                    <a:lnL w="12700" cmpd="sng">
+                      <a:noFill/>
+                    </a:lnL>
+                    <a:lnR w="12700" cmpd="sng">
+                      <a:noFill/>
+                    </a:lnR>
+                    <a:lnT w="12700" cmpd="sng">
+                      <a:noFill/>
+                    </a:lnT>
+                    <a:lnB w="12700" cmpd="sng">
+                      <a:noFill/>
+                    </a:lnB>
+                    <a:lnTlToBr w="12700" cmpd="sng">
+                      <a:noFill/>
+                      <a:prstDash val="solid"/>
+                    </a:lnTlToBr>
+                    <a:lnBlToTr w="12700" cmpd="sng">
+                      <a:noFill/>
+                      <a:prstDash val="solid"/>
+                    </a:lnBlToTr>
+                    <a:noFill/>
+                  </a:tcPr>
+                </a:tc>
+                <a:extLst>
+                  <a:ext uri="{0D108BD9-81ED-4DB2-BD59-A6C34878D82A}">
+                    <a16:rowId xmlns:a16="http://schemas.microsoft.com/office/drawing/2014/main" val="10009"/>
+                  </a:ext>
+                </a:extLst>
+              </a:tr>
+            </a:tbl>
+          </a:graphicData>
+        </a:graphic>
+      </p:graphicFrame>
+      <p:sp>
+        <p:nvSpPr>
+          <p:cNvPr id="98" name="TextBox 97">
+            <a:extLst>
+              <a:ext uri="{FF2B5EF4-FFF2-40B4-BE49-F238E27FC236}">
+                <a16:creationId xmlns:a16="http://schemas.microsoft.com/office/drawing/2014/main" id="{61ED1EDC-8288-4B39-BA44-6598BAB72C5F}"/>
+              </a:ext>
+            </a:extLst>
+          </p:cNvPr>
+          <p:cNvSpPr txBox="1"/>
+          <p:nvPr/>
+        </p:nvSpPr>
+        <p:spPr>
+          <a:xfrm>
+            <a:off x="2342901" y="1474973"/>
+            <a:ext cx="1549607" cy="230832"/>
+          </a:xfrm>
+          <a:prstGeom prst="rect">
+            <a:avLst/>
+          </a:prstGeom>
+          <a:noFill/>
+        </p:spPr>
+        <p:txBody>
+          <a:bodyPr wrap="square" rtlCol="0">
+            <a:spAutoFit/>
+          </a:bodyPr>
+          <a:lstStyle/>
+          <a:p>
+            <a:pPr algn="ctr"/>
+            <a:r>
+              <a:rPr lang="en-US" sz="900" dirty="0">
+                <a:latin typeface="Times New Roman" panose="02020603050405020304" pitchFamily="18" charset="0"/>
+                <a:ea typeface="Consolas" charset="0"/>
+                <a:cs typeface="Times New Roman" panose="02020603050405020304" pitchFamily="18" charset="0"/>
+              </a:rPr>
+              <a:t>Log embeddings (train)</a:t>
+            </a:r>
+          </a:p>
+        </p:txBody>
+      </p:sp>
+      <p:sp>
+        <p:nvSpPr>
+          <p:cNvPr id="99" name="Rounded Rectangle 78">
+            <a:extLst>
+              <a:ext uri="{FF2B5EF4-FFF2-40B4-BE49-F238E27FC236}">
+                <a16:creationId xmlns:a16="http://schemas.microsoft.com/office/drawing/2014/main" id="{EC9ABC98-5850-4EE4-A1C3-6F3F02F2D628}"/>
+              </a:ext>
+            </a:extLst>
+          </p:cNvPr>
+          <p:cNvSpPr/>
+          <p:nvPr/>
+        </p:nvSpPr>
+        <p:spPr>
+          <a:xfrm>
+            <a:off x="2316428" y="1474974"/>
+            <a:ext cx="1564944" cy="912441"/>
           </a:xfrm>
           <a:prstGeom prst="roundRect">
             <a:avLst/>
@@ -3186,33 +5639,157 @@
           </a:fontRef>
         </p:style>
         <p:txBody>
-          <a:bodyPr rot="0" spcFirstLastPara="0" vertOverflow="overflow" horzOverflow="overflow" vert="horz" wrap="square" lIns="91440" tIns="45720" rIns="91440" bIns="45720" numCol="1" spcCol="0" rtlCol="0" fromWordArt="0" anchor="ctr" anchorCtr="0" forceAA="0" compatLnSpc="1">
-            <a:prstTxWarp prst="textNoShape">
-              <a:avLst/>
-            </a:prstTxWarp>
-            <a:noAutofit/>
-          </a:bodyPr>
+          <a:bodyPr rtlCol="0" anchor="ctr"/>
           <a:lstStyle/>
           <a:p>
             <a:pPr algn="ctr"/>
-            <a:r>
-              <a:rPr lang="de-DE" sz="1600">
-                <a:solidFill>
-                  <a:schemeClr val="tx1"/>
-                </a:solidFill>
-                <a:cs typeface="Times New Roman" panose="02020603050405020304" pitchFamily="18" charset="0"/>
-              </a:rPr>
-              <a:t>VM Event</a:t>
-            </a:r>
-          </a:p>
-        </p:txBody>
-      </p:sp>
-      <p:sp>
-        <p:nvSpPr>
-          <p:cNvPr id="12" name="Rounded Rectangle 11">
+            <a:endParaRPr lang="en-US" sz="1050">
+              <a:latin typeface="Times New Roman" panose="02020603050405020304" pitchFamily="18" charset="0"/>
+              <a:cs typeface="Times New Roman" panose="02020603050405020304" pitchFamily="18" charset="0"/>
+            </a:endParaRPr>
+          </a:p>
+        </p:txBody>
+      </p:sp>
+      <p:cxnSp>
+        <p:nvCxnSpPr>
+          <p:cNvPr id="100" name="Straight Connector 99">
             <a:extLst>
               <a:ext uri="{FF2B5EF4-FFF2-40B4-BE49-F238E27FC236}">
-                <a16:creationId xmlns:a16="http://schemas.microsoft.com/office/drawing/2014/main" id="{7E71E70F-3543-F041-A033-BFA2DB2D1BF1}"/>
+                <a16:creationId xmlns:a16="http://schemas.microsoft.com/office/drawing/2014/main" id="{B023EE93-4FF8-4303-88FB-4072139D8349}"/>
+              </a:ext>
+            </a:extLst>
+          </p:cNvPr>
+          <p:cNvCxnSpPr>
+            <a:cxnSpLocks/>
+          </p:cNvCxnSpPr>
+          <p:nvPr/>
+        </p:nvCxnSpPr>
+        <p:spPr>
+          <a:xfrm flipH="1">
+            <a:off x="2313291" y="1664912"/>
+            <a:ext cx="1572391" cy="0"/>
+          </a:xfrm>
+          <a:prstGeom prst="line">
+            <a:avLst/>
+          </a:prstGeom>
+          <a:ln w="12700">
+            <a:solidFill>
+              <a:schemeClr val="tx1"/>
+            </a:solidFill>
+          </a:ln>
+        </p:spPr>
+        <p:style>
+          <a:lnRef idx="1">
+            <a:schemeClr val="accent1"/>
+          </a:lnRef>
+          <a:fillRef idx="0">
+            <a:schemeClr val="accent1"/>
+          </a:fillRef>
+          <a:effectRef idx="0">
+            <a:schemeClr val="accent1"/>
+          </a:effectRef>
+          <a:fontRef idx="minor">
+            <a:schemeClr val="tx1"/>
+          </a:fontRef>
+        </p:style>
+      </p:cxnSp>
+      <p:cxnSp>
+        <p:nvCxnSpPr>
+          <p:cNvPr id="101" name="Straight Connector 100">
+            <a:extLst>
+              <a:ext uri="{FF2B5EF4-FFF2-40B4-BE49-F238E27FC236}">
+                <a16:creationId xmlns:a16="http://schemas.microsoft.com/office/drawing/2014/main" id="{FAD39F30-0918-4ED2-BA5A-AE3FFDBB9DAB}"/>
+              </a:ext>
+            </a:extLst>
+          </p:cNvPr>
+          <p:cNvCxnSpPr>
+            <a:cxnSpLocks/>
+          </p:cNvCxnSpPr>
+          <p:nvPr/>
+        </p:nvCxnSpPr>
+        <p:spPr>
+          <a:xfrm flipV="1">
+            <a:off x="2580849" y="1664912"/>
+            <a:ext cx="0" cy="722503"/>
+          </a:xfrm>
+          <a:prstGeom prst="line">
+            <a:avLst/>
+          </a:prstGeom>
+          <a:ln w="12700">
+            <a:solidFill>
+              <a:schemeClr val="tx1"/>
+            </a:solidFill>
+          </a:ln>
+        </p:spPr>
+        <p:style>
+          <a:lnRef idx="1">
+            <a:schemeClr val="accent1"/>
+          </a:lnRef>
+          <a:fillRef idx="0">
+            <a:schemeClr val="accent1"/>
+          </a:fillRef>
+          <a:effectRef idx="0">
+            <a:schemeClr val="accent1"/>
+          </a:effectRef>
+          <a:fontRef idx="minor">
+            <a:schemeClr val="tx1"/>
+          </a:fontRef>
+        </p:style>
+      </p:cxnSp>
+      <p:cxnSp>
+        <p:nvCxnSpPr>
+          <p:cNvPr id="102" name="Straight Arrow Connector 61">
+            <a:extLst>
+              <a:ext uri="{FF2B5EF4-FFF2-40B4-BE49-F238E27FC236}">
+                <a16:creationId xmlns:a16="http://schemas.microsoft.com/office/drawing/2014/main" id="{4CF1C3A3-3AC7-4D92-8218-290474B388A2}"/>
+              </a:ext>
+            </a:extLst>
+          </p:cNvPr>
+          <p:cNvCxnSpPr>
+            <a:cxnSpLocks/>
+            <a:stCxn id="60" idx="2"/>
+            <a:endCxn id="97" idx="1"/>
+          </p:cNvCxnSpPr>
+          <p:nvPr/>
+        </p:nvCxnSpPr>
+        <p:spPr>
+          <a:xfrm>
+            <a:off x="2075244" y="1516119"/>
+            <a:ext cx="238047" cy="510044"/>
+          </a:xfrm>
+          <a:prstGeom prst="bentConnector3">
+            <a:avLst>
+              <a:gd name="adj1" fmla="val 50000"/>
+            </a:avLst>
+          </a:prstGeom>
+          <a:ln>
+            <a:solidFill>
+              <a:schemeClr val="tx1"/>
+            </a:solidFill>
+            <a:tailEnd type="triangle"/>
+          </a:ln>
+        </p:spPr>
+        <p:style>
+          <a:lnRef idx="1">
+            <a:schemeClr val="accent1"/>
+          </a:lnRef>
+          <a:fillRef idx="0">
+            <a:schemeClr val="accent1"/>
+          </a:fillRef>
+          <a:effectRef idx="0">
+            <a:schemeClr val="accent1"/>
+          </a:effectRef>
+          <a:fontRef idx="minor">
+            <a:schemeClr val="tx1"/>
+          </a:fontRef>
+        </p:style>
+      </p:cxnSp>
+      <p:sp>
+        <p:nvSpPr>
+          <p:cNvPr id="109" name="Rounded Rectangle 35">
+            <a:extLst>
+              <a:ext uri="{FF2B5EF4-FFF2-40B4-BE49-F238E27FC236}">
+                <a16:creationId xmlns:a16="http://schemas.microsoft.com/office/drawing/2014/main" id="{E44CE497-6B06-47A4-BA11-1B31C5242527}"/>
               </a:ext>
             </a:extLst>
           </p:cNvPr>
@@ -3221,8 +5798,1294 @@
         </p:nvSpPr>
         <p:spPr>
           <a:xfrm>
-            <a:off x="513237" y="2737532"/>
-            <a:ext cx="2913321" cy="520995"/>
+            <a:off x="3975166" y="1085377"/>
+            <a:ext cx="792594" cy="793786"/>
+          </a:xfrm>
+          <a:prstGeom prst="roundRect">
+            <a:avLst/>
+          </a:prstGeom>
+          <a:solidFill>
+            <a:schemeClr val="bg1">
+              <a:lumMod val="65000"/>
+            </a:schemeClr>
+          </a:solidFill>
+          <a:ln>
+            <a:noFill/>
+          </a:ln>
+        </p:spPr>
+        <p:style>
+          <a:lnRef idx="2">
+            <a:schemeClr val="accent6"/>
+          </a:lnRef>
+          <a:fillRef idx="1">
+            <a:schemeClr val="lt1"/>
+          </a:fillRef>
+          <a:effectRef idx="0">
+            <a:schemeClr val="accent6"/>
+          </a:effectRef>
+          <a:fontRef idx="minor">
+            <a:schemeClr val="dk1"/>
+          </a:fontRef>
+        </p:style>
+        <p:txBody>
+          <a:bodyPr rtlCol="0" anchor="ctr"/>
+          <a:lstStyle/>
+          <a:p>
+            <a:pPr algn="ctr"/>
+            <a:r>
+              <a:rPr lang="en-US" sz="900" dirty="0">
+                <a:latin typeface="Times New Roman" panose="02020603050405020304" pitchFamily="18" charset="0"/>
+                <a:ea typeface="Consolas" charset="0"/>
+                <a:cs typeface="Times New Roman" panose="02020603050405020304" pitchFamily="18" charset="0"/>
+              </a:rPr>
+              <a:t>Nearest neighbor matching by cosine similarity</a:t>
+            </a:r>
+          </a:p>
+        </p:txBody>
+      </p:sp>
+      <p:cxnSp>
+        <p:nvCxnSpPr>
+          <p:cNvPr id="118" name="Straight Arrow Connector 77">
+            <a:extLst>
+              <a:ext uri="{FF2B5EF4-FFF2-40B4-BE49-F238E27FC236}">
+                <a16:creationId xmlns:a16="http://schemas.microsoft.com/office/drawing/2014/main" id="{14F4B920-F906-47B5-AF6B-427F72ACAADB}"/>
+              </a:ext>
+            </a:extLst>
+          </p:cNvPr>
+          <p:cNvCxnSpPr>
+            <a:cxnSpLocks/>
+            <a:stCxn id="5" idx="3"/>
+            <a:endCxn id="109" idx="0"/>
+          </p:cNvCxnSpPr>
+          <p:nvPr/>
+        </p:nvCxnSpPr>
+        <p:spPr>
+          <a:xfrm>
+            <a:off x="3878858" y="982201"/>
+            <a:ext cx="492605" cy="103176"/>
+          </a:xfrm>
+          <a:prstGeom prst="bentConnector2">
+            <a:avLst/>
+          </a:prstGeom>
+          <a:ln>
+            <a:solidFill>
+              <a:schemeClr val="tx1"/>
+            </a:solidFill>
+            <a:tailEnd type="triangle"/>
+          </a:ln>
+        </p:spPr>
+        <p:style>
+          <a:lnRef idx="1">
+            <a:schemeClr val="accent1"/>
+          </a:lnRef>
+          <a:fillRef idx="0">
+            <a:schemeClr val="accent1"/>
+          </a:fillRef>
+          <a:effectRef idx="0">
+            <a:schemeClr val="accent1"/>
+          </a:effectRef>
+          <a:fontRef idx="minor">
+            <a:schemeClr val="tx1"/>
+          </a:fontRef>
+        </p:style>
+      </p:cxnSp>
+      <p:cxnSp>
+        <p:nvCxnSpPr>
+          <p:cNvPr id="119" name="Straight Arrow Connector 77">
+            <a:extLst>
+              <a:ext uri="{FF2B5EF4-FFF2-40B4-BE49-F238E27FC236}">
+                <a16:creationId xmlns:a16="http://schemas.microsoft.com/office/drawing/2014/main" id="{A5914E8A-8FB2-471E-BA8F-0F31D155ACC8}"/>
+              </a:ext>
+            </a:extLst>
+          </p:cNvPr>
+          <p:cNvCxnSpPr>
+            <a:cxnSpLocks/>
+            <a:stCxn id="97" idx="3"/>
+            <a:endCxn id="109" idx="2"/>
+          </p:cNvCxnSpPr>
+          <p:nvPr/>
+        </p:nvCxnSpPr>
+        <p:spPr>
+          <a:xfrm flipV="1">
+            <a:off x="3885683" y="1879163"/>
+            <a:ext cx="485780" cy="147000"/>
+          </a:xfrm>
+          <a:prstGeom prst="bentConnector2">
+            <a:avLst/>
+          </a:prstGeom>
+          <a:ln>
+            <a:solidFill>
+              <a:schemeClr val="tx1"/>
+            </a:solidFill>
+            <a:tailEnd type="triangle"/>
+          </a:ln>
+        </p:spPr>
+        <p:style>
+          <a:lnRef idx="1">
+            <a:schemeClr val="accent1"/>
+          </a:lnRef>
+          <a:fillRef idx="0">
+            <a:schemeClr val="accent1"/>
+          </a:fillRef>
+          <a:effectRef idx="0">
+            <a:schemeClr val="accent1"/>
+          </a:effectRef>
+          <a:fontRef idx="minor">
+            <a:schemeClr val="tx1"/>
+          </a:fontRef>
+        </p:style>
+      </p:cxnSp>
+      <p:sp>
+        <p:nvSpPr>
+          <p:cNvPr id="134" name="TextBox 133">
+            <a:extLst>
+              <a:ext uri="{FF2B5EF4-FFF2-40B4-BE49-F238E27FC236}">
+                <a16:creationId xmlns:a16="http://schemas.microsoft.com/office/drawing/2014/main" id="{5507DBEA-F0EA-4A54-808B-76DFD6E75070}"/>
+              </a:ext>
+            </a:extLst>
+          </p:cNvPr>
+          <p:cNvSpPr txBox="1"/>
+          <p:nvPr/>
+        </p:nvSpPr>
+        <p:spPr>
+          <a:xfrm rot="16200000">
+            <a:off x="4555869" y="1374945"/>
+            <a:ext cx="556667" cy="200055"/>
+          </a:xfrm>
+          <a:prstGeom prst="rect">
+            <a:avLst/>
+          </a:prstGeom>
+          <a:noFill/>
+        </p:spPr>
+        <p:txBody>
+          <a:bodyPr wrap="square">
+            <a:spAutoFit/>
+          </a:bodyPr>
+          <a:lstStyle/>
+          <a:p>
+            <a:pPr algn="ctr"/>
+            <a:r>
+              <a:rPr lang="en-US" sz="700" dirty="0">
+                <a:latin typeface="Times New Roman" panose="02020603050405020304" pitchFamily="18" charset="0"/>
+                <a:ea typeface="Consolas" charset="0"/>
+                <a:cs typeface="Times New Roman" panose="02020603050405020304" pitchFamily="18" charset="0"/>
+              </a:rPr>
+              <a:t>Template </a:t>
+            </a:r>
+          </a:p>
+        </p:txBody>
+      </p:sp>
+      <mc:AlternateContent xmlns:mc="http://schemas.openxmlformats.org/markup-compatibility/2006">
+        <mc:Choice xmlns:a14="http://schemas.microsoft.com/office/drawing/2010/main" Requires="a14">
+          <p:graphicFrame>
+            <p:nvGraphicFramePr>
+              <p:cNvPr id="135" name="Table 134">
+                <a:extLst>
+                  <a:ext uri="{FF2B5EF4-FFF2-40B4-BE49-F238E27FC236}">
+                    <a16:creationId xmlns:a16="http://schemas.microsoft.com/office/drawing/2014/main" id="{292A622C-1D54-4ED8-A408-AEBE3FDB9672}"/>
+                  </a:ext>
+                </a:extLst>
+              </p:cNvPr>
+              <p:cNvGraphicFramePr>
+                <a:graphicFrameLocks noGrp="1"/>
+              </p:cNvGraphicFramePr>
+              <p:nvPr>
+                <p:extLst>
+                  <p:ext uri="{D42A27DB-BD31-4B8C-83A1-F6EECF244321}">
+                    <p14:modId xmlns:p14="http://schemas.microsoft.com/office/powerpoint/2010/main" val="2717184254"/>
+                  </p:ext>
+                </p:extLst>
+              </p:nvPr>
+            </p:nvGraphicFramePr>
+            <p:xfrm>
+              <a:off x="4948565" y="1059085"/>
+              <a:ext cx="1461810" cy="1059184"/>
+            </p:xfrm>
+            <a:graphic>
+              <a:graphicData uri="http://schemas.openxmlformats.org/drawingml/2006/table">
+                <a:tbl>
+                  <a:tblPr firstRow="1" bandRow="1">
+                    <a:tableStyleId>{5C22544A-7EE6-4342-B048-85BDC9FD1C3A}</a:tableStyleId>
+                  </a:tblPr>
+                  <a:tblGrid>
+                    <a:gridCol w="217413">
+                      <a:extLst>
+                        <a:ext uri="{9D8B030D-6E8A-4147-A177-3AD203B41FA5}">
+                          <a16:colId xmlns:a16="http://schemas.microsoft.com/office/drawing/2014/main" val="20000"/>
+                        </a:ext>
+                      </a:extLst>
+                    </a:gridCol>
+                    <a:gridCol w="1244397">
+                      <a:extLst>
+                        <a:ext uri="{9D8B030D-6E8A-4147-A177-3AD203B41FA5}">
+                          <a16:colId xmlns:a16="http://schemas.microsoft.com/office/drawing/2014/main" val="20001"/>
+                        </a:ext>
+                      </a:extLst>
+                    </a:gridCol>
+                  </a:tblGrid>
+                  <a:tr h="160561">
+                    <a:tc>
+                      <a:txBody>
+                        <a:bodyPr/>
+                        <a:lstStyle/>
+                        <a:p>
+                          <a:pPr algn="ctr"/>
+                          <a:r>
+                            <a:rPr lang="en-US" sz="800" b="0" dirty="0">
+                              <a:solidFill>
+                                <a:schemeClr val="tx1"/>
+                              </a:solidFill>
+                              <a:latin typeface="Times New Roman" panose="02020603050405020304" pitchFamily="18" charset="0"/>
+                              <a:ea typeface="Consolas" charset="0"/>
+                              <a:cs typeface="Times New Roman" panose="02020603050405020304" pitchFamily="18" charset="0"/>
+                            </a:rPr>
+                            <a:t>1</a:t>
+                          </a:r>
+                        </a:p>
+                      </a:txBody>
+                      <a:tcPr marL="51435" marR="51435" marT="25718" marB="25718" anchor="ctr">
+                        <a:lnL w="12700" cmpd="sng">
+                          <a:noFill/>
+                        </a:lnL>
+                        <a:lnR w="12700" cmpd="sng">
+                          <a:noFill/>
+                        </a:lnR>
+                        <a:lnT w="12700" cmpd="sng">
+                          <a:noFill/>
+                        </a:lnT>
+                        <a:lnB w="38100" cmpd="sng">
+                          <a:noFill/>
+                        </a:lnB>
+                        <a:lnTlToBr w="12700" cmpd="sng">
+                          <a:noFill/>
+                          <a:prstDash val="solid"/>
+                        </a:lnTlToBr>
+                        <a:lnBlToTr w="12700" cmpd="sng">
+                          <a:noFill/>
+                          <a:prstDash val="solid"/>
+                        </a:lnBlToTr>
+                        <a:noFill/>
+                      </a:tcPr>
+                    </a:tc>
+                    <a:tc>
+                      <a:txBody>
+                        <a:bodyPr/>
+                        <a:lstStyle/>
+                        <a:p>
+                          <a:pPr algn="ctr"/>
+                          <a:r>
+                            <a:rPr lang="de-DE" sz="800" b="0" dirty="0">
+                              <a:solidFill>
+                                <a:schemeClr val="tx1"/>
+                              </a:solidFill>
+                              <a:latin typeface="Times New Roman" panose="02020603050405020304" pitchFamily="18" charset="0"/>
+                              <a:ea typeface="Consolas" charset="0"/>
+                              <a:cs typeface="Times New Roman" panose="02020603050405020304" pitchFamily="18" charset="0"/>
+                            </a:rPr>
+                            <a:t>VM Lifecycle Event </a:t>
+                          </a:r>
+                          <a14:m>
+                            <m:oMath xmlns:m="http://schemas.openxmlformats.org/officeDocument/2006/math">
+                              <m:r>
+                                <a:rPr lang="de-DE" sz="800" b="0" i="1" dirty="0">
+                                  <a:solidFill>
+                                    <a:schemeClr val="tx1"/>
+                                  </a:solidFill>
+                                  <a:latin typeface="Cambria Math" panose="02040503050406030204" pitchFamily="18" charset="0"/>
+                                  <a:ea typeface="Cambria Math" panose="02040503050406030204" pitchFamily="18" charset="0"/>
+                                  <a:cs typeface="Times New Roman" panose="02020603050405020304" pitchFamily="18" charset="0"/>
+                                </a:rPr>
+                                <m:t>⟷</m:t>
+                              </m:r>
+                            </m:oMath>
+                          </a14:m>
+                          <a:r>
+                            <a:rPr lang="de-DE" sz="800" b="0" dirty="0">
+                              <a:solidFill>
+                                <a:schemeClr val="tx1"/>
+                              </a:solidFill>
+                              <a:latin typeface="Times New Roman" panose="02020603050405020304" pitchFamily="18" charset="0"/>
+                              <a:ea typeface="Consolas" charset="0"/>
+                              <a:cs typeface="Times New Roman" panose="02020603050405020304" pitchFamily="18" charset="0"/>
+                            </a:rPr>
+                            <a:t> </a:t>
+                          </a:r>
+                          <a:r>
+                            <a:rPr lang="de-DE" sz="800" b="1" dirty="0">
+                              <a:solidFill>
+                                <a:schemeClr val="tx1"/>
+                              </a:solidFill>
+                              <a:latin typeface="Times New Roman" panose="02020603050405020304" pitchFamily="18" charset="0"/>
+                              <a:ea typeface="Consolas" charset="0"/>
+                              <a:cs typeface="Times New Roman" panose="02020603050405020304" pitchFamily="18" charset="0"/>
+                            </a:rPr>
+                            <a:t>VM New Event</a:t>
+                          </a:r>
+                          <a:endParaRPr lang="en-US" sz="800" b="1" dirty="0">
+                            <a:solidFill>
+                              <a:schemeClr val="tx1"/>
+                            </a:solidFill>
+                            <a:latin typeface="Times New Roman" panose="02020603050405020304" pitchFamily="18" charset="0"/>
+                            <a:ea typeface="Consolas" charset="0"/>
+                            <a:cs typeface="Times New Roman" panose="02020603050405020304" pitchFamily="18" charset="0"/>
+                          </a:endParaRPr>
+                        </a:p>
+                      </a:txBody>
+                      <a:tcPr marL="51435" marR="51435" marT="25718" marB="25718" anchor="ctr">
+                        <a:lnL w="12700" cmpd="sng">
+                          <a:noFill/>
+                        </a:lnL>
+                        <a:lnR w="12700" cmpd="sng">
+                          <a:noFill/>
+                        </a:lnR>
+                        <a:lnT w="12700" cmpd="sng">
+                          <a:noFill/>
+                        </a:lnT>
+                        <a:lnB w="38100" cmpd="sng">
+                          <a:noFill/>
+                        </a:lnB>
+                        <a:lnTlToBr w="12700" cmpd="sng">
+                          <a:noFill/>
+                          <a:prstDash val="solid"/>
+                        </a:lnTlToBr>
+                        <a:lnBlToTr w="12700" cmpd="sng">
+                          <a:noFill/>
+                          <a:prstDash val="solid"/>
+                        </a:lnBlToTr>
+                        <a:noFill/>
+                      </a:tcPr>
+                    </a:tc>
+                    <a:extLst>
+                      <a:ext uri="{0D108BD9-81ED-4DB2-BD59-A6C34878D82A}">
+                        <a16:rowId xmlns:a16="http://schemas.microsoft.com/office/drawing/2014/main" val="10000"/>
+                      </a:ext>
+                    </a:extLst>
+                  </a:tr>
+                  <a:tr h="160561">
+                    <a:tc>
+                      <a:txBody>
+                        <a:bodyPr/>
+                        <a:lstStyle/>
+                        <a:p>
+                          <a:pPr algn="ctr"/>
+                          <a:r>
+                            <a:rPr lang="en-US" sz="800" dirty="0">
+                              <a:solidFill>
+                                <a:schemeClr val="tx1"/>
+                              </a:solidFill>
+                              <a:latin typeface="Times New Roman" panose="02020603050405020304" pitchFamily="18" charset="0"/>
+                              <a:ea typeface="Consolas" charset="0"/>
+                              <a:cs typeface="Times New Roman" panose="02020603050405020304" pitchFamily="18" charset="0"/>
+                            </a:rPr>
+                            <a:t>2</a:t>
+                          </a:r>
+                        </a:p>
+                      </a:txBody>
+                      <a:tcPr marL="51435" marR="51435" marT="25718" marB="25718" anchor="ctr">
+                        <a:lnL w="12700" cmpd="sng">
+                          <a:noFill/>
+                        </a:lnL>
+                        <a:lnR w="12700" cmpd="sng">
+                          <a:noFill/>
+                        </a:lnR>
+                        <a:lnT w="38100" cmpd="sng">
+                          <a:noFill/>
+                        </a:lnT>
+                        <a:lnB w="12700" cmpd="sng">
+                          <a:noFill/>
+                        </a:lnB>
+                        <a:lnTlToBr w="12700" cmpd="sng">
+                          <a:noFill/>
+                          <a:prstDash val="solid"/>
+                        </a:lnTlToBr>
+                        <a:lnBlToTr w="12700" cmpd="sng">
+                          <a:noFill/>
+                          <a:prstDash val="solid"/>
+                        </a:lnBlToTr>
+                        <a:noFill/>
+                      </a:tcPr>
+                    </a:tc>
+                    <a:tc>
+                      <a:txBody>
+                        <a:bodyPr/>
+                        <a:lstStyle/>
+                        <a:p>
+                          <a:pPr algn="ctr"/>
+                          <a:r>
+                            <a:rPr lang="en-US" sz="800" dirty="0">
+                              <a:latin typeface="Times New Roman" panose="02020603050405020304" pitchFamily="18" charset="0"/>
+                              <a:ea typeface="Consolas" charset="0"/>
+                              <a:cs typeface="Times New Roman" panose="02020603050405020304" pitchFamily="18" charset="0"/>
+                            </a:rPr>
+                            <a:t>Instance successfully </a:t>
+                          </a:r>
+                          <a14:m>
+                            <m:oMath xmlns:m="http://schemas.openxmlformats.org/officeDocument/2006/math">
+                              <m:r>
+                                <a:rPr lang="de-DE" sz="800" b="0" i="1" dirty="0">
+                                  <a:solidFill>
+                                    <a:schemeClr val="tx1"/>
+                                  </a:solidFill>
+                                  <a:latin typeface="Cambria Math" panose="02040503050406030204" pitchFamily="18" charset="0"/>
+                                  <a:ea typeface="Cambria Math" panose="02040503050406030204" pitchFamily="18" charset="0"/>
+                                  <a:cs typeface="Times New Roman" panose="02020603050405020304" pitchFamily="18" charset="0"/>
+                                </a:rPr>
+                                <m:t>⟷</m:t>
+                              </m:r>
+                            </m:oMath>
+                          </a14:m>
+                          <a:r>
+                            <a:rPr lang="en-US" sz="800" dirty="0">
+                              <a:latin typeface="Times New Roman" panose="02020603050405020304" pitchFamily="18" charset="0"/>
+                              <a:ea typeface="Consolas" charset="0"/>
+                              <a:cs typeface="Times New Roman" panose="02020603050405020304" pitchFamily="18" charset="0"/>
+                            </a:rPr>
+                            <a:t> </a:t>
+                          </a:r>
+                          <a:r>
+                            <a:rPr lang="en-US" sz="800" b="1" dirty="0">
+                              <a:latin typeface="Times New Roman" panose="02020603050405020304" pitchFamily="18" charset="0"/>
+                              <a:ea typeface="Consolas" charset="0"/>
+                              <a:cs typeface="Times New Roman" panose="02020603050405020304" pitchFamily="18" charset="0"/>
+                            </a:rPr>
+                            <a:t>Instance creation finished</a:t>
+                          </a:r>
+                          <a:endParaRPr lang="en-US" sz="800" b="1" dirty="0">
+                            <a:solidFill>
+                              <a:schemeClr val="tx1"/>
+                            </a:solidFill>
+                            <a:latin typeface="Times New Roman" panose="02020603050405020304" pitchFamily="18" charset="0"/>
+                            <a:ea typeface="Consolas" charset="0"/>
+                            <a:cs typeface="Times New Roman" panose="02020603050405020304" pitchFamily="18" charset="0"/>
+                          </a:endParaRPr>
+                        </a:p>
+                      </a:txBody>
+                      <a:tcPr marL="51435" marR="51435" marT="25718" marB="25718" anchor="ctr">
+                        <a:lnL w="12700" cmpd="sng">
+                          <a:noFill/>
+                        </a:lnL>
+                        <a:lnR w="12700" cmpd="sng">
+                          <a:noFill/>
+                        </a:lnR>
+                        <a:lnT w="38100" cmpd="sng">
+                          <a:noFill/>
+                        </a:lnT>
+                        <a:lnB w="12700" cmpd="sng">
+                          <a:noFill/>
+                        </a:lnB>
+                        <a:lnTlToBr w="12700" cmpd="sng">
+                          <a:noFill/>
+                          <a:prstDash val="solid"/>
+                        </a:lnTlToBr>
+                        <a:lnBlToTr w="12700" cmpd="sng">
+                          <a:noFill/>
+                          <a:prstDash val="solid"/>
+                        </a:lnBlToTr>
+                        <a:noFill/>
+                      </a:tcPr>
+                    </a:tc>
+                    <a:extLst>
+                      <a:ext uri="{0D108BD9-81ED-4DB2-BD59-A6C34878D82A}">
+                        <a16:rowId xmlns:a16="http://schemas.microsoft.com/office/drawing/2014/main" val="10001"/>
+                      </a:ext>
+                    </a:extLst>
+                  </a:tr>
+                  <a:tr h="160561">
+                    <a:tc>
+                      <a:txBody>
+                        <a:bodyPr/>
+                        <a:lstStyle/>
+                        <a:p>
+                          <a:pPr algn="ctr"/>
+                          <a:r>
+                            <a:rPr lang="en-US" sz="800" dirty="0">
+                              <a:solidFill>
+                                <a:schemeClr val="tx1"/>
+                              </a:solidFill>
+                              <a:latin typeface="Times New Roman" panose="02020603050405020304" pitchFamily="18" charset="0"/>
+                              <a:ea typeface="Consolas" charset="0"/>
+                              <a:cs typeface="Times New Roman" panose="02020603050405020304" pitchFamily="18" charset="0"/>
+                            </a:rPr>
+                            <a:t>...</a:t>
+                          </a:r>
+                        </a:p>
+                      </a:txBody>
+                      <a:tcPr marL="51435" marR="51435" marT="25718" marB="25718" anchor="ctr">
+                        <a:lnL w="12700" cmpd="sng">
+                          <a:noFill/>
+                        </a:lnL>
+                        <a:lnR w="12700" cmpd="sng">
+                          <a:noFill/>
+                        </a:lnR>
+                        <a:lnT w="12700" cmpd="sng">
+                          <a:noFill/>
+                        </a:lnT>
+                        <a:lnB w="12700" cmpd="sng">
+                          <a:noFill/>
+                        </a:lnB>
+                        <a:lnTlToBr w="12700" cmpd="sng">
+                          <a:noFill/>
+                          <a:prstDash val="solid"/>
+                        </a:lnTlToBr>
+                        <a:lnBlToTr w="12700" cmpd="sng">
+                          <a:noFill/>
+                          <a:prstDash val="solid"/>
+                        </a:lnBlToTr>
+                        <a:noFill/>
+                      </a:tcPr>
+                    </a:tc>
+                    <a:tc>
+                      <a:txBody>
+                        <a:bodyPr/>
+                        <a:lstStyle/>
+                        <a:p>
+                          <a:pPr marL="0" marR="0" lvl="0" indent="0" algn="ctr" defTabSz="914400" rtl="0" eaLnBrk="1" fontAlgn="auto" latinLnBrk="0" hangingPunct="1">
+                            <a:lnSpc>
+                              <a:spcPct val="100000"/>
+                            </a:lnSpc>
+                            <a:spcBef>
+                              <a:spcPts val="0"/>
+                            </a:spcBef>
+                            <a:spcAft>
+                              <a:spcPts val="0"/>
+                            </a:spcAft>
+                            <a:buClrTx/>
+                            <a:buSzTx/>
+                            <a:buFontTx/>
+                            <a:buNone/>
+                            <a:tabLst/>
+                            <a:defRPr/>
+                          </a:pPr>
+                          <a:r>
+                            <a:rPr lang="en-US" sz="800" dirty="0">
+                              <a:latin typeface="Times New Roman" panose="02020603050405020304" pitchFamily="18" charset="0"/>
+                              <a:ea typeface="Consolas" charset="0"/>
+                              <a:cs typeface="Times New Roman" panose="02020603050405020304" pitchFamily="18" charset="0"/>
+                            </a:rPr>
+                            <a:t>...</a:t>
+                          </a:r>
+                          <a:endParaRPr lang="en-US" sz="800" dirty="0">
+                            <a:solidFill>
+                              <a:schemeClr val="tx1"/>
+                            </a:solidFill>
+                            <a:latin typeface="Times New Roman" panose="02020603050405020304" pitchFamily="18" charset="0"/>
+                            <a:ea typeface="Consolas" charset="0"/>
+                            <a:cs typeface="Times New Roman" panose="02020603050405020304" pitchFamily="18" charset="0"/>
+                          </a:endParaRPr>
+                        </a:p>
+                      </a:txBody>
+                      <a:tcPr marL="51435" marR="51435" marT="25718" marB="25718" anchor="ctr">
+                        <a:lnL w="12700" cmpd="sng">
+                          <a:noFill/>
+                        </a:lnL>
+                        <a:lnR w="12700" cmpd="sng">
+                          <a:noFill/>
+                        </a:lnR>
+                        <a:lnT w="12700" cmpd="sng">
+                          <a:noFill/>
+                        </a:lnT>
+                        <a:lnB w="12700" cmpd="sng">
+                          <a:noFill/>
+                        </a:lnB>
+                        <a:lnTlToBr w="12700" cmpd="sng">
+                          <a:noFill/>
+                          <a:prstDash val="solid"/>
+                        </a:lnTlToBr>
+                        <a:lnBlToTr w="12700" cmpd="sng">
+                          <a:noFill/>
+                          <a:prstDash val="solid"/>
+                        </a:lnBlToTr>
+                        <a:noFill/>
+                      </a:tcPr>
+                    </a:tc>
+                    <a:extLst>
+                      <a:ext uri="{0D108BD9-81ED-4DB2-BD59-A6C34878D82A}">
+                        <a16:rowId xmlns:a16="http://schemas.microsoft.com/office/drawing/2014/main" val="10005"/>
+                      </a:ext>
+                    </a:extLst>
+                  </a:tr>
+                  <a:tr h="160561">
+                    <a:tc>
+                      <a:txBody>
+                        <a:bodyPr/>
+                        <a:lstStyle/>
+                        <a:p>
+                          <a:pPr algn="ctr"/>
+                          <a:r>
+                            <a:rPr lang="en-US" sz="800" dirty="0">
+                              <a:solidFill>
+                                <a:schemeClr val="tx1"/>
+                              </a:solidFill>
+                              <a:latin typeface="Times New Roman" panose="02020603050405020304" pitchFamily="18" charset="0"/>
+                              <a:ea typeface="Consolas" charset="0"/>
+                              <a:cs typeface="Times New Roman" panose="02020603050405020304" pitchFamily="18" charset="0"/>
+                            </a:rPr>
+                            <a:t>n</a:t>
+                          </a:r>
+                        </a:p>
+                      </a:txBody>
+                      <a:tcPr marL="51435" marR="51435" marT="25718" marB="25718" anchor="ctr">
+                        <a:lnL w="12700" cmpd="sng">
+                          <a:noFill/>
+                        </a:lnL>
+                        <a:lnR w="12700" cmpd="sng">
+                          <a:noFill/>
+                        </a:lnR>
+                        <a:lnT w="12700" cmpd="sng">
+                          <a:noFill/>
+                        </a:lnT>
+                        <a:lnB w="12700" cmpd="sng">
+                          <a:noFill/>
+                        </a:lnB>
+                        <a:lnTlToBr w="12700" cmpd="sng">
+                          <a:noFill/>
+                          <a:prstDash val="solid"/>
+                        </a:lnTlToBr>
+                        <a:lnBlToTr w="12700" cmpd="sng">
+                          <a:noFill/>
+                          <a:prstDash val="solid"/>
+                        </a:lnBlToTr>
+                        <a:noFill/>
+                      </a:tcPr>
+                    </a:tc>
+                    <a:tc>
+                      <a:txBody>
+                        <a:bodyPr/>
+                        <a:lstStyle/>
+                        <a:p>
+                          <a:pPr algn="ctr"/>
+                          <a:r>
+                            <a:rPr lang="de-DE" sz="800" b="0" dirty="0" err="1">
+                              <a:solidFill>
+                                <a:schemeClr val="tx1"/>
+                              </a:solidFill>
+                              <a:latin typeface="Times New Roman" panose="02020603050405020304" pitchFamily="18" charset="0"/>
+                              <a:ea typeface="Consolas" charset="0"/>
+                              <a:cs typeface="Times New Roman" panose="02020603050405020304" pitchFamily="18" charset="0"/>
+                            </a:rPr>
+                            <a:t>Terminating</a:t>
+                          </a:r>
+                          <a:r>
+                            <a:rPr lang="de-DE" sz="800" b="0" dirty="0">
+                              <a:solidFill>
+                                <a:schemeClr val="tx1"/>
+                              </a:solidFill>
+                              <a:latin typeface="Times New Roman" panose="02020603050405020304" pitchFamily="18" charset="0"/>
+                              <a:ea typeface="Consolas" charset="0"/>
+                              <a:cs typeface="Times New Roman" panose="02020603050405020304" pitchFamily="18" charset="0"/>
+                            </a:rPr>
+                            <a:t> </a:t>
+                          </a:r>
+                          <a:r>
+                            <a:rPr lang="de-DE" sz="800" b="0" dirty="0" err="1">
+                              <a:solidFill>
+                                <a:schemeClr val="tx1"/>
+                              </a:solidFill>
+                              <a:latin typeface="Times New Roman" panose="02020603050405020304" pitchFamily="18" charset="0"/>
+                              <a:ea typeface="Consolas" charset="0"/>
+                              <a:cs typeface="Times New Roman" panose="02020603050405020304" pitchFamily="18" charset="0"/>
+                            </a:rPr>
+                            <a:t>instance</a:t>
+                          </a:r>
+                          <a:r>
+                            <a:rPr lang="de-DE" sz="800" b="0" dirty="0">
+                              <a:solidFill>
+                                <a:schemeClr val="tx1"/>
+                              </a:solidFill>
+                              <a:latin typeface="Times New Roman" panose="02020603050405020304" pitchFamily="18" charset="0"/>
+                              <a:ea typeface="Consolas" charset="0"/>
+                              <a:cs typeface="Times New Roman" panose="02020603050405020304" pitchFamily="18" charset="0"/>
+                            </a:rPr>
+                            <a:t> </a:t>
+                          </a:r>
+                          <a14:m>
+                            <m:oMath xmlns:m="http://schemas.openxmlformats.org/officeDocument/2006/math">
+                              <m:r>
+                                <a:rPr lang="de-DE" sz="800" b="0" i="1" dirty="0">
+                                  <a:solidFill>
+                                    <a:schemeClr val="tx1"/>
+                                  </a:solidFill>
+                                  <a:latin typeface="Cambria Math" panose="02040503050406030204" pitchFamily="18" charset="0"/>
+                                  <a:ea typeface="Cambria Math" panose="02040503050406030204" pitchFamily="18" charset="0"/>
+                                  <a:cs typeface="Times New Roman" panose="02020603050405020304" pitchFamily="18" charset="0"/>
+                                </a:rPr>
+                                <m:t>⟷</m:t>
+                              </m:r>
+                            </m:oMath>
+                          </a14:m>
+                          <a:r>
+                            <a:rPr lang="de-DE" sz="800" b="0" dirty="0">
+                              <a:solidFill>
+                                <a:schemeClr val="tx1"/>
+                              </a:solidFill>
+                              <a:latin typeface="Times New Roman" panose="02020603050405020304" pitchFamily="18" charset="0"/>
+                              <a:ea typeface="Consolas" charset="0"/>
+                              <a:cs typeface="Times New Roman" panose="02020603050405020304" pitchFamily="18" charset="0"/>
+                            </a:rPr>
+                            <a:t> </a:t>
+                          </a:r>
+                          <a:r>
+                            <a:rPr lang="de-DE" sz="800" b="0" dirty="0" err="1">
+                              <a:solidFill>
+                                <a:schemeClr val="tx1"/>
+                              </a:solidFill>
+                              <a:latin typeface="Times New Roman" panose="02020603050405020304" pitchFamily="18" charset="0"/>
+                              <a:ea typeface="Consolas" charset="0"/>
+                              <a:cs typeface="Times New Roman" panose="02020603050405020304" pitchFamily="18" charset="0"/>
+                            </a:rPr>
+                            <a:t>Terminating</a:t>
+                          </a:r>
+                          <a:r>
+                            <a:rPr lang="de-DE" sz="800" b="0" dirty="0">
+                              <a:solidFill>
+                                <a:schemeClr val="tx1"/>
+                              </a:solidFill>
+                              <a:latin typeface="Times New Roman" panose="02020603050405020304" pitchFamily="18" charset="0"/>
+                              <a:ea typeface="Consolas" charset="0"/>
+                              <a:cs typeface="Times New Roman" panose="02020603050405020304" pitchFamily="18" charset="0"/>
+                            </a:rPr>
+                            <a:t> </a:t>
+                          </a:r>
+                          <a:r>
+                            <a:rPr lang="de-DE" sz="800" b="0" dirty="0" err="1">
+                              <a:solidFill>
+                                <a:schemeClr val="tx1"/>
+                              </a:solidFill>
+                              <a:latin typeface="Times New Roman" panose="02020603050405020304" pitchFamily="18" charset="0"/>
+                              <a:ea typeface="Consolas" charset="0"/>
+                              <a:cs typeface="Times New Roman" panose="02020603050405020304" pitchFamily="18" charset="0"/>
+                            </a:rPr>
+                            <a:t>instance</a:t>
+                          </a:r>
+                          <a:endParaRPr lang="en-US" sz="800" b="0" dirty="0">
+                            <a:solidFill>
+                              <a:schemeClr val="tx1"/>
+                            </a:solidFill>
+                            <a:latin typeface="Times New Roman" panose="02020603050405020304" pitchFamily="18" charset="0"/>
+                            <a:ea typeface="Consolas" charset="0"/>
+                            <a:cs typeface="Times New Roman" panose="02020603050405020304" pitchFamily="18" charset="0"/>
+                          </a:endParaRPr>
+                        </a:p>
+                      </a:txBody>
+                      <a:tcPr marL="51435" marR="51435" marT="25718" marB="25718" anchor="ctr">
+                        <a:lnL w="12700" cmpd="sng">
+                          <a:noFill/>
+                        </a:lnL>
+                        <a:lnR w="12700" cmpd="sng">
+                          <a:noFill/>
+                        </a:lnR>
+                        <a:lnT w="12700" cmpd="sng">
+                          <a:noFill/>
+                        </a:lnT>
+                        <a:lnB w="12700" cmpd="sng">
+                          <a:noFill/>
+                        </a:lnB>
+                        <a:lnTlToBr w="12700" cmpd="sng">
+                          <a:noFill/>
+                          <a:prstDash val="solid"/>
+                        </a:lnTlToBr>
+                        <a:lnBlToTr w="12700" cmpd="sng">
+                          <a:noFill/>
+                          <a:prstDash val="solid"/>
+                        </a:lnBlToTr>
+                        <a:noFill/>
+                      </a:tcPr>
+                    </a:tc>
+                    <a:extLst>
+                      <a:ext uri="{0D108BD9-81ED-4DB2-BD59-A6C34878D82A}">
+                        <a16:rowId xmlns:a16="http://schemas.microsoft.com/office/drawing/2014/main" val="10009"/>
+                      </a:ext>
+                    </a:extLst>
+                  </a:tr>
+                </a:tbl>
+              </a:graphicData>
+            </a:graphic>
+          </p:graphicFrame>
+        </mc:Choice>
+        <mc:Fallback>
+          <p:graphicFrame>
+            <p:nvGraphicFramePr>
+              <p:cNvPr id="135" name="Table 134">
+                <a:extLst>
+                  <a:ext uri="{FF2B5EF4-FFF2-40B4-BE49-F238E27FC236}">
+                    <a16:creationId xmlns:a16="http://schemas.microsoft.com/office/drawing/2014/main" id="{292A622C-1D54-4ED8-A408-AEBE3FDB9672}"/>
+                  </a:ext>
+                </a:extLst>
+              </p:cNvPr>
+              <p:cNvGraphicFramePr>
+                <a:graphicFrameLocks noGrp="1"/>
+              </p:cNvGraphicFramePr>
+              <p:nvPr>
+                <p:extLst>
+                  <p:ext uri="{D42A27DB-BD31-4B8C-83A1-F6EECF244321}">
+                    <p14:modId xmlns:p14="http://schemas.microsoft.com/office/powerpoint/2010/main" val="2717184254"/>
+                  </p:ext>
+                </p:extLst>
+              </p:nvPr>
+            </p:nvGraphicFramePr>
+            <p:xfrm>
+              <a:off x="4948565" y="1059085"/>
+              <a:ext cx="1461810" cy="1059184"/>
+            </p:xfrm>
+            <a:graphic>
+              <a:graphicData uri="http://schemas.openxmlformats.org/drawingml/2006/table">
+                <a:tbl>
+                  <a:tblPr firstRow="1" bandRow="1">
+                    <a:tableStyleId>{5C22544A-7EE6-4342-B048-85BDC9FD1C3A}</a:tableStyleId>
+                  </a:tblPr>
+                  <a:tblGrid>
+                    <a:gridCol w="217413">
+                      <a:extLst>
+                        <a:ext uri="{9D8B030D-6E8A-4147-A177-3AD203B41FA5}">
+                          <a16:colId xmlns:a16="http://schemas.microsoft.com/office/drawing/2014/main" val="20000"/>
+                        </a:ext>
+                      </a:extLst>
+                    </a:gridCol>
+                    <a:gridCol w="1244397">
+                      <a:extLst>
+                        <a:ext uri="{9D8B030D-6E8A-4147-A177-3AD203B41FA5}">
+                          <a16:colId xmlns:a16="http://schemas.microsoft.com/office/drawing/2014/main" val="20001"/>
+                        </a:ext>
+                      </a:extLst>
+                    </a:gridCol>
+                  </a:tblGrid>
+                  <a:tr h="295276">
+                    <a:tc>
+                      <a:txBody>
+                        <a:bodyPr/>
+                        <a:lstStyle/>
+                        <a:p>
+                          <a:pPr algn="ctr"/>
+                          <a:r>
+                            <a:rPr lang="en-US" sz="800" b="0" dirty="0">
+                              <a:solidFill>
+                                <a:schemeClr val="tx1"/>
+                              </a:solidFill>
+                              <a:latin typeface="Times New Roman" panose="02020603050405020304" pitchFamily="18" charset="0"/>
+                              <a:ea typeface="Consolas" charset="0"/>
+                              <a:cs typeface="Times New Roman" panose="02020603050405020304" pitchFamily="18" charset="0"/>
+                            </a:rPr>
+                            <a:t>1</a:t>
+                          </a:r>
+                        </a:p>
+                      </a:txBody>
+                      <a:tcPr marL="51435" marR="51435" marT="25718" marB="25718" anchor="ctr">
+                        <a:lnL w="12700" cmpd="sng">
+                          <a:noFill/>
+                        </a:lnL>
+                        <a:lnR w="12700" cmpd="sng">
+                          <a:noFill/>
+                        </a:lnR>
+                        <a:lnT w="12700" cmpd="sng">
+                          <a:noFill/>
+                        </a:lnT>
+                        <a:lnB w="38100" cmpd="sng">
+                          <a:noFill/>
+                        </a:lnB>
+                        <a:lnTlToBr w="12700" cmpd="sng">
+                          <a:noFill/>
+                          <a:prstDash val="solid"/>
+                        </a:lnTlToBr>
+                        <a:lnBlToTr w="12700" cmpd="sng">
+                          <a:noFill/>
+                          <a:prstDash val="solid"/>
+                        </a:lnBlToTr>
+                        <a:noFill/>
+                      </a:tcPr>
+                    </a:tc>
+                    <a:tc>
+                      <a:txBody>
+                        <a:bodyPr/>
+                        <a:lstStyle/>
+                        <a:p>
+                          <a:endParaRPr lang="de-DE"/>
+                        </a:p>
+                      </a:txBody>
+                      <a:tcPr marL="51435" marR="51435" marT="25718" marB="25718" anchor="ctr">
+                        <a:lnL w="12700" cmpd="sng">
+                          <a:noFill/>
+                        </a:lnL>
+                        <a:lnR w="12700" cmpd="sng">
+                          <a:noFill/>
+                        </a:lnR>
+                        <a:lnT w="12700" cmpd="sng">
+                          <a:noFill/>
+                        </a:lnT>
+                        <a:lnB w="38100" cmpd="sng">
+                          <a:noFill/>
+                        </a:lnB>
+                        <a:lnTlToBr w="12700" cmpd="sng">
+                          <a:noFill/>
+                          <a:prstDash val="solid"/>
+                        </a:lnTlToBr>
+                        <a:lnBlToTr w="12700" cmpd="sng">
+                          <a:noFill/>
+                          <a:prstDash val="solid"/>
+                        </a:lnBlToTr>
+                        <a:blipFill>
+                          <a:blip r:embed="rId2"/>
+                          <a:stretch>
+                            <a:fillRect l="-17172" t="-4348" r="1010" b="-273913"/>
+                          </a:stretch>
+                        </a:blipFill>
+                      </a:tcPr>
+                    </a:tc>
+                    <a:extLst>
+                      <a:ext uri="{0D108BD9-81ED-4DB2-BD59-A6C34878D82A}">
+                        <a16:rowId xmlns:a16="http://schemas.microsoft.com/office/drawing/2014/main" val="10000"/>
+                      </a:ext>
+                    </a:extLst>
+                  </a:tr>
+                  <a:tr h="295276">
+                    <a:tc>
+                      <a:txBody>
+                        <a:bodyPr/>
+                        <a:lstStyle/>
+                        <a:p>
+                          <a:pPr algn="ctr"/>
+                          <a:r>
+                            <a:rPr lang="en-US" sz="800" dirty="0">
+                              <a:solidFill>
+                                <a:schemeClr val="tx1"/>
+                              </a:solidFill>
+                              <a:latin typeface="Times New Roman" panose="02020603050405020304" pitchFamily="18" charset="0"/>
+                              <a:ea typeface="Consolas" charset="0"/>
+                              <a:cs typeface="Times New Roman" panose="02020603050405020304" pitchFamily="18" charset="0"/>
+                            </a:rPr>
+                            <a:t>2</a:t>
+                          </a:r>
+                        </a:p>
+                      </a:txBody>
+                      <a:tcPr marL="51435" marR="51435" marT="25718" marB="25718" anchor="ctr">
+                        <a:lnL w="12700" cmpd="sng">
+                          <a:noFill/>
+                        </a:lnL>
+                        <a:lnR w="12700" cmpd="sng">
+                          <a:noFill/>
+                        </a:lnR>
+                        <a:lnT w="38100" cmpd="sng">
+                          <a:noFill/>
+                        </a:lnT>
+                        <a:lnB w="12700" cmpd="sng">
+                          <a:noFill/>
+                        </a:lnB>
+                        <a:lnTlToBr w="12700" cmpd="sng">
+                          <a:noFill/>
+                          <a:prstDash val="solid"/>
+                        </a:lnTlToBr>
+                        <a:lnBlToTr w="12700" cmpd="sng">
+                          <a:noFill/>
+                          <a:prstDash val="solid"/>
+                        </a:lnBlToTr>
+                        <a:noFill/>
+                      </a:tcPr>
+                    </a:tc>
+                    <a:tc>
+                      <a:txBody>
+                        <a:bodyPr/>
+                        <a:lstStyle/>
+                        <a:p>
+                          <a:endParaRPr lang="de-DE"/>
+                        </a:p>
+                      </a:txBody>
+                      <a:tcPr marL="51435" marR="51435" marT="25718" marB="25718" anchor="ctr">
+                        <a:lnL w="12700" cmpd="sng">
+                          <a:noFill/>
+                        </a:lnL>
+                        <a:lnR w="12700" cmpd="sng">
+                          <a:noFill/>
+                        </a:lnR>
+                        <a:lnT w="38100" cmpd="sng">
+                          <a:noFill/>
+                        </a:lnT>
+                        <a:lnB w="12700" cmpd="sng">
+                          <a:noFill/>
+                        </a:lnB>
+                        <a:lnTlToBr w="12700" cmpd="sng">
+                          <a:noFill/>
+                          <a:prstDash val="solid"/>
+                        </a:lnTlToBr>
+                        <a:lnBlToTr w="12700" cmpd="sng">
+                          <a:noFill/>
+                          <a:prstDash val="solid"/>
+                        </a:lnBlToTr>
+                        <a:blipFill>
+                          <a:blip r:embed="rId2"/>
+                          <a:stretch>
+                            <a:fillRect l="-17172" t="-100000" r="1010" b="-162500"/>
+                          </a:stretch>
+                        </a:blipFill>
+                      </a:tcPr>
+                    </a:tc>
+                    <a:extLst>
+                      <a:ext uri="{0D108BD9-81ED-4DB2-BD59-A6C34878D82A}">
+                        <a16:rowId xmlns:a16="http://schemas.microsoft.com/office/drawing/2014/main" val="10001"/>
+                      </a:ext>
+                    </a:extLst>
+                  </a:tr>
+                  <a:tr h="173356">
+                    <a:tc>
+                      <a:txBody>
+                        <a:bodyPr/>
+                        <a:lstStyle/>
+                        <a:p>
+                          <a:pPr algn="ctr"/>
+                          <a:r>
+                            <a:rPr lang="en-US" sz="800" dirty="0">
+                              <a:solidFill>
+                                <a:schemeClr val="tx1"/>
+                              </a:solidFill>
+                              <a:latin typeface="Times New Roman" panose="02020603050405020304" pitchFamily="18" charset="0"/>
+                              <a:ea typeface="Consolas" charset="0"/>
+                              <a:cs typeface="Times New Roman" panose="02020603050405020304" pitchFamily="18" charset="0"/>
+                            </a:rPr>
+                            <a:t>...</a:t>
+                          </a:r>
+                        </a:p>
+                      </a:txBody>
+                      <a:tcPr marL="51435" marR="51435" marT="25718" marB="25718" anchor="ctr">
+                        <a:lnL w="12700" cmpd="sng">
+                          <a:noFill/>
+                        </a:lnL>
+                        <a:lnR w="12700" cmpd="sng">
+                          <a:noFill/>
+                        </a:lnR>
+                        <a:lnT w="12700" cmpd="sng">
+                          <a:noFill/>
+                        </a:lnT>
+                        <a:lnB w="12700" cmpd="sng">
+                          <a:noFill/>
+                        </a:lnB>
+                        <a:lnTlToBr w="12700" cmpd="sng">
+                          <a:noFill/>
+                          <a:prstDash val="solid"/>
+                        </a:lnTlToBr>
+                        <a:lnBlToTr w="12700" cmpd="sng">
+                          <a:noFill/>
+                          <a:prstDash val="solid"/>
+                        </a:lnBlToTr>
+                        <a:noFill/>
+                      </a:tcPr>
+                    </a:tc>
+                    <a:tc>
+                      <a:txBody>
+                        <a:bodyPr/>
+                        <a:lstStyle/>
+                        <a:p>
+                          <a:pPr marL="0" marR="0" lvl="0" indent="0" algn="ctr" defTabSz="914400" rtl="0" eaLnBrk="1" fontAlgn="auto" latinLnBrk="0" hangingPunct="1">
+                            <a:lnSpc>
+                              <a:spcPct val="100000"/>
+                            </a:lnSpc>
+                            <a:spcBef>
+                              <a:spcPts val="0"/>
+                            </a:spcBef>
+                            <a:spcAft>
+                              <a:spcPts val="0"/>
+                            </a:spcAft>
+                            <a:buClrTx/>
+                            <a:buSzTx/>
+                            <a:buFontTx/>
+                            <a:buNone/>
+                            <a:tabLst/>
+                            <a:defRPr/>
+                          </a:pPr>
+                          <a:r>
+                            <a:rPr lang="en-US" sz="800" dirty="0">
+                              <a:latin typeface="Times New Roman" panose="02020603050405020304" pitchFamily="18" charset="0"/>
+                              <a:ea typeface="Consolas" charset="0"/>
+                              <a:cs typeface="Times New Roman" panose="02020603050405020304" pitchFamily="18" charset="0"/>
+                            </a:rPr>
+                            <a:t>...</a:t>
+                          </a:r>
+                          <a:endParaRPr lang="en-US" sz="800" dirty="0">
+                            <a:solidFill>
+                              <a:schemeClr val="tx1"/>
+                            </a:solidFill>
+                            <a:latin typeface="Times New Roman" panose="02020603050405020304" pitchFamily="18" charset="0"/>
+                            <a:ea typeface="Consolas" charset="0"/>
+                            <a:cs typeface="Times New Roman" panose="02020603050405020304" pitchFamily="18" charset="0"/>
+                          </a:endParaRPr>
+                        </a:p>
+                      </a:txBody>
+                      <a:tcPr marL="51435" marR="51435" marT="25718" marB="25718" anchor="ctr">
+                        <a:lnL w="12700" cmpd="sng">
+                          <a:noFill/>
+                        </a:lnL>
+                        <a:lnR w="12700" cmpd="sng">
+                          <a:noFill/>
+                        </a:lnR>
+                        <a:lnT w="12700" cmpd="sng">
+                          <a:noFill/>
+                        </a:lnT>
+                        <a:lnB w="12700" cmpd="sng">
+                          <a:noFill/>
+                        </a:lnB>
+                        <a:lnTlToBr w="12700" cmpd="sng">
+                          <a:noFill/>
+                          <a:prstDash val="solid"/>
+                        </a:lnTlToBr>
+                        <a:lnBlToTr w="12700" cmpd="sng">
+                          <a:noFill/>
+                          <a:prstDash val="solid"/>
+                        </a:lnBlToTr>
+                        <a:noFill/>
+                      </a:tcPr>
+                    </a:tc>
+                    <a:extLst>
+                      <a:ext uri="{0D108BD9-81ED-4DB2-BD59-A6C34878D82A}">
+                        <a16:rowId xmlns:a16="http://schemas.microsoft.com/office/drawing/2014/main" val="10005"/>
+                      </a:ext>
+                    </a:extLst>
+                  </a:tr>
+                  <a:tr h="295276">
+                    <a:tc>
+                      <a:txBody>
+                        <a:bodyPr/>
+                        <a:lstStyle/>
+                        <a:p>
+                          <a:pPr algn="ctr"/>
+                          <a:r>
+                            <a:rPr lang="en-US" sz="800" dirty="0">
+                              <a:solidFill>
+                                <a:schemeClr val="tx1"/>
+                              </a:solidFill>
+                              <a:latin typeface="Times New Roman" panose="02020603050405020304" pitchFamily="18" charset="0"/>
+                              <a:ea typeface="Consolas" charset="0"/>
+                              <a:cs typeface="Times New Roman" panose="02020603050405020304" pitchFamily="18" charset="0"/>
+                            </a:rPr>
+                            <a:t>n</a:t>
+                          </a:r>
+                        </a:p>
+                      </a:txBody>
+                      <a:tcPr marL="51435" marR="51435" marT="25718" marB="25718" anchor="ctr">
+                        <a:lnL w="12700" cmpd="sng">
+                          <a:noFill/>
+                        </a:lnL>
+                        <a:lnR w="12700" cmpd="sng">
+                          <a:noFill/>
+                        </a:lnR>
+                        <a:lnT w="12700" cmpd="sng">
+                          <a:noFill/>
+                        </a:lnT>
+                        <a:lnB w="12700" cmpd="sng">
+                          <a:noFill/>
+                        </a:lnB>
+                        <a:lnTlToBr w="12700" cmpd="sng">
+                          <a:noFill/>
+                          <a:prstDash val="solid"/>
+                        </a:lnTlToBr>
+                        <a:lnBlToTr w="12700" cmpd="sng">
+                          <a:noFill/>
+                          <a:prstDash val="solid"/>
+                        </a:lnBlToTr>
+                        <a:noFill/>
+                      </a:tcPr>
+                    </a:tc>
+                    <a:tc>
+                      <a:txBody>
+                        <a:bodyPr/>
+                        <a:lstStyle/>
+                        <a:p>
+                          <a:endParaRPr lang="de-DE"/>
+                        </a:p>
+                      </a:txBody>
+                      <a:tcPr marL="51435" marR="51435" marT="25718" marB="25718" anchor="ctr">
+                        <a:lnL w="12700" cmpd="sng">
+                          <a:noFill/>
+                        </a:lnL>
+                        <a:lnR w="12700" cmpd="sng">
+                          <a:noFill/>
+                        </a:lnR>
+                        <a:lnT w="12700" cmpd="sng">
+                          <a:noFill/>
+                        </a:lnT>
+                        <a:lnB w="12700" cmpd="sng">
+                          <a:noFill/>
+                        </a:lnB>
+                        <a:lnTlToBr w="12700" cmpd="sng">
+                          <a:noFill/>
+                          <a:prstDash val="solid"/>
+                        </a:lnTlToBr>
+                        <a:lnBlToTr w="12700" cmpd="sng">
+                          <a:noFill/>
+                          <a:prstDash val="solid"/>
+                        </a:lnBlToTr>
+                        <a:blipFill>
+                          <a:blip r:embed="rId2"/>
+                          <a:stretch>
+                            <a:fillRect l="-17172" t="-269565" r="1010" b="-8696"/>
+                          </a:stretch>
+                        </a:blipFill>
+                      </a:tcPr>
+                    </a:tc>
+                    <a:extLst>
+                      <a:ext uri="{0D108BD9-81ED-4DB2-BD59-A6C34878D82A}">
+                        <a16:rowId xmlns:a16="http://schemas.microsoft.com/office/drawing/2014/main" val="10009"/>
+                      </a:ext>
+                    </a:extLst>
+                  </a:tr>
+                </a:tbl>
+              </a:graphicData>
+            </a:graphic>
+          </p:graphicFrame>
+        </mc:Fallback>
+      </mc:AlternateContent>
+      <p:sp>
+        <p:nvSpPr>
+          <p:cNvPr id="136" name="TextBox 135">
+            <a:extLst>
+              <a:ext uri="{FF2B5EF4-FFF2-40B4-BE49-F238E27FC236}">
+                <a16:creationId xmlns:a16="http://schemas.microsoft.com/office/drawing/2014/main" id="{F27319E2-B42B-4AA6-82DA-560BA972D60B}"/>
+              </a:ext>
+            </a:extLst>
+          </p:cNvPr>
+          <p:cNvSpPr txBox="1"/>
+          <p:nvPr/>
+        </p:nvSpPr>
+        <p:spPr>
+          <a:xfrm>
+            <a:off x="4959956" y="869149"/>
+            <a:ext cx="1374964" cy="230832"/>
+          </a:xfrm>
+          <a:prstGeom prst="rect">
+            <a:avLst/>
+          </a:prstGeom>
+          <a:noFill/>
+        </p:spPr>
+        <p:txBody>
+          <a:bodyPr wrap="square" rtlCol="0">
+            <a:spAutoFit/>
+          </a:bodyPr>
+          <a:lstStyle/>
+          <a:p>
+            <a:pPr algn="ctr"/>
+            <a:r>
+              <a:rPr lang="en-US" sz="900" dirty="0">
+                <a:latin typeface="Times New Roman" panose="02020603050405020304" pitchFamily="18" charset="0"/>
+                <a:ea typeface="Consolas" charset="0"/>
+                <a:cs typeface="Times New Roman" panose="02020603050405020304" pitchFamily="18" charset="0"/>
+              </a:rPr>
+              <a:t>Matched templates</a:t>
+            </a:r>
+          </a:p>
+        </p:txBody>
+      </p:sp>
+      <p:sp>
+        <p:nvSpPr>
+          <p:cNvPr id="137" name="Rounded Rectangle 114">
+            <a:extLst>
+              <a:ext uri="{FF2B5EF4-FFF2-40B4-BE49-F238E27FC236}">
+                <a16:creationId xmlns:a16="http://schemas.microsoft.com/office/drawing/2014/main" id="{A8ABF011-4EFE-4433-8A09-17B5BC2B5442}"/>
+              </a:ext>
+            </a:extLst>
+          </p:cNvPr>
+          <p:cNvSpPr/>
+          <p:nvPr/>
+        </p:nvSpPr>
+        <p:spPr>
+          <a:xfrm>
+            <a:off x="4948565" y="869149"/>
+            <a:ext cx="1427356" cy="1249120"/>
           </a:xfrm>
           <a:prstGeom prst="roundRect">
             <a:avLst/>
@@ -3251,379 +7114,23 @@
           </a:fontRef>
         </p:style>
         <p:txBody>
-          <a:bodyPr rot="0" spcFirstLastPara="0" vertOverflow="overflow" horzOverflow="overflow" vert="horz" wrap="square" lIns="91440" tIns="45720" rIns="91440" bIns="45720" numCol="1" spcCol="0" rtlCol="0" fromWordArt="0" anchor="ctr" anchorCtr="0" forceAA="0" compatLnSpc="1">
-            <a:prstTxWarp prst="textNoShape">
-              <a:avLst/>
-            </a:prstTxWarp>
-            <a:noAutofit/>
-          </a:bodyPr>
+          <a:bodyPr rtlCol="0" anchor="ctr"/>
           <a:lstStyle/>
           <a:p>
             <a:pPr algn="ctr"/>
-            <a:r>
-              <a:rPr lang="de-DE" sz="1600">
-                <a:solidFill>
-                  <a:schemeClr val="tx1"/>
-                </a:solidFill>
-                <a:cs typeface="Times New Roman" panose="02020603050405020304" pitchFamily="18" charset="0"/>
-              </a:rPr>
-              <a:t>Terminating instance time</a:t>
-            </a:r>
-          </a:p>
-        </p:txBody>
-      </p:sp>
-      <p:sp>
-        <p:nvSpPr>
-          <p:cNvPr id="13" name="Rounded Rectangle 12">
+            <a:endParaRPr lang="en-US" sz="1050">
+              <a:latin typeface="Times New Roman" panose="02020603050405020304" pitchFamily="18" charset="0"/>
+              <a:cs typeface="Times New Roman" panose="02020603050405020304" pitchFamily="18" charset="0"/>
+            </a:endParaRPr>
+          </a:p>
+        </p:txBody>
+      </p:sp>
+      <p:cxnSp>
+        <p:nvCxnSpPr>
+          <p:cNvPr id="138" name="Straight Connector 137">
             <a:extLst>
               <a:ext uri="{FF2B5EF4-FFF2-40B4-BE49-F238E27FC236}">
-                <a16:creationId xmlns:a16="http://schemas.microsoft.com/office/drawing/2014/main" id="{62A7EE92-A146-7A4F-98EC-53C4C294FC09}"/>
-              </a:ext>
-            </a:extLst>
-          </p:cNvPr>
-          <p:cNvSpPr/>
-          <p:nvPr/>
-        </p:nvSpPr>
-        <p:spPr>
-          <a:xfrm>
-            <a:off x="5216375" y="143191"/>
-            <a:ext cx="2913321" cy="520995"/>
-          </a:xfrm>
-          <a:prstGeom prst="roundRect">
-            <a:avLst/>
-          </a:prstGeom>
-          <a:noFill/>
-          <a:ln>
-            <a:solidFill>
-              <a:schemeClr val="tx1"/>
-            </a:solidFill>
-          </a:ln>
-        </p:spPr>
-        <p:style>
-          <a:lnRef idx="2">
-            <a:schemeClr val="accent1">
-              <a:shade val="50000"/>
-            </a:schemeClr>
-          </a:lnRef>
-          <a:fillRef idx="1">
-            <a:schemeClr val="accent1"/>
-          </a:fillRef>
-          <a:effectRef idx="0">
-            <a:schemeClr val="accent1"/>
-          </a:effectRef>
-          <a:fontRef idx="minor">
-            <a:schemeClr val="lt1"/>
-          </a:fontRef>
-        </p:style>
-        <p:txBody>
-          <a:bodyPr rot="0" spcFirstLastPara="0" vertOverflow="overflow" horzOverflow="overflow" vert="horz" wrap="square" lIns="91440" tIns="45720" rIns="91440" bIns="45720" numCol="1" spcCol="0" rtlCol="0" fromWordArt="0" anchor="ctr" anchorCtr="0" forceAA="0" compatLnSpc="1">
-            <a:prstTxWarp prst="textNoShape">
-              <a:avLst/>
-            </a:prstTxWarp>
-            <a:noAutofit/>
-          </a:bodyPr>
-          <a:lstStyle/>
-          <a:p>
-            <a:r>
-              <a:rPr lang="de-DE" sz="1600">
-                <a:solidFill>
-                  <a:schemeClr val="tx1"/>
-                </a:solidFill>
-                <a:cs typeface="Times New Roman" panose="02020603050405020304" pitchFamily="18" charset="0"/>
-              </a:rPr>
-              <a:t>1         Deleting instance files </a:t>
-            </a:r>
-          </a:p>
-        </p:txBody>
-      </p:sp>
-      <p:sp>
-        <p:nvSpPr>
-          <p:cNvPr id="14" name="Rounded Rectangle 13">
-            <a:extLst>
-              <a:ext uri="{FF2B5EF4-FFF2-40B4-BE49-F238E27FC236}">
-                <a16:creationId xmlns:a16="http://schemas.microsoft.com/office/drawing/2014/main" id="{1A8ED852-A625-0549-B6EE-A0E930B0DF05}"/>
-              </a:ext>
-            </a:extLst>
-          </p:cNvPr>
-          <p:cNvSpPr/>
-          <p:nvPr/>
-        </p:nvSpPr>
-        <p:spPr>
-          <a:xfrm>
-            <a:off x="5216369" y="4467107"/>
-            <a:ext cx="2913321" cy="520995"/>
-          </a:xfrm>
-          <a:prstGeom prst="roundRect">
-            <a:avLst/>
-          </a:prstGeom>
-          <a:noFill/>
-          <a:ln>
-            <a:solidFill>
-              <a:schemeClr val="tx1"/>
-            </a:solidFill>
-          </a:ln>
-        </p:spPr>
-        <p:style>
-          <a:lnRef idx="2">
-            <a:schemeClr val="accent1">
-              <a:shade val="50000"/>
-            </a:schemeClr>
-          </a:lnRef>
-          <a:fillRef idx="1">
-            <a:schemeClr val="accent1"/>
-          </a:fillRef>
-          <a:effectRef idx="0">
-            <a:schemeClr val="accent1"/>
-          </a:effectRef>
-          <a:fontRef idx="minor">
-            <a:schemeClr val="lt1"/>
-          </a:fontRef>
-        </p:style>
-        <p:txBody>
-          <a:bodyPr rot="0" spcFirstLastPara="0" vertOverflow="overflow" horzOverflow="overflow" vert="horz" wrap="square" lIns="91440" tIns="45720" rIns="91440" bIns="45720" numCol="1" spcCol="0" rtlCol="0" fromWordArt="0" anchor="ctr" anchorCtr="0" forceAA="0" compatLnSpc="1">
-            <a:prstTxWarp prst="textNoShape">
-              <a:avLst/>
-            </a:prstTxWarp>
-            <a:noAutofit/>
-          </a:bodyPr>
-          <a:lstStyle/>
-          <a:p>
-            <a:r>
-              <a:rPr lang="de-DE" sz="1600">
-                <a:solidFill>
-                  <a:schemeClr val="tx1"/>
-                </a:solidFill>
-                <a:cs typeface="Times New Roman" panose="02020603050405020304" pitchFamily="18" charset="0"/>
-              </a:rPr>
-              <a:t>4          Deletion of complete</a:t>
-            </a:r>
-          </a:p>
-        </p:txBody>
-      </p:sp>
-      <p:sp>
-        <p:nvSpPr>
-          <p:cNvPr id="16" name="Rounded Rectangle 15">
-            <a:extLst>
-              <a:ext uri="{FF2B5EF4-FFF2-40B4-BE49-F238E27FC236}">
-                <a16:creationId xmlns:a16="http://schemas.microsoft.com/office/drawing/2014/main" id="{26E7543D-A0FF-2648-BB9B-067446D4BC8C}"/>
-              </a:ext>
-            </a:extLst>
-          </p:cNvPr>
-          <p:cNvSpPr/>
-          <p:nvPr/>
-        </p:nvSpPr>
-        <p:spPr>
-          <a:xfrm>
-            <a:off x="5216374" y="1007969"/>
-            <a:ext cx="2913321" cy="520995"/>
-          </a:xfrm>
-          <a:prstGeom prst="roundRect">
-            <a:avLst/>
-          </a:prstGeom>
-          <a:noFill/>
-          <a:ln>
-            <a:solidFill>
-              <a:schemeClr val="tx1"/>
-            </a:solidFill>
-          </a:ln>
-        </p:spPr>
-        <p:style>
-          <a:lnRef idx="2">
-            <a:schemeClr val="accent1">
-              <a:shade val="50000"/>
-            </a:schemeClr>
-          </a:lnRef>
-          <a:fillRef idx="1">
-            <a:schemeClr val="accent1"/>
-          </a:fillRef>
-          <a:effectRef idx="0">
-            <a:schemeClr val="accent1"/>
-          </a:effectRef>
-          <a:fontRef idx="minor">
-            <a:schemeClr val="lt1"/>
-          </a:fontRef>
-        </p:style>
-        <p:txBody>
-          <a:bodyPr rot="0" spcFirstLastPara="0" vertOverflow="overflow" horzOverflow="overflow" vert="horz" wrap="square" lIns="91440" tIns="45720" rIns="91440" bIns="45720" numCol="1" spcCol="0" rtlCol="0" fromWordArt="0" anchor="ctr" anchorCtr="0" forceAA="0" compatLnSpc="1">
-            <a:prstTxWarp prst="textNoShape">
-              <a:avLst/>
-            </a:prstTxWarp>
-            <a:noAutofit/>
-          </a:bodyPr>
-          <a:lstStyle/>
-          <a:p>
-            <a:r>
-              <a:rPr lang="de-DE" sz="1600">
-                <a:solidFill>
-                  <a:schemeClr val="tx1"/>
-                </a:solidFill>
-                <a:cs typeface="Times New Roman" panose="02020603050405020304" pitchFamily="18" charset="0"/>
-              </a:rPr>
-              <a:t>2           VM  Lifecycle Event</a:t>
-            </a:r>
-          </a:p>
-        </p:txBody>
-      </p:sp>
-      <p:sp>
-        <p:nvSpPr>
-          <p:cNvPr id="17" name="Rounded Rectangle 16">
-            <a:extLst>
-              <a:ext uri="{FF2B5EF4-FFF2-40B4-BE49-F238E27FC236}">
-                <a16:creationId xmlns:a16="http://schemas.microsoft.com/office/drawing/2014/main" id="{582F756B-1137-4F4E-832D-ADE40FB1F61B}"/>
-              </a:ext>
-            </a:extLst>
-          </p:cNvPr>
-          <p:cNvSpPr/>
-          <p:nvPr/>
-        </p:nvSpPr>
-        <p:spPr>
-          <a:xfrm>
-            <a:off x="5216374" y="2726004"/>
-            <a:ext cx="2913321" cy="520995"/>
-          </a:xfrm>
-          <a:prstGeom prst="roundRect">
-            <a:avLst/>
-          </a:prstGeom>
-          <a:noFill/>
-          <a:ln>
-            <a:solidFill>
-              <a:schemeClr val="tx1"/>
-            </a:solidFill>
-          </a:ln>
-        </p:spPr>
-        <p:style>
-          <a:lnRef idx="2">
-            <a:schemeClr val="accent1">
-              <a:shade val="50000"/>
-            </a:schemeClr>
-          </a:lnRef>
-          <a:fillRef idx="1">
-            <a:schemeClr val="accent1"/>
-          </a:fillRef>
-          <a:effectRef idx="0">
-            <a:schemeClr val="accent1"/>
-          </a:effectRef>
-          <a:fontRef idx="minor">
-            <a:schemeClr val="lt1"/>
-          </a:fontRef>
-        </p:style>
-        <p:txBody>
-          <a:bodyPr rot="0" spcFirstLastPara="0" vertOverflow="overflow" horzOverflow="overflow" vert="horz" wrap="square" lIns="91440" tIns="45720" rIns="91440" bIns="45720" numCol="1" spcCol="0" rtlCol="0" fromWordArt="0" anchor="ctr" anchorCtr="0" forceAA="0" compatLnSpc="1">
-            <a:prstTxWarp prst="textNoShape">
-              <a:avLst/>
-            </a:prstTxWarp>
-            <a:noAutofit/>
-          </a:bodyPr>
-          <a:lstStyle/>
-          <a:p>
-            <a:r>
-              <a:rPr lang="de-DE" sz="1600">
-                <a:solidFill>
-                  <a:schemeClr val="tx1"/>
-                </a:solidFill>
-                <a:cs typeface="Times New Roman" panose="02020603050405020304" pitchFamily="18" charset="0"/>
-              </a:rPr>
-              <a:t>3          Terminating instance</a:t>
-            </a:r>
-          </a:p>
-        </p:txBody>
-      </p:sp>
-      <p:cxnSp>
-        <p:nvCxnSpPr>
-          <p:cNvPr id="19" name="Straight Arrow Connector 18">
-            <a:extLst>
-              <a:ext uri="{FF2B5EF4-FFF2-40B4-BE49-F238E27FC236}">
-                <a16:creationId xmlns:a16="http://schemas.microsoft.com/office/drawing/2014/main" id="{3F8AAE33-D66B-0F4D-AC6C-829B07C1212E}"/>
-              </a:ext>
-            </a:extLst>
-          </p:cNvPr>
-          <p:cNvCxnSpPr>
-            <a:stCxn id="4" idx="3"/>
-            <a:endCxn id="13" idx="1"/>
-          </p:cNvCxnSpPr>
-          <p:nvPr/>
-        </p:nvCxnSpPr>
-        <p:spPr>
-          <a:xfrm>
-            <a:off x="3426553" y="403683"/>
-            <a:ext cx="1789816" cy="0"/>
-          </a:xfrm>
-          <a:prstGeom prst="straightConnector1">
-            <a:avLst/>
-          </a:prstGeom>
-          <a:ln>
-            <a:solidFill>
-              <a:schemeClr val="tx1"/>
-            </a:solidFill>
-            <a:tailEnd type="triangle"/>
-          </a:ln>
-        </p:spPr>
-        <p:style>
-          <a:lnRef idx="1">
-            <a:schemeClr val="accent1"/>
-          </a:lnRef>
-          <a:fillRef idx="0">
-            <a:schemeClr val="accent1"/>
-          </a:fillRef>
-          <a:effectRef idx="0">
-            <a:schemeClr val="accent1"/>
-          </a:effectRef>
-          <a:fontRef idx="minor">
-            <a:schemeClr val="tx1"/>
-          </a:fontRef>
-        </p:style>
-      </p:cxnSp>
-      <p:cxnSp>
-        <p:nvCxnSpPr>
-          <p:cNvPr id="21" name="Straight Arrow Connector 20">
-            <a:extLst>
-              <a:ext uri="{FF2B5EF4-FFF2-40B4-BE49-F238E27FC236}">
-                <a16:creationId xmlns:a16="http://schemas.microsoft.com/office/drawing/2014/main" id="{544E440D-186C-2E4C-95AE-A9EEA5C593F1}"/>
-              </a:ext>
-            </a:extLst>
-          </p:cNvPr>
-          <p:cNvCxnSpPr>
-            <a:stCxn id="7" idx="3"/>
-            <a:endCxn id="16" idx="1"/>
-          </p:cNvCxnSpPr>
-          <p:nvPr/>
-        </p:nvCxnSpPr>
-        <p:spPr>
-          <a:xfrm flipV="1">
-            <a:off x="3426557" y="1268467"/>
-            <a:ext cx="1789817" cy="3"/>
-          </a:xfrm>
-          <a:prstGeom prst="straightConnector1">
-            <a:avLst/>
-          </a:prstGeom>
-          <a:ln>
-            <a:solidFill>
-              <a:schemeClr val="tx1"/>
-            </a:solidFill>
-            <a:tailEnd type="triangle"/>
-          </a:ln>
-        </p:spPr>
-        <p:style>
-          <a:lnRef idx="1">
-            <a:schemeClr val="accent1"/>
-          </a:lnRef>
-          <a:fillRef idx="0">
-            <a:schemeClr val="accent1"/>
-          </a:fillRef>
-          <a:effectRef idx="0">
-            <a:schemeClr val="accent1"/>
-          </a:effectRef>
-          <a:fontRef idx="minor">
-            <a:schemeClr val="tx1"/>
-          </a:fontRef>
-        </p:style>
-      </p:cxnSp>
-      <p:cxnSp>
-        <p:nvCxnSpPr>
-          <p:cNvPr id="23" name="Straight Arrow Connector 22">
-            <a:extLst>
-              <a:ext uri="{FF2B5EF4-FFF2-40B4-BE49-F238E27FC236}">
-                <a16:creationId xmlns:a16="http://schemas.microsoft.com/office/drawing/2014/main" id="{EC177F53-3220-314B-B082-723785993718}"/>
+                <a16:creationId xmlns:a16="http://schemas.microsoft.com/office/drawing/2014/main" id="{761CF3B2-8623-406B-8D22-A2F365430627}"/>
               </a:ext>
             </a:extLst>
           </p:cNvPr>
@@ -3633,146 +7140,14 @@
           <p:nvPr/>
         </p:nvCxnSpPr>
         <p:spPr>
-          <a:xfrm flipV="1">
-            <a:off x="3426552" y="1329070"/>
-            <a:ext cx="1783401" cy="787549"/>
-          </a:xfrm>
-          <a:prstGeom prst="straightConnector1">
-            <a:avLst/>
-          </a:prstGeom>
-          <a:ln>
-            <a:solidFill>
-              <a:schemeClr val="tx1"/>
-            </a:solidFill>
-            <a:tailEnd type="triangle"/>
-          </a:ln>
-        </p:spPr>
-        <p:style>
-          <a:lnRef idx="1">
-            <a:schemeClr val="accent1"/>
-          </a:lnRef>
-          <a:fillRef idx="0">
-            <a:schemeClr val="accent1"/>
-          </a:fillRef>
-          <a:effectRef idx="0">
-            <a:schemeClr val="accent1"/>
-          </a:effectRef>
-          <a:fontRef idx="minor">
-            <a:schemeClr val="tx1"/>
-          </a:fontRef>
-        </p:style>
-      </p:cxnSp>
-      <p:cxnSp>
-        <p:nvCxnSpPr>
-          <p:cNvPr id="25" name="Straight Arrow Connector 24">
-            <a:extLst>
-              <a:ext uri="{FF2B5EF4-FFF2-40B4-BE49-F238E27FC236}">
-                <a16:creationId xmlns:a16="http://schemas.microsoft.com/office/drawing/2014/main" id="{4D51D452-74ED-9F40-BFED-A99FC6641CFC}"/>
-              </a:ext>
-            </a:extLst>
-          </p:cNvPr>
-          <p:cNvCxnSpPr>
-            <a:stCxn id="12" idx="3"/>
-            <a:endCxn id="17" idx="1"/>
-          </p:cNvCxnSpPr>
-          <p:nvPr/>
-        </p:nvCxnSpPr>
-        <p:spPr>
-          <a:xfrm flipV="1">
-            <a:off x="3426552" y="2986496"/>
-            <a:ext cx="1789816" cy="11528"/>
-          </a:xfrm>
-          <a:prstGeom prst="straightConnector1">
-            <a:avLst/>
-          </a:prstGeom>
-          <a:ln>
-            <a:solidFill>
-              <a:schemeClr val="tx1"/>
-            </a:solidFill>
-            <a:tailEnd type="triangle"/>
-          </a:ln>
-        </p:spPr>
-        <p:style>
-          <a:lnRef idx="1">
-            <a:schemeClr val="accent1"/>
-          </a:lnRef>
-          <a:fillRef idx="0">
-            <a:schemeClr val="accent1"/>
-          </a:fillRef>
-          <a:effectRef idx="0">
-            <a:schemeClr val="accent1"/>
-          </a:effectRef>
-          <a:fontRef idx="minor">
-            <a:schemeClr val="tx1"/>
-          </a:fontRef>
-        </p:style>
-      </p:cxnSp>
-      <p:cxnSp>
-        <p:nvCxnSpPr>
-          <p:cNvPr id="27" name="Straight Arrow Connector 26">
-            <a:extLst>
-              <a:ext uri="{FF2B5EF4-FFF2-40B4-BE49-F238E27FC236}">
-                <a16:creationId xmlns:a16="http://schemas.microsoft.com/office/drawing/2014/main" id="{1FD1A3D6-6BBD-7D43-A602-3919BB709F19}"/>
-              </a:ext>
-            </a:extLst>
-          </p:cNvPr>
-          <p:cNvCxnSpPr>
-            <a:cxnSpLocks/>
-            <a:stCxn id="5" idx="3"/>
-          </p:cNvCxnSpPr>
-          <p:nvPr/>
-        </p:nvCxnSpPr>
-        <p:spPr>
-          <a:xfrm flipV="1">
-            <a:off x="3426558" y="3062177"/>
-            <a:ext cx="1794028" cy="800632"/>
-          </a:xfrm>
-          <a:prstGeom prst="straightConnector1">
-            <a:avLst/>
-          </a:prstGeom>
-          <a:ln>
-            <a:solidFill>
-              <a:schemeClr val="tx1"/>
-            </a:solidFill>
-            <a:tailEnd type="triangle"/>
-          </a:ln>
-        </p:spPr>
-        <p:style>
-          <a:lnRef idx="1">
-            <a:schemeClr val="accent1"/>
-          </a:lnRef>
-          <a:fillRef idx="0">
-            <a:schemeClr val="accent1"/>
-          </a:fillRef>
-          <a:effectRef idx="0">
-            <a:schemeClr val="accent1"/>
-          </a:effectRef>
-          <a:fontRef idx="minor">
-            <a:schemeClr val="tx1"/>
-          </a:fontRef>
-        </p:style>
-      </p:cxnSp>
-      <p:cxnSp>
-        <p:nvCxnSpPr>
-          <p:cNvPr id="37" name="Straight Connector 36">
-            <a:extLst>
-              <a:ext uri="{FF2B5EF4-FFF2-40B4-BE49-F238E27FC236}">
-                <a16:creationId xmlns:a16="http://schemas.microsoft.com/office/drawing/2014/main" id="{A2A11B7A-4AF7-5648-934E-9B9A46BE4136}"/>
-              </a:ext>
-            </a:extLst>
-          </p:cNvPr>
-          <p:cNvCxnSpPr/>
-          <p:nvPr/>
-        </p:nvCxnSpPr>
-        <p:spPr>
-          <a:xfrm>
-            <a:off x="5553065" y="143191"/>
-            <a:ext cx="0" cy="520995"/>
+          <a:xfrm flipH="1">
+            <a:off x="4951702" y="1059085"/>
+            <a:ext cx="1397746" cy="0"/>
           </a:xfrm>
           <a:prstGeom prst="line">
             <a:avLst/>
           </a:prstGeom>
-          <a:ln>
+          <a:ln w="12700">
             <a:solidFill>
               <a:schemeClr val="tx1"/>
             </a:solidFill>
@@ -3795,25 +7170,27 @@
       </p:cxnSp>
       <p:cxnSp>
         <p:nvCxnSpPr>
-          <p:cNvPr id="39" name="Straight Connector 38">
+          <p:cNvPr id="139" name="Straight Connector 138">
             <a:extLst>
               <a:ext uri="{FF2B5EF4-FFF2-40B4-BE49-F238E27FC236}">
-                <a16:creationId xmlns:a16="http://schemas.microsoft.com/office/drawing/2014/main" id="{C62D9F21-2984-E24F-9B39-703B90B3F4AC}"/>
+                <a16:creationId xmlns:a16="http://schemas.microsoft.com/office/drawing/2014/main" id="{33D20B71-0D60-474E-A2FD-E069A0DCB537}"/>
               </a:ext>
             </a:extLst>
           </p:cNvPr>
-          <p:cNvCxnSpPr/>
+          <p:cNvCxnSpPr>
+            <a:cxnSpLocks/>
+          </p:cNvCxnSpPr>
           <p:nvPr/>
         </p:nvCxnSpPr>
         <p:spPr>
-          <a:xfrm>
-            <a:off x="5553065" y="1007969"/>
-            <a:ext cx="0" cy="520995"/>
+          <a:xfrm flipV="1">
+            <a:off x="5181245" y="1059087"/>
+            <a:ext cx="0" cy="1059182"/>
           </a:xfrm>
           <a:prstGeom prst="line">
             <a:avLst/>
           </a:prstGeom>
-          <a:ln>
+          <a:ln w="12700">
             <a:solidFill>
               <a:schemeClr val="tx1"/>
             </a:solidFill>
@@ -3834,453 +7211,10 @@
           </a:fontRef>
         </p:style>
       </p:cxnSp>
-      <p:cxnSp>
-        <p:nvCxnSpPr>
-          <p:cNvPr id="41" name="Straight Connector 40">
-            <a:extLst>
-              <a:ext uri="{FF2B5EF4-FFF2-40B4-BE49-F238E27FC236}">
-                <a16:creationId xmlns:a16="http://schemas.microsoft.com/office/drawing/2014/main" id="{E81FE00D-C731-7748-A484-AF8A485A7A7F}"/>
-              </a:ext>
-            </a:extLst>
-          </p:cNvPr>
-          <p:cNvCxnSpPr/>
-          <p:nvPr/>
-        </p:nvCxnSpPr>
-        <p:spPr>
-          <a:xfrm>
-            <a:off x="5553065" y="4467090"/>
-            <a:ext cx="0" cy="520995"/>
-          </a:xfrm>
-          <a:prstGeom prst="line">
-            <a:avLst/>
-          </a:prstGeom>
-          <a:ln>
-            <a:solidFill>
-              <a:schemeClr val="tx1"/>
-            </a:solidFill>
-          </a:ln>
-        </p:spPr>
-        <p:style>
-          <a:lnRef idx="1">
-            <a:schemeClr val="accent1"/>
-          </a:lnRef>
-          <a:fillRef idx="0">
-            <a:schemeClr val="accent1"/>
-          </a:fillRef>
-          <a:effectRef idx="0">
-            <a:schemeClr val="accent1"/>
-          </a:effectRef>
-          <a:fontRef idx="minor">
-            <a:schemeClr val="tx1"/>
-          </a:fontRef>
-        </p:style>
-      </p:cxnSp>
-      <p:cxnSp>
-        <p:nvCxnSpPr>
-          <p:cNvPr id="42" name="Straight Connector 41">
-            <a:extLst>
-              <a:ext uri="{FF2B5EF4-FFF2-40B4-BE49-F238E27FC236}">
-                <a16:creationId xmlns:a16="http://schemas.microsoft.com/office/drawing/2014/main" id="{65FF1656-5427-104B-9072-E209A908905C}"/>
-              </a:ext>
-            </a:extLst>
-          </p:cNvPr>
-          <p:cNvCxnSpPr/>
-          <p:nvPr/>
-        </p:nvCxnSpPr>
-        <p:spPr>
-          <a:xfrm>
-            <a:off x="5556609" y="2730447"/>
-            <a:ext cx="0" cy="520995"/>
-          </a:xfrm>
-          <a:prstGeom prst="line">
-            <a:avLst/>
-          </a:prstGeom>
-          <a:ln>
-            <a:solidFill>
-              <a:schemeClr val="tx1"/>
-            </a:solidFill>
-          </a:ln>
-        </p:spPr>
-        <p:style>
-          <a:lnRef idx="1">
-            <a:schemeClr val="accent1"/>
-          </a:lnRef>
-          <a:fillRef idx="0">
-            <a:schemeClr val="accent1"/>
-          </a:fillRef>
-          <a:effectRef idx="0">
-            <a:schemeClr val="accent1"/>
-          </a:effectRef>
-          <a:fontRef idx="minor">
-            <a:schemeClr val="tx1"/>
-          </a:fontRef>
-        </p:style>
-      </p:cxnSp>
-      <p:sp>
-        <p:nvSpPr>
-          <p:cNvPr id="43" name="Rounded Rectangle 42">
-            <a:extLst>
-              <a:ext uri="{FF2B5EF4-FFF2-40B4-BE49-F238E27FC236}">
-                <a16:creationId xmlns:a16="http://schemas.microsoft.com/office/drawing/2014/main" id="{F17C6B87-8788-4844-8904-43D4F3503E7D}"/>
-              </a:ext>
-            </a:extLst>
-          </p:cNvPr>
-          <p:cNvSpPr/>
-          <p:nvPr/>
-        </p:nvSpPr>
-        <p:spPr>
-          <a:xfrm>
-            <a:off x="513236" y="5320342"/>
-            <a:ext cx="2913321" cy="520995"/>
-          </a:xfrm>
-          <a:prstGeom prst="roundRect">
-            <a:avLst/>
-          </a:prstGeom>
-          <a:noFill/>
-          <a:ln>
-            <a:solidFill>
-              <a:schemeClr val="tx1"/>
-            </a:solidFill>
-          </a:ln>
-        </p:spPr>
-        <p:style>
-          <a:lnRef idx="2">
-            <a:schemeClr val="accent1">
-              <a:shade val="50000"/>
-            </a:schemeClr>
-          </a:lnRef>
-          <a:fillRef idx="1">
-            <a:schemeClr val="accent1"/>
-          </a:fillRef>
-          <a:effectRef idx="0">
-            <a:schemeClr val="accent1"/>
-          </a:effectRef>
-          <a:fontRef idx="minor">
-            <a:schemeClr val="lt1"/>
-          </a:fontRef>
-        </p:style>
-        <p:txBody>
-          <a:bodyPr rot="0" spcFirstLastPara="0" vertOverflow="overflow" horzOverflow="overflow" vert="horz" wrap="square" lIns="91440" tIns="45720" rIns="91440" bIns="45720" numCol="1" spcCol="0" rtlCol="0" fromWordArt="0" anchor="ctr" anchorCtr="0" forceAA="0" compatLnSpc="1">
-            <a:prstTxWarp prst="textNoShape">
-              <a:avLst/>
-            </a:prstTxWarp>
-            <a:noAutofit/>
-          </a:bodyPr>
-          <a:lstStyle/>
-          <a:p>
-            <a:pPr algn="ctr"/>
-            <a:r>
-              <a:rPr lang="de-DE" sz="1600">
-                <a:solidFill>
-                  <a:schemeClr val="tx1"/>
-                </a:solidFill>
-                <a:cs typeface="Times New Roman" panose="02020603050405020304" pitchFamily="18" charset="0"/>
-              </a:rPr>
-              <a:t>System restarted</a:t>
-            </a:r>
-          </a:p>
-        </p:txBody>
-      </p:sp>
-      <p:cxnSp>
-        <p:nvCxnSpPr>
-          <p:cNvPr id="45" name="Straight Arrow Connector 44">
-            <a:extLst>
-              <a:ext uri="{FF2B5EF4-FFF2-40B4-BE49-F238E27FC236}">
-                <a16:creationId xmlns:a16="http://schemas.microsoft.com/office/drawing/2014/main" id="{C6550457-6D6F-8344-9D66-6E4DBD346B3C}"/>
-              </a:ext>
-            </a:extLst>
-          </p:cNvPr>
-          <p:cNvCxnSpPr>
-            <a:stCxn id="43" idx="3"/>
-          </p:cNvCxnSpPr>
-          <p:nvPr/>
-        </p:nvCxnSpPr>
-        <p:spPr>
-          <a:xfrm flipV="1">
-            <a:off x="3426557" y="5580839"/>
-            <a:ext cx="1830573" cy="1"/>
-          </a:xfrm>
-          <a:prstGeom prst="straightConnector1">
-            <a:avLst/>
-          </a:prstGeom>
-          <a:ln>
-            <a:solidFill>
-              <a:schemeClr val="tx1"/>
-            </a:solidFill>
-            <a:prstDash val="solid"/>
-            <a:tailEnd type="triangle"/>
-          </a:ln>
-        </p:spPr>
-        <p:style>
-          <a:lnRef idx="1">
-            <a:schemeClr val="accent1"/>
-          </a:lnRef>
-          <a:fillRef idx="0">
-            <a:schemeClr val="accent1"/>
-          </a:fillRef>
-          <a:effectRef idx="0">
-            <a:schemeClr val="accent1"/>
-          </a:effectRef>
-          <a:fontRef idx="minor">
-            <a:schemeClr val="tx1"/>
-          </a:fontRef>
-        </p:style>
-      </p:cxnSp>
-      <p:sp>
-        <p:nvSpPr>
-          <p:cNvPr id="48" name="Rounded Rectangle 47">
-            <a:extLst>
-              <a:ext uri="{FF2B5EF4-FFF2-40B4-BE49-F238E27FC236}">
-                <a16:creationId xmlns:a16="http://schemas.microsoft.com/office/drawing/2014/main" id="{DF9404BB-70CC-AF49-B85D-70D497B482F0}"/>
-              </a:ext>
-            </a:extLst>
-          </p:cNvPr>
-          <p:cNvSpPr/>
-          <p:nvPr/>
-        </p:nvSpPr>
-        <p:spPr>
-          <a:xfrm>
-            <a:off x="513232" y="4467090"/>
-            <a:ext cx="2913321" cy="520995"/>
-          </a:xfrm>
-          <a:prstGeom prst="roundRect">
-            <a:avLst/>
-          </a:prstGeom>
-          <a:noFill/>
-          <a:ln>
-            <a:solidFill>
-              <a:schemeClr val="tx1"/>
-            </a:solidFill>
-          </a:ln>
-        </p:spPr>
-        <p:style>
-          <a:lnRef idx="2">
-            <a:schemeClr val="accent1">
-              <a:shade val="50000"/>
-            </a:schemeClr>
-          </a:lnRef>
-          <a:fillRef idx="1">
-            <a:schemeClr val="accent1"/>
-          </a:fillRef>
-          <a:effectRef idx="0">
-            <a:schemeClr val="accent1"/>
-          </a:effectRef>
-          <a:fontRef idx="minor">
-            <a:schemeClr val="lt1"/>
-          </a:fontRef>
-        </p:style>
-        <p:txBody>
-          <a:bodyPr rot="0" spcFirstLastPara="0" vertOverflow="overflow" horzOverflow="overflow" vert="horz" wrap="square" lIns="91440" tIns="45720" rIns="91440" bIns="45720" numCol="1" spcCol="0" rtlCol="0" fromWordArt="0" anchor="ctr" anchorCtr="0" forceAA="0" compatLnSpc="1">
-            <a:prstTxWarp prst="textNoShape">
-              <a:avLst/>
-            </a:prstTxWarp>
-            <a:noAutofit/>
-          </a:bodyPr>
-          <a:lstStyle/>
-          <a:p>
-            <a:pPr algn="ctr"/>
-            <a:r>
-              <a:rPr lang="de-DE" sz="1600">
-                <a:solidFill>
-                  <a:schemeClr val="tx1"/>
-                </a:solidFill>
-                <a:cs typeface="Times New Roman" panose="02020603050405020304" pitchFamily="18" charset="0"/>
-              </a:rPr>
-              <a:t>Deletion of complete</a:t>
-            </a:r>
-          </a:p>
-        </p:txBody>
-      </p:sp>
-      <p:cxnSp>
-        <p:nvCxnSpPr>
-          <p:cNvPr id="50" name="Straight Arrow Connector 49">
-            <a:extLst>
-              <a:ext uri="{FF2B5EF4-FFF2-40B4-BE49-F238E27FC236}">
-                <a16:creationId xmlns:a16="http://schemas.microsoft.com/office/drawing/2014/main" id="{39CC83E0-4094-2B40-A0BC-EE25253A4A49}"/>
-              </a:ext>
-            </a:extLst>
-          </p:cNvPr>
-          <p:cNvCxnSpPr>
-            <a:stCxn id="48" idx="3"/>
-            <a:endCxn id="14" idx="1"/>
-          </p:cNvCxnSpPr>
-          <p:nvPr/>
-        </p:nvCxnSpPr>
-        <p:spPr>
-          <a:xfrm>
-            <a:off x="3426552" y="4727588"/>
-            <a:ext cx="1789816" cy="17"/>
-          </a:xfrm>
-          <a:prstGeom prst="straightConnector1">
-            <a:avLst/>
-          </a:prstGeom>
-          <a:ln>
-            <a:solidFill>
-              <a:schemeClr val="tx1"/>
-            </a:solidFill>
-            <a:tailEnd type="triangle"/>
-          </a:ln>
-        </p:spPr>
-        <p:style>
-          <a:lnRef idx="1">
-            <a:schemeClr val="accent1"/>
-          </a:lnRef>
-          <a:fillRef idx="0">
-            <a:schemeClr val="accent1"/>
-          </a:fillRef>
-          <a:effectRef idx="0">
-            <a:schemeClr val="accent1"/>
-          </a:effectRef>
-          <a:fontRef idx="minor">
-            <a:schemeClr val="tx1"/>
-          </a:fontRef>
-        </p:style>
-      </p:cxnSp>
-      <p:sp>
-        <p:nvSpPr>
-          <p:cNvPr id="51" name="TextBox 50">
-            <a:extLst>
-              <a:ext uri="{FF2B5EF4-FFF2-40B4-BE49-F238E27FC236}">
-                <a16:creationId xmlns:a16="http://schemas.microsoft.com/office/drawing/2014/main" id="{FD7963BD-68A9-E74D-9DE2-9B042757A137}"/>
-              </a:ext>
-            </a:extLst>
-          </p:cNvPr>
-          <p:cNvSpPr txBox="1"/>
-          <p:nvPr/>
-        </p:nvSpPr>
-        <p:spPr>
-          <a:xfrm>
-            <a:off x="513232" y="6173577"/>
-            <a:ext cx="3059308" cy="400110"/>
-          </a:xfrm>
-          <a:prstGeom prst="rect">
-            <a:avLst/>
-          </a:prstGeom>
-          <a:noFill/>
-        </p:spPr>
-        <p:txBody>
-          <a:bodyPr wrap="square" rtlCol="0">
-            <a:spAutoFit/>
-          </a:bodyPr>
-          <a:lstStyle/>
-          <a:p>
-            <a:pPr algn="ctr"/>
-            <a:r>
-              <a:rPr lang="de-DE" sz="2000" b="1">
-                <a:cs typeface="Times New Roman" panose="02020603050405020304" pitchFamily="18" charset="0"/>
-              </a:rPr>
-              <a:t>Dataset B</a:t>
-            </a:r>
-          </a:p>
-        </p:txBody>
-      </p:sp>
-      <p:sp>
-        <p:nvSpPr>
-          <p:cNvPr id="52" name="TextBox 51">
-            <a:extLst>
-              <a:ext uri="{FF2B5EF4-FFF2-40B4-BE49-F238E27FC236}">
-                <a16:creationId xmlns:a16="http://schemas.microsoft.com/office/drawing/2014/main" id="{374E786B-773B-DC49-A7E9-A7D13762739B}"/>
-              </a:ext>
-            </a:extLst>
-          </p:cNvPr>
-          <p:cNvSpPr txBox="1"/>
-          <p:nvPr/>
-        </p:nvSpPr>
-        <p:spPr>
-          <a:xfrm>
-            <a:off x="5143375" y="6173577"/>
-            <a:ext cx="3059308" cy="400110"/>
-          </a:xfrm>
-          <a:prstGeom prst="rect">
-            <a:avLst/>
-          </a:prstGeom>
-          <a:noFill/>
-        </p:spPr>
-        <p:txBody>
-          <a:bodyPr wrap="square" rtlCol="0">
-            <a:spAutoFit/>
-          </a:bodyPr>
-          <a:lstStyle/>
-          <a:p>
-            <a:pPr algn="ctr"/>
-            <a:r>
-              <a:rPr lang="de-DE" sz="2000" b="1">
-                <a:cs typeface="Times New Roman" panose="02020603050405020304" pitchFamily="18" charset="0"/>
-              </a:rPr>
-              <a:t>Dataset A</a:t>
-            </a:r>
-          </a:p>
-        </p:txBody>
-      </p:sp>
-      <p:sp>
-        <p:nvSpPr>
-          <p:cNvPr id="26" name="Rounded Rectangle 25">
-            <a:extLst>
-              <a:ext uri="{FF2B5EF4-FFF2-40B4-BE49-F238E27FC236}">
-                <a16:creationId xmlns:a16="http://schemas.microsoft.com/office/drawing/2014/main" id="{85CE8006-14A0-E74B-B7A1-8542C379160A}"/>
-              </a:ext>
-            </a:extLst>
-          </p:cNvPr>
-          <p:cNvSpPr/>
-          <p:nvPr/>
-        </p:nvSpPr>
-        <p:spPr>
-          <a:xfrm>
-            <a:off x="5257130" y="5320342"/>
-            <a:ext cx="2913321" cy="520995"/>
-          </a:xfrm>
-          <a:prstGeom prst="roundRect">
-            <a:avLst/>
-          </a:prstGeom>
-          <a:noFill/>
-          <a:ln>
-            <a:solidFill>
-              <a:schemeClr val="tx1"/>
-            </a:solidFill>
-          </a:ln>
-        </p:spPr>
-        <p:style>
-          <a:lnRef idx="2">
-            <a:schemeClr val="accent1">
-              <a:shade val="50000"/>
-            </a:schemeClr>
-          </a:lnRef>
-          <a:fillRef idx="1">
-            <a:schemeClr val="accent1"/>
-          </a:fillRef>
-          <a:effectRef idx="0">
-            <a:schemeClr val="accent1"/>
-          </a:effectRef>
-          <a:fontRef idx="minor">
-            <a:schemeClr val="lt1"/>
-          </a:fontRef>
-        </p:style>
-        <p:txBody>
-          <a:bodyPr rot="0" spcFirstLastPara="0" vertOverflow="overflow" horzOverflow="overflow" vert="horz" wrap="square" lIns="91440" tIns="45720" rIns="91440" bIns="45720" numCol="1" spcCol="0" rtlCol="0" fromWordArt="0" anchor="ctr" anchorCtr="0" forceAA="0" compatLnSpc="1">
-            <a:prstTxWarp prst="textNoShape">
-              <a:avLst/>
-            </a:prstTxWarp>
-            <a:noAutofit/>
-          </a:bodyPr>
-          <a:lstStyle/>
-          <a:p>
-            <a:pPr algn="ctr"/>
-            <a:r>
-              <a:rPr lang="de-DE" sz="1600">
-                <a:solidFill>
-                  <a:srgbClr val="FF0000"/>
-                </a:solidFill>
-                <a:cs typeface="Times New Roman" panose="02020603050405020304" pitchFamily="18" charset="0"/>
-              </a:rPr>
-              <a:t>No mapping</a:t>
-            </a:r>
-          </a:p>
-        </p:txBody>
-      </p:sp>
     </p:spTree>
     <p:extLst>
       <p:ext uri="{BB962C8B-B14F-4D97-AF65-F5344CB8AC3E}">
-        <p14:creationId xmlns:p14="http://schemas.microsoft.com/office/powerpoint/2010/main" val="4292681988"/>
+        <p14:creationId xmlns:p14="http://schemas.microsoft.com/office/powerpoint/2010/main" val="4159186353"/>
       </p:ext>
     </p:extLst>
   </p:cSld>
